--- a/Documents/BDM-3035.pptx
+++ b/Documents/BDM-3035.pptx
@@ -5,32 +5,31 @@
     <p:sldMasterId id="2147483672" r:id="rId4"/>
   </p:sldMasterIdLst>
   <p:notesMasterIdLst>
-    <p:notesMasterId r:id="rId25"/>
+    <p:notesMasterId r:id="rId24"/>
   </p:notesMasterIdLst>
   <p:handoutMasterIdLst>
-    <p:handoutMasterId r:id="rId26"/>
+    <p:handoutMasterId r:id="rId25"/>
   </p:handoutMasterIdLst>
   <p:sldIdLst>
     <p:sldId id="256" r:id="rId5"/>
     <p:sldId id="262" r:id="rId6"/>
     <p:sldId id="264" r:id="rId7"/>
     <p:sldId id="261" r:id="rId8"/>
-    <p:sldId id="266" r:id="rId9"/>
-    <p:sldId id="267" r:id="rId10"/>
-    <p:sldId id="269" r:id="rId11"/>
-    <p:sldId id="270" r:id="rId12"/>
-    <p:sldId id="268" r:id="rId13"/>
-    <p:sldId id="271" r:id="rId14"/>
-    <p:sldId id="279" r:id="rId15"/>
-    <p:sldId id="272" r:id="rId16"/>
-    <p:sldId id="273" r:id="rId17"/>
-    <p:sldId id="274" r:id="rId18"/>
-    <p:sldId id="275" r:id="rId19"/>
-    <p:sldId id="276" r:id="rId20"/>
-    <p:sldId id="277" r:id="rId21"/>
-    <p:sldId id="280" r:id="rId22"/>
-    <p:sldId id="278" r:id="rId23"/>
-    <p:sldId id="260" r:id="rId24"/>
+    <p:sldId id="267" r:id="rId9"/>
+    <p:sldId id="269" r:id="rId10"/>
+    <p:sldId id="270" r:id="rId11"/>
+    <p:sldId id="268" r:id="rId12"/>
+    <p:sldId id="271" r:id="rId13"/>
+    <p:sldId id="279" r:id="rId14"/>
+    <p:sldId id="272" r:id="rId15"/>
+    <p:sldId id="273" r:id="rId16"/>
+    <p:sldId id="274" r:id="rId17"/>
+    <p:sldId id="275" r:id="rId18"/>
+    <p:sldId id="276" r:id="rId19"/>
+    <p:sldId id="277" r:id="rId20"/>
+    <p:sldId id="280" r:id="rId21"/>
+    <p:sldId id="278" r:id="rId22"/>
+    <p:sldId id="260" r:id="rId23"/>
   </p:sldIdLst>
   <p:sldSz cx="12192000" cy="6858000"/>
   <p:notesSz cx="6858000" cy="9144000"/>
@@ -1766,7 +1765,7 @@
           <a:p>
             <a:fld id="{C6B3AB32-59DF-41F1-9618-EDFBF5049629}" type="slidenum">
               <a:rPr lang="en-US" smtClean="0"/>
-              <a:t>12</a:t>
+              <a:t>13</a:t>
             </a:fld>
             <a:endParaRPr lang="en-US" dirty="0"/>
           </a:p>
@@ -1775,7 +1774,7 @@
     </p:spTree>
     <p:extLst>
       <p:ext uri="{BB962C8B-B14F-4D97-AF65-F5344CB8AC3E}">
-        <p14:creationId xmlns:p14="http://schemas.microsoft.com/office/powerpoint/2010/main" val="1676677863"/>
+        <p14:creationId xmlns:p14="http://schemas.microsoft.com/office/powerpoint/2010/main" val="1180943051"/>
       </p:ext>
     </p:extLst>
   </p:cSld>
@@ -1859,7 +1858,7 @@
     </p:spTree>
     <p:extLst>
       <p:ext uri="{BB962C8B-B14F-4D97-AF65-F5344CB8AC3E}">
-        <p14:creationId xmlns:p14="http://schemas.microsoft.com/office/powerpoint/2010/main" val="1180943051"/>
+        <p14:creationId xmlns:p14="http://schemas.microsoft.com/office/powerpoint/2010/main" val="2305857488"/>
       </p:ext>
     </p:extLst>
   </p:cSld>
@@ -1943,7 +1942,7 @@
     </p:spTree>
     <p:extLst>
       <p:ext uri="{BB962C8B-B14F-4D97-AF65-F5344CB8AC3E}">
-        <p14:creationId xmlns:p14="http://schemas.microsoft.com/office/powerpoint/2010/main" val="2305857488"/>
+        <p14:creationId xmlns:p14="http://schemas.microsoft.com/office/powerpoint/2010/main" val="2364786075"/>
       </p:ext>
     </p:extLst>
   </p:cSld>
@@ -2027,7 +2026,7 @@
     </p:spTree>
     <p:extLst>
       <p:ext uri="{BB962C8B-B14F-4D97-AF65-F5344CB8AC3E}">
-        <p14:creationId xmlns:p14="http://schemas.microsoft.com/office/powerpoint/2010/main" val="2364786075"/>
+        <p14:creationId xmlns:p14="http://schemas.microsoft.com/office/powerpoint/2010/main" val="2861983225"/>
       </p:ext>
     </p:extLst>
   </p:cSld>
@@ -2111,7 +2110,7 @@
     </p:spTree>
     <p:extLst>
       <p:ext uri="{BB962C8B-B14F-4D97-AF65-F5344CB8AC3E}">
-        <p14:creationId xmlns:p14="http://schemas.microsoft.com/office/powerpoint/2010/main" val="2861983225"/>
+        <p14:creationId xmlns:p14="http://schemas.microsoft.com/office/powerpoint/2010/main" val="4001705876"/>
       </p:ext>
     </p:extLst>
   </p:cSld>
@@ -2195,7 +2194,7 @@
     </p:spTree>
     <p:extLst>
       <p:ext uri="{BB962C8B-B14F-4D97-AF65-F5344CB8AC3E}">
-        <p14:creationId xmlns:p14="http://schemas.microsoft.com/office/powerpoint/2010/main" val="4001705876"/>
+        <p14:creationId xmlns:p14="http://schemas.microsoft.com/office/powerpoint/2010/main" val="2105223203"/>
       </p:ext>
     </p:extLst>
   </p:cSld>
@@ -2271,90 +2270,6 @@
             <a:fld id="{C6B3AB32-59DF-41F1-9618-EDFBF5049629}" type="slidenum">
               <a:rPr lang="en-US" smtClean="0"/>
               <a:t>19</a:t>
-            </a:fld>
-            <a:endParaRPr lang="en-US" dirty="0"/>
-          </a:p>
-        </p:txBody>
-      </p:sp>
-    </p:spTree>
-    <p:extLst>
-      <p:ext uri="{BB962C8B-B14F-4D97-AF65-F5344CB8AC3E}">
-        <p14:creationId xmlns:p14="http://schemas.microsoft.com/office/powerpoint/2010/main" val="2105223203"/>
-      </p:ext>
-    </p:extLst>
-  </p:cSld>
-  <p:clrMapOvr>
-    <a:masterClrMapping/>
-  </p:clrMapOvr>
-</p:notes>
-</file>
-
-<file path=ppt/notesSlides/notesSlide17.xml><?xml version="1.0" encoding="utf-8"?>
-<p:notes xmlns:a="http://schemas.openxmlformats.org/drawingml/2006/main" xmlns:r="http://schemas.openxmlformats.org/officeDocument/2006/relationships" xmlns:p="http://schemas.openxmlformats.org/presentationml/2006/main">
-  <p:cSld>
-    <p:spTree>
-      <p:nvGrpSpPr>
-        <p:cNvPr id="1" name=""/>
-        <p:cNvGrpSpPr/>
-        <p:nvPr/>
-      </p:nvGrpSpPr>
-      <p:grpSpPr>
-        <a:xfrm>
-          <a:off x="0" y="0"/>
-          <a:ext cx="0" cy="0"/>
-          <a:chOff x="0" y="0"/>
-          <a:chExt cx="0" cy="0"/>
-        </a:xfrm>
-      </p:grpSpPr>
-      <p:sp>
-        <p:nvSpPr>
-          <p:cNvPr id="2" name="Slide Image Placeholder 1"/>
-          <p:cNvSpPr>
-            <a:spLocks noGrp="1" noRot="1" noChangeAspect="1"/>
-          </p:cNvSpPr>
-          <p:nvPr>
-            <p:ph type="sldImg"/>
-          </p:nvPr>
-        </p:nvSpPr>
-        <p:spPr/>
-      </p:sp>
-      <p:sp>
-        <p:nvSpPr>
-          <p:cNvPr id="3" name="Notes Placeholder 2"/>
-          <p:cNvSpPr>
-            <a:spLocks noGrp="1"/>
-          </p:cNvSpPr>
-          <p:nvPr>
-            <p:ph type="body" idx="1"/>
-          </p:nvPr>
-        </p:nvSpPr>
-        <p:spPr/>
-        <p:txBody>
-          <a:bodyPr/>
-          <a:lstStyle/>
-          <a:p>
-            <a:endParaRPr lang="en-US" dirty="0"/>
-          </a:p>
-        </p:txBody>
-      </p:sp>
-      <p:sp>
-        <p:nvSpPr>
-          <p:cNvPr id="4" name="Slide Number Placeholder 3"/>
-          <p:cNvSpPr>
-            <a:spLocks noGrp="1"/>
-          </p:cNvSpPr>
-          <p:nvPr>
-            <p:ph type="sldNum" sz="quarter" idx="5"/>
-          </p:nvPr>
-        </p:nvSpPr>
-        <p:spPr/>
-        <p:txBody>
-          <a:bodyPr/>
-          <a:lstStyle/>
-          <a:p>
-            <a:fld id="{C6B3AB32-59DF-41F1-9618-EDFBF5049629}" type="slidenum">
-              <a:rPr lang="en-US" smtClean="0"/>
-              <a:t>20</a:t>
             </a:fld>
             <a:endParaRPr lang="en-US" dirty="0"/>
           </a:p>
@@ -2615,7 +2530,7 @@
     </p:spTree>
     <p:extLst>
       <p:ext uri="{BB962C8B-B14F-4D97-AF65-F5344CB8AC3E}">
-        <p14:creationId xmlns:p14="http://schemas.microsoft.com/office/powerpoint/2010/main" val="4201469164"/>
+        <p14:creationId xmlns:p14="http://schemas.microsoft.com/office/powerpoint/2010/main" val="3067417525"/>
       </p:ext>
     </p:extLst>
   </p:cSld>
@@ -2690,7 +2605,7 @@
           <a:p>
             <a:fld id="{C6B3AB32-59DF-41F1-9618-EDFBF5049629}" type="slidenum">
               <a:rPr lang="en-US" smtClean="0"/>
-              <a:t>6</a:t>
+              <a:t>7</a:t>
             </a:fld>
             <a:endParaRPr lang="en-US" dirty="0"/>
           </a:p>
@@ -2699,7 +2614,7 @@
     </p:spTree>
     <p:extLst>
       <p:ext uri="{BB962C8B-B14F-4D97-AF65-F5344CB8AC3E}">
-        <p14:creationId xmlns:p14="http://schemas.microsoft.com/office/powerpoint/2010/main" val="3067417525"/>
+        <p14:creationId xmlns:p14="http://schemas.microsoft.com/office/powerpoint/2010/main" val="3925954449"/>
       </p:ext>
     </p:extLst>
   </p:cSld>
@@ -2783,7 +2698,7 @@
     </p:spTree>
     <p:extLst>
       <p:ext uri="{BB962C8B-B14F-4D97-AF65-F5344CB8AC3E}">
-        <p14:creationId xmlns:p14="http://schemas.microsoft.com/office/powerpoint/2010/main" val="3925954449"/>
+        <p14:creationId xmlns:p14="http://schemas.microsoft.com/office/powerpoint/2010/main" val="2230892122"/>
       </p:ext>
     </p:extLst>
   </p:cSld>
@@ -2867,7 +2782,7 @@
     </p:spTree>
     <p:extLst>
       <p:ext uri="{BB962C8B-B14F-4D97-AF65-F5344CB8AC3E}">
-        <p14:creationId xmlns:p14="http://schemas.microsoft.com/office/powerpoint/2010/main" val="2230892122"/>
+        <p14:creationId xmlns:p14="http://schemas.microsoft.com/office/powerpoint/2010/main" val="3894042866"/>
       </p:ext>
     </p:extLst>
   </p:cSld>
@@ -2951,7 +2866,7 @@
     </p:spTree>
     <p:extLst>
       <p:ext uri="{BB962C8B-B14F-4D97-AF65-F5344CB8AC3E}">
-        <p14:creationId xmlns:p14="http://schemas.microsoft.com/office/powerpoint/2010/main" val="3894042866"/>
+        <p14:creationId xmlns:p14="http://schemas.microsoft.com/office/powerpoint/2010/main" val="3659975290"/>
       </p:ext>
     </p:extLst>
   </p:cSld>
@@ -3035,7 +2950,7 @@
     </p:spTree>
     <p:extLst>
       <p:ext uri="{BB962C8B-B14F-4D97-AF65-F5344CB8AC3E}">
-        <p14:creationId xmlns:p14="http://schemas.microsoft.com/office/powerpoint/2010/main" val="3659975290"/>
+        <p14:creationId xmlns:p14="http://schemas.microsoft.com/office/powerpoint/2010/main" val="1676677863"/>
       </p:ext>
     </p:extLst>
   </p:cSld>
@@ -7385,7 +7300,23 @@
                 <a:ea typeface="Aptos" panose="020B0004020202020204" pitchFamily="34" charset="0"/>
                 <a:sym typeface="Wingdings" panose="05000000000000000000" pitchFamily="2" charset="2"/>
               </a:rPr>
-              <a:t>Brief explanation about:</a:t>
+              <a:t>Brief explanation about: (</a:t>
+            </a:r>
+            <a:r>
+              <a:rPr lang="en-US" sz="2800" dirty="0" err="1">
+                <a:latin typeface="Gill Sans MT (Body)"/>
+                <a:ea typeface="Aptos" panose="020B0004020202020204" pitchFamily="34" charset="0"/>
+                <a:sym typeface="Wingdings" panose="05000000000000000000" pitchFamily="2" charset="2"/>
+              </a:rPr>
+              <a:t>cont</a:t>
+            </a:r>
+            <a:r>
+              <a:rPr lang="en-US" sz="2800" dirty="0">
+                <a:latin typeface="Gill Sans MT (Body)"/>
+                <a:ea typeface="Aptos" panose="020B0004020202020204" pitchFamily="34" charset="0"/>
+                <a:sym typeface="Wingdings" panose="05000000000000000000" pitchFamily="2" charset="2"/>
+              </a:rPr>
+              <a:t>)</a:t>
             </a:r>
           </a:p>
           <a:p>
@@ -7420,7 +7351,7 @@
     </p:spTree>
     <p:extLst>
       <p:ext uri="{BB962C8B-B14F-4D97-AF65-F5344CB8AC3E}">
-        <p14:creationId xmlns:p14="http://schemas.microsoft.com/office/powerpoint/2010/main" val="3216531355"/>
+        <p14:creationId xmlns:p14="http://schemas.microsoft.com/office/powerpoint/2010/main" val="2518035639"/>
       </p:ext>
     </p:extLst>
   </p:cSld>
@@ -7524,47 +7455,101 @@
                 <a:ea typeface="Aptos" panose="020B0004020202020204" pitchFamily="34" charset="0"/>
                 <a:sym typeface="Wingdings" panose="05000000000000000000" pitchFamily="2" charset="2"/>
               </a:rPr>
-              <a:t>Brief explanation about: (</a:t>
-            </a:r>
-            <a:r>
-              <a:rPr lang="en-US" sz="2800" dirty="0" err="1">
+              <a:t>For compiling the model, we used the following settings:</a:t>
+            </a:r>
+          </a:p>
+          <a:p>
+            <a:pPr lvl="1" algn="just">
+              <a:buFont typeface="Wingdings" panose="05000000000000000000" pitchFamily="2" charset="2"/>
+              <a:buChar char="Ø"/>
+            </a:pPr>
+            <a:r>
+              <a:rPr lang="en-US" sz="2200" dirty="0">
                 <a:latin typeface="Gill Sans MT (Body)"/>
                 <a:ea typeface="Aptos" panose="020B0004020202020204" pitchFamily="34" charset="0"/>
                 <a:sym typeface="Wingdings" panose="05000000000000000000" pitchFamily="2" charset="2"/>
               </a:rPr>
-              <a:t>cont</a:t>
-            </a:r>
+              <a:t>Optimizer  Adam</a:t>
+            </a:r>
+          </a:p>
+          <a:p>
+            <a:pPr lvl="1" algn="just">
+              <a:buFont typeface="Wingdings" panose="05000000000000000000" pitchFamily="2" charset="2"/>
+              <a:buChar char="Ø"/>
+            </a:pPr>
+            <a:r>
+              <a:rPr lang="en-US" sz="2200" dirty="0">
+                <a:latin typeface="Gill Sans MT (Body)"/>
+                <a:ea typeface="Aptos" panose="020B0004020202020204" pitchFamily="34" charset="0"/>
+                <a:sym typeface="Wingdings" panose="05000000000000000000" pitchFamily="2" charset="2"/>
+              </a:rPr>
+              <a:t>Classification loss  SparseCategoricalCrossentropy</a:t>
+            </a:r>
+          </a:p>
+          <a:p>
+            <a:pPr lvl="1" algn="just"/>
+            <a:endParaRPr lang="en-US" sz="2800" dirty="0">
+              <a:latin typeface="Gill Sans MT (Body)"/>
+              <a:ea typeface="Aptos" panose="020B0004020202020204" pitchFamily="34" charset="0"/>
+              <a:sym typeface="Wingdings" panose="05000000000000000000" pitchFamily="2" charset="2"/>
+            </a:endParaRPr>
+          </a:p>
+          <a:p>
+            <a:pPr algn="just"/>
             <a:r>
               <a:rPr lang="en-US" sz="2800" dirty="0">
                 <a:latin typeface="Gill Sans MT (Body)"/>
                 <a:ea typeface="Aptos" panose="020B0004020202020204" pitchFamily="34" charset="0"/>
                 <a:sym typeface="Wingdings" panose="05000000000000000000" pitchFamily="2" charset="2"/>
               </a:rPr>
-              <a:t>)</a:t>
-            </a:r>
-          </a:p>
-          <a:p>
-            <a:pPr lvl="1" algn="just"/>
-            <a:r>
-              <a:rPr lang="en-US" sz="2600" dirty="0">
+              <a:t>For training process, we used the following callbacks:</a:t>
+            </a:r>
+          </a:p>
+          <a:p>
+            <a:pPr lvl="1" algn="just">
+              <a:buFont typeface="Wingdings" panose="05000000000000000000" pitchFamily="2" charset="2"/>
+              <a:buChar char="Ø"/>
+            </a:pPr>
+            <a:r>
+              <a:rPr lang="en-US" sz="2200" dirty="0">
                 <a:latin typeface="Gill Sans MT (Body)"/>
                 <a:ea typeface="Aptos" panose="020B0004020202020204" pitchFamily="34" charset="0"/>
                 <a:sym typeface="Wingdings" panose="05000000000000000000" pitchFamily="2" charset="2"/>
               </a:rPr>
-              <a:t>TensorFlow, Keras, VGG16, GlobalMaxPooling2D</a:t>
+              <a:t>TensorBoard  Just for logging (not for visualizations)</a:t>
+            </a:r>
+          </a:p>
+          <a:p>
+            <a:pPr lvl="1" algn="just">
+              <a:buFont typeface="Wingdings" panose="05000000000000000000" pitchFamily="2" charset="2"/>
+              <a:buChar char="Ø"/>
+            </a:pPr>
+            <a:r>
+              <a:rPr lang="en-US" sz="2200" dirty="0">
+                <a:latin typeface="Gill Sans MT (Body)"/>
+                <a:ea typeface="Aptos" panose="020B0004020202020204" pitchFamily="34" charset="0"/>
+                <a:sym typeface="Wingdings" panose="05000000000000000000" pitchFamily="2" charset="2"/>
+              </a:rPr>
+              <a:t>EarlyStopping  It stops epochs if metrics no longer get better</a:t>
+            </a:r>
+          </a:p>
+          <a:p>
+            <a:pPr lvl="1" algn="just">
+              <a:buFont typeface="Wingdings" panose="05000000000000000000" pitchFamily="2" charset="2"/>
+              <a:buChar char="Ø"/>
+            </a:pPr>
+            <a:r>
+              <a:rPr lang="en-US" sz="2200" dirty="0">
+                <a:latin typeface="Gill Sans MT (Body)"/>
+                <a:ea typeface="Aptos" panose="020B0004020202020204" pitchFamily="34" charset="0"/>
+                <a:sym typeface="Wingdings" panose="05000000000000000000" pitchFamily="2" charset="2"/>
+              </a:rPr>
+              <a:t>ModelCheckpoint  For tracking and saving the best weights and metrics</a:t>
             </a:r>
           </a:p>
           <a:p>
             <a:pPr lvl="1" algn="just"/>
-            <a:r>
-              <a:rPr lang="en-CA" sz="2800" dirty="0">
-                <a:solidFill>
-                  <a:schemeClr val="tx1"/>
-                </a:solidFill>
-              </a:rPr>
-              <a:t>(Saurabh)</a:t>
-            </a:r>
-            <a:endParaRPr lang="en-US" sz="2600" dirty="0">
+            <a:endParaRPr lang="en-US" sz="2200" dirty="0">
               <a:latin typeface="Gill Sans MT (Body)"/>
               <a:ea typeface="Aptos" panose="020B0004020202020204" pitchFamily="34" charset="0"/>
               <a:sym typeface="Wingdings" panose="05000000000000000000" pitchFamily="2" charset="2"/>
@@ -7575,7 +7560,7 @@
     </p:spTree>
     <p:extLst>
       <p:ext uri="{BB962C8B-B14F-4D97-AF65-F5344CB8AC3E}">
-        <p14:creationId xmlns:p14="http://schemas.microsoft.com/office/powerpoint/2010/main" val="2518035639"/>
+        <p14:creationId xmlns:p14="http://schemas.microsoft.com/office/powerpoint/2010/main" val="810825584"/>
       </p:ext>
     </p:extLst>
   </p:cSld>
@@ -7586,6 +7571,164 @@
 </file>
 
 <file path=ppt/slides/slide12.xml><?xml version="1.0" encoding="utf-8"?>
+<p:sld xmlns:a="http://schemas.openxmlformats.org/drawingml/2006/main" xmlns:r="http://schemas.openxmlformats.org/officeDocument/2006/relationships" xmlns:p="http://schemas.openxmlformats.org/presentationml/2006/main">
+  <p:cSld>
+    <p:spTree>
+      <p:nvGrpSpPr>
+        <p:cNvPr id="1" name=""/>
+        <p:cNvGrpSpPr/>
+        <p:nvPr/>
+      </p:nvGrpSpPr>
+      <p:grpSpPr>
+        <a:xfrm>
+          <a:off x="0" y="0"/>
+          <a:ext cx="0" cy="0"/>
+          <a:chOff x="0" y="0"/>
+          <a:chExt cx="0" cy="0"/>
+        </a:xfrm>
+      </p:grpSpPr>
+      <p:sp>
+        <p:nvSpPr>
+          <p:cNvPr id="2" name="Title 1">
+            <a:extLst>
+              <a:ext uri="{FF2B5EF4-FFF2-40B4-BE49-F238E27FC236}">
+                <a16:creationId xmlns:a16="http://schemas.microsoft.com/office/drawing/2014/main" id="{921633EB-7DCB-4DDC-80AF-C885A3EE1245}"/>
+              </a:ext>
+            </a:extLst>
+          </p:cNvPr>
+          <p:cNvSpPr>
+            <a:spLocks noGrp="1"/>
+          </p:cNvSpPr>
+          <p:nvPr>
+            <p:ph type="title"/>
+          </p:nvPr>
+        </p:nvSpPr>
+        <p:spPr/>
+        <p:txBody>
+          <a:bodyPr/>
+          <a:lstStyle/>
+          <a:p>
+            <a:r>
+              <a:rPr lang="en-US" dirty="0"/>
+              <a:t>Analysis and Results</a:t>
+            </a:r>
+          </a:p>
+        </p:txBody>
+      </p:sp>
+      <p:pic>
+        <p:nvPicPr>
+          <p:cNvPr id="11" name="Content Placeholder 4" descr="Charts">
+            <a:extLst>
+              <a:ext uri="{FF2B5EF4-FFF2-40B4-BE49-F238E27FC236}">
+                <a16:creationId xmlns:a16="http://schemas.microsoft.com/office/drawing/2014/main" id="{47D9BE16-119C-43B2-9AE6-18C4A150C0EF}"/>
+              </a:ext>
+            </a:extLst>
+          </p:cNvPr>
+          <p:cNvPicPr>
+            <a:picLocks noGrp="1" noChangeAspect="1"/>
+          </p:cNvPicPr>
+          <p:nvPr>
+            <p:ph sz="half" idx="1"/>
+          </p:nvPr>
+        </p:nvPicPr>
+        <p:blipFill rotWithShape="1">
+          <a:blip r:embed="rId2" cstate="screen">
+            <a:extLst>
+              <a:ext uri="{28A0092B-C50C-407E-A947-70E740481C1C}">
+                <a14:useLocalDpi xmlns:a14="http://schemas.microsoft.com/office/drawing/2010/main"/>
+              </a:ext>
+            </a:extLst>
+          </a:blip>
+          <a:stretch/>
+        </p:blipFill>
+        <p:spPr>
+          <a:xfrm>
+            <a:off x="585915" y="2231480"/>
+            <a:ext cx="5422900" cy="3625353"/>
+          </a:xfrm>
+        </p:spPr>
+      </p:pic>
+      <p:graphicFrame>
+        <p:nvGraphicFramePr>
+          <p:cNvPr id="5" name="Content Placeholder 4">
+            <a:extLst>
+              <a:ext uri="{FF2B5EF4-FFF2-40B4-BE49-F238E27FC236}">
+                <a16:creationId xmlns:a16="http://schemas.microsoft.com/office/drawing/2014/main" id="{D169724C-7B0B-C473-398B-B90A9BB9FAD9}"/>
+              </a:ext>
+            </a:extLst>
+          </p:cNvPr>
+          <p:cNvGraphicFramePr>
+            <a:graphicFrameLocks noGrp="1"/>
+          </p:cNvGraphicFramePr>
+          <p:nvPr>
+            <p:ph sz="half" idx="2"/>
+            <p:extLst>
+              <p:ext uri="{D42A27DB-BD31-4B8C-83A1-F6EECF244321}">
+                <p14:modId xmlns:p14="http://schemas.microsoft.com/office/powerpoint/2010/main" val="2404540204"/>
+              </p:ext>
+            </p:extLst>
+          </p:nvPr>
+        </p:nvGraphicFramePr>
+        <p:xfrm>
+          <a:off x="6221474" y="2231480"/>
+          <a:ext cx="5422900" cy="3633787"/>
+        </p:xfrm>
+        <a:graphic>
+          <a:graphicData uri="http://schemas.openxmlformats.org/drawingml/2006/chart">
+            <c:chart xmlns:c="http://schemas.openxmlformats.org/drawingml/2006/chart" xmlns:r="http://schemas.openxmlformats.org/officeDocument/2006/relationships" r:id="rId3"/>
+          </a:graphicData>
+        </a:graphic>
+      </p:graphicFrame>
+      <p:sp>
+        <p:nvSpPr>
+          <p:cNvPr id="3" name="TextBox 2">
+            <a:extLst>
+              <a:ext uri="{FF2B5EF4-FFF2-40B4-BE49-F238E27FC236}">
+                <a16:creationId xmlns:a16="http://schemas.microsoft.com/office/drawing/2014/main" id="{557D25BD-B19E-696F-7B12-A2C10A643363}"/>
+              </a:ext>
+            </a:extLst>
+          </p:cNvPr>
+          <p:cNvSpPr txBox="1"/>
+          <p:nvPr/>
+        </p:nvSpPr>
+        <p:spPr>
+          <a:xfrm>
+            <a:off x="4690871" y="5856833"/>
+            <a:ext cx="1313053" cy="246221"/>
+          </a:xfrm>
+          <a:prstGeom prst="rect">
+            <a:avLst/>
+          </a:prstGeom>
+          <a:noFill/>
+        </p:spPr>
+        <p:txBody>
+          <a:bodyPr wrap="square" rtlCol="0">
+            <a:spAutoFit/>
+          </a:bodyPr>
+          <a:lstStyle/>
+          <a:p>
+            <a:r>
+              <a:rPr lang="en-US" sz="1000" dirty="0"/>
+              <a:t>(VentureBeat. 2024)</a:t>
+            </a:r>
+            <a:endParaRPr lang="en-CA" sz="1000" dirty="0"/>
+          </a:p>
+        </p:txBody>
+      </p:sp>
+    </p:spTree>
+    <p:extLst>
+      <p:ext uri="{BB962C8B-B14F-4D97-AF65-F5344CB8AC3E}">
+        <p14:creationId xmlns:p14="http://schemas.microsoft.com/office/powerpoint/2010/main" val="3731270329"/>
+      </p:ext>
+    </p:extLst>
+  </p:cSld>
+  <p:clrMapOvr>
+    <a:masterClrMapping/>
+  </p:clrMapOvr>
+</p:sld>
+</file>
+
+<file path=ppt/slides/slide13.xml><?xml version="1.0" encoding="utf-8"?>
 <p:sld xmlns:a="http://schemas.openxmlformats.org/drawingml/2006/main" xmlns:r="http://schemas.openxmlformats.org/officeDocument/2006/relationships" xmlns:p="http://schemas.openxmlformats.org/presentationml/2006/main">
   <p:cSld>
     <p:bg>
@@ -7634,13 +7777,14 @@
           <a:lstStyle/>
           <a:p>
             <a:r>
-              <a:rPr lang="en-US" sz="2800" dirty="0">
-                <a:solidFill>
-                  <a:schemeClr val="bg1"/>
-                </a:solidFill>
-              </a:rPr>
-              <a:t>Methodology</a:t>
-            </a:r>
+              <a:rPr lang="en-US" dirty="0"/>
+              <a:t>Analysis and Results</a:t>
+            </a:r>
+            <a:endParaRPr lang="en-US" sz="2800" dirty="0">
+              <a:solidFill>
+                <a:schemeClr val="bg1"/>
+              </a:solidFill>
+            </a:endParaRPr>
           </a:p>
         </p:txBody>
       </p:sp>
@@ -7663,7 +7807,7 @@
         <p:spPr>
           <a:xfrm>
             <a:off x="581192" y="2180496"/>
-            <a:ext cx="11029615" cy="4443824"/>
+            <a:ext cx="11029615" cy="1995264"/>
           </a:xfrm>
         </p:spPr>
         <p:txBody>
@@ -7674,239 +7818,107 @@
           <a:p>
             <a:pPr algn="just"/>
             <a:r>
-              <a:rPr lang="en-US" sz="2800" dirty="0">
+              <a:rPr lang="en-CA" sz="2200" dirty="0">
+                <a:effectLst/>
+                <a:latin typeface="Gill Sans MT (Body)"/>
+                <a:ea typeface="Aptos" panose="020B0004020202020204" pitchFamily="34" charset="0"/>
+              </a:rPr>
+              <a:t>To evaluate regression predictions (coordinates) we used Intersection Over Union metric</a:t>
+            </a:r>
+          </a:p>
+          <a:p>
+            <a:pPr algn="just"/>
+            <a:r>
+              <a:rPr lang="en-CA" sz="2200" dirty="0">
+                <a:effectLst/>
+                <a:latin typeface="Gill Sans MT (Body)"/>
+                <a:ea typeface="Aptos" panose="020B0004020202020204" pitchFamily="34" charset="0"/>
+              </a:rPr>
+              <a:t>Intersection over Union (</a:t>
+            </a:r>
+            <a:r>
+              <a:rPr lang="en-CA" sz="2200" dirty="0" err="1">
+                <a:effectLst/>
+                <a:latin typeface="Gill Sans MT (Body)"/>
+                <a:ea typeface="Aptos" panose="020B0004020202020204" pitchFamily="34" charset="0"/>
+              </a:rPr>
+              <a:t>IoU</a:t>
+            </a:r>
+            <a:r>
+              <a:rPr lang="en-CA" sz="2200" dirty="0">
+                <a:effectLst/>
+                <a:latin typeface="Gill Sans MT (Body)"/>
+                <a:ea typeface="Aptos" panose="020B0004020202020204" pitchFamily="34" charset="0"/>
+              </a:rPr>
+              <a:t>) is used to </a:t>
+            </a:r>
+            <a:r>
+              <a:rPr lang="en-CA" sz="2200" dirty="0">
+                <a:solidFill>
+                  <a:srgbClr val="051E50"/>
+                </a:solidFill>
+                <a:effectLst/>
+                <a:latin typeface="Gill Sans MT (Body)"/>
+                <a:ea typeface="Aptos" panose="020B0004020202020204" pitchFamily="34" charset="0"/>
+              </a:rPr>
+              <a:t>measure the accuracy</a:t>
+            </a:r>
+            <a:r>
+              <a:rPr lang="en-CA" sz="2200" dirty="0">
+                <a:effectLst/>
+                <a:latin typeface="Gill Sans MT (Body)"/>
+                <a:ea typeface="Aptos" panose="020B0004020202020204" pitchFamily="34" charset="0"/>
+              </a:rPr>
+              <a:t> of object detection by comparing the ground-truth bounding box (green) to the predicted bounding box (red)</a:t>
+            </a:r>
+          </a:p>
+          <a:p>
+            <a:pPr algn="just"/>
+            <a:r>
+              <a:rPr lang="en-CA" sz="2200" dirty="0">
                 <a:latin typeface="Gill Sans MT (Body)"/>
                 <a:ea typeface="Aptos" panose="020B0004020202020204" pitchFamily="34" charset="0"/>
                 <a:sym typeface="Wingdings" panose="05000000000000000000" pitchFamily="2" charset="2"/>
               </a:rPr>
-              <a:t>For compiling the model, we used the following settings:</a:t>
-            </a:r>
-          </a:p>
-          <a:p>
-            <a:pPr lvl="1" algn="just">
-              <a:buFont typeface="Wingdings" panose="05000000000000000000" pitchFamily="2" charset="2"/>
-              <a:buChar char="Ø"/>
-            </a:pPr>
-            <a:r>
-              <a:rPr lang="en-US" sz="2200" dirty="0">
-                <a:latin typeface="Gill Sans MT (Body)"/>
-                <a:ea typeface="Aptos" panose="020B0004020202020204" pitchFamily="34" charset="0"/>
-                <a:sym typeface="Wingdings" panose="05000000000000000000" pitchFamily="2" charset="2"/>
-              </a:rPr>
-              <a:t>Optimizer  Adam</a:t>
-            </a:r>
-          </a:p>
-          <a:p>
-            <a:pPr lvl="1" algn="just">
-              <a:buFont typeface="Wingdings" panose="05000000000000000000" pitchFamily="2" charset="2"/>
-              <a:buChar char="Ø"/>
-            </a:pPr>
-            <a:r>
-              <a:rPr lang="en-US" sz="2200" dirty="0">
-                <a:latin typeface="Gill Sans MT (Body)"/>
-                <a:ea typeface="Aptos" panose="020B0004020202020204" pitchFamily="34" charset="0"/>
-                <a:sym typeface="Wingdings" panose="05000000000000000000" pitchFamily="2" charset="2"/>
-              </a:rPr>
-              <a:t>Classification loss  SparseCategoricalCrossentropy</a:t>
-            </a:r>
-          </a:p>
-          <a:p>
-            <a:pPr lvl="1" algn="just"/>
-            <a:endParaRPr lang="en-US" sz="2800" dirty="0">
-              <a:latin typeface="Gill Sans MT (Body)"/>
-              <a:ea typeface="Aptos" panose="020B0004020202020204" pitchFamily="34" charset="0"/>
-              <a:sym typeface="Wingdings" panose="05000000000000000000" pitchFamily="2" charset="2"/>
-            </a:endParaRPr>
-          </a:p>
-          <a:p>
-            <a:pPr algn="just"/>
-            <a:r>
-              <a:rPr lang="en-US" sz="2800" dirty="0">
-                <a:latin typeface="Gill Sans MT (Body)"/>
-                <a:ea typeface="Aptos" panose="020B0004020202020204" pitchFamily="34" charset="0"/>
-                <a:sym typeface="Wingdings" panose="05000000000000000000" pitchFamily="2" charset="2"/>
-              </a:rPr>
-              <a:t>For training process, we used the following callbacks:</a:t>
-            </a:r>
-          </a:p>
-          <a:p>
-            <a:pPr lvl="1" algn="just">
-              <a:buFont typeface="Wingdings" panose="05000000000000000000" pitchFamily="2" charset="2"/>
-              <a:buChar char="Ø"/>
-            </a:pPr>
-            <a:r>
-              <a:rPr lang="en-US" sz="2200" dirty="0">
-                <a:latin typeface="Gill Sans MT (Body)"/>
-                <a:ea typeface="Aptos" panose="020B0004020202020204" pitchFamily="34" charset="0"/>
-                <a:sym typeface="Wingdings" panose="05000000000000000000" pitchFamily="2" charset="2"/>
-              </a:rPr>
-              <a:t>TensorBoard  Just for logging (not for visualizations)</a:t>
-            </a:r>
-          </a:p>
-          <a:p>
-            <a:pPr lvl="1" algn="just">
-              <a:buFont typeface="Wingdings" panose="05000000000000000000" pitchFamily="2" charset="2"/>
-              <a:buChar char="Ø"/>
-            </a:pPr>
-            <a:r>
-              <a:rPr lang="en-US" sz="2200" dirty="0">
-                <a:latin typeface="Gill Sans MT (Body)"/>
-                <a:ea typeface="Aptos" panose="020B0004020202020204" pitchFamily="34" charset="0"/>
-                <a:sym typeface="Wingdings" panose="05000000000000000000" pitchFamily="2" charset="2"/>
-              </a:rPr>
-              <a:t>EarlyStopping  It stops epochs if metrics no longer get better</a:t>
-            </a:r>
-          </a:p>
-          <a:p>
-            <a:pPr lvl="1" algn="just">
-              <a:buFont typeface="Wingdings" panose="05000000000000000000" pitchFamily="2" charset="2"/>
-              <a:buChar char="Ø"/>
-            </a:pPr>
-            <a:r>
-              <a:rPr lang="en-US" sz="2200" dirty="0">
-                <a:latin typeface="Gill Sans MT (Body)"/>
-                <a:ea typeface="Aptos" panose="020B0004020202020204" pitchFamily="34" charset="0"/>
-                <a:sym typeface="Wingdings" panose="05000000000000000000" pitchFamily="2" charset="2"/>
-              </a:rPr>
-              <a:t>ModelCheckpoint  For tracking and saving the best weights and metrics</a:t>
-            </a:r>
-          </a:p>
-          <a:p>
-            <a:pPr lvl="1" algn="just"/>
-            <a:endParaRPr lang="en-US" sz="2200" dirty="0">
-              <a:latin typeface="Gill Sans MT (Body)"/>
-              <a:ea typeface="Aptos" panose="020B0004020202020204" pitchFamily="34" charset="0"/>
-              <a:sym typeface="Wingdings" panose="05000000000000000000" pitchFamily="2" charset="2"/>
-            </a:endParaRPr>
-          </a:p>
-        </p:txBody>
-      </p:sp>
-    </p:spTree>
-    <p:extLst>
-      <p:ext uri="{BB962C8B-B14F-4D97-AF65-F5344CB8AC3E}">
-        <p14:creationId xmlns:p14="http://schemas.microsoft.com/office/powerpoint/2010/main" val="810825584"/>
-      </p:ext>
-    </p:extLst>
-  </p:cSld>
-  <p:clrMapOvr>
-    <a:masterClrMapping/>
-  </p:clrMapOvr>
-</p:sld>
-</file>
-
-<file path=ppt/slides/slide13.xml><?xml version="1.0" encoding="utf-8"?>
-<p:sld xmlns:a="http://schemas.openxmlformats.org/drawingml/2006/main" xmlns:r="http://schemas.openxmlformats.org/officeDocument/2006/relationships" xmlns:p="http://schemas.openxmlformats.org/presentationml/2006/main">
-  <p:cSld>
-    <p:spTree>
-      <p:nvGrpSpPr>
-        <p:cNvPr id="1" name=""/>
-        <p:cNvGrpSpPr/>
-        <p:nvPr/>
-      </p:nvGrpSpPr>
-      <p:grpSpPr>
-        <a:xfrm>
-          <a:off x="0" y="0"/>
-          <a:ext cx="0" cy="0"/>
-          <a:chOff x="0" y="0"/>
-          <a:chExt cx="0" cy="0"/>
-        </a:xfrm>
-      </p:grpSpPr>
-      <p:sp>
-        <p:nvSpPr>
-          <p:cNvPr id="2" name="Title 1">
+              <a:t>We got 89.94% of precision for this metric</a:t>
+            </a:r>
+          </a:p>
+        </p:txBody>
+      </p:sp>
+      <p:pic>
+        <p:nvPicPr>
+          <p:cNvPr id="4" name="Picture 3">
             <a:extLst>
               <a:ext uri="{FF2B5EF4-FFF2-40B4-BE49-F238E27FC236}">
-                <a16:creationId xmlns:a16="http://schemas.microsoft.com/office/drawing/2014/main" id="{921633EB-7DCB-4DDC-80AF-C885A3EE1245}"/>
-              </a:ext>
-            </a:extLst>
-          </p:cNvPr>
-          <p:cNvSpPr>
-            <a:spLocks noGrp="1"/>
-          </p:cNvSpPr>
-          <p:nvPr>
-            <p:ph type="title"/>
-          </p:nvPr>
-        </p:nvSpPr>
-        <p:spPr/>
-        <p:txBody>
-          <a:bodyPr/>
-          <a:lstStyle/>
-          <a:p>
-            <a:r>
-              <a:rPr lang="en-US" dirty="0"/>
-              <a:t>Analysis and Results</a:t>
-            </a:r>
-          </a:p>
-        </p:txBody>
-      </p:sp>
-      <p:pic>
-        <p:nvPicPr>
-          <p:cNvPr id="11" name="Content Placeholder 4" descr="Charts">
-            <a:extLst>
-              <a:ext uri="{FF2B5EF4-FFF2-40B4-BE49-F238E27FC236}">
-                <a16:creationId xmlns:a16="http://schemas.microsoft.com/office/drawing/2014/main" id="{47D9BE16-119C-43B2-9AE6-18C4A150C0EF}"/>
+                <a16:creationId xmlns:a16="http://schemas.microsoft.com/office/drawing/2014/main" id="{33D98B25-F33C-2D5D-4F1F-249FFBF0160A}"/>
               </a:ext>
             </a:extLst>
           </p:cNvPr>
           <p:cNvPicPr>
-            <a:picLocks noGrp="1" noChangeAspect="1"/>
+            <a:picLocks noChangeAspect="1"/>
           </p:cNvPicPr>
-          <p:nvPr>
-            <p:ph sz="half" idx="1"/>
-          </p:nvPr>
+          <p:nvPr/>
         </p:nvPicPr>
-        <p:blipFill rotWithShape="1">
-          <a:blip r:embed="rId2" cstate="screen">
-            <a:extLst>
-              <a:ext uri="{28A0092B-C50C-407E-A947-70E740481C1C}">
-                <a14:useLocalDpi xmlns:a14="http://schemas.microsoft.com/office/drawing/2010/main"/>
-              </a:ext>
-            </a:extLst>
-          </a:blip>
-          <a:stretch/>
+        <p:blipFill>
+          <a:blip r:embed="rId3"/>
+          <a:stretch>
+            <a:fillRect/>
+          </a:stretch>
         </p:blipFill>
         <p:spPr>
           <a:xfrm>
-            <a:off x="581025" y="2231480"/>
-            <a:ext cx="5422900" cy="3625353"/>
+            <a:off x="1866026" y="4175760"/>
+            <a:ext cx="8743840" cy="2328008"/>
           </a:xfrm>
+          <a:prstGeom prst="rect">
+            <a:avLst/>
+          </a:prstGeom>
         </p:spPr>
       </p:pic>
-      <p:graphicFrame>
-        <p:nvGraphicFramePr>
-          <p:cNvPr id="5" name="Content Placeholder 4">
-            <a:extLst>
-              <a:ext uri="{FF2B5EF4-FFF2-40B4-BE49-F238E27FC236}">
-                <a16:creationId xmlns:a16="http://schemas.microsoft.com/office/drawing/2014/main" id="{D169724C-7B0B-C473-398B-B90A9BB9FAD9}"/>
-              </a:ext>
-            </a:extLst>
-          </p:cNvPr>
-          <p:cNvGraphicFramePr>
-            <a:graphicFrameLocks noGrp="1"/>
-          </p:cNvGraphicFramePr>
-          <p:nvPr>
-            <p:ph sz="half" idx="2"/>
-            <p:extLst>
-              <p:ext uri="{D42A27DB-BD31-4B8C-83A1-F6EECF244321}">
-                <p14:modId xmlns:p14="http://schemas.microsoft.com/office/powerpoint/2010/main" val="320775543"/>
-              </p:ext>
-            </p:extLst>
-          </p:nvPr>
-        </p:nvGraphicFramePr>
-        <p:xfrm>
-          <a:off x="6188075" y="2227263"/>
-          <a:ext cx="5422900" cy="3633787"/>
-        </p:xfrm>
-        <a:graphic>
-          <a:graphicData uri="http://schemas.openxmlformats.org/drawingml/2006/chart">
-            <c:chart xmlns:c="http://schemas.openxmlformats.org/drawingml/2006/chart" xmlns:r="http://schemas.openxmlformats.org/officeDocument/2006/relationships" r:id="rId3"/>
-          </a:graphicData>
-        </a:graphic>
-      </p:graphicFrame>
     </p:spTree>
     <p:extLst>
       <p:ext uri="{BB962C8B-B14F-4D97-AF65-F5344CB8AC3E}">
-        <p14:creationId xmlns:p14="http://schemas.microsoft.com/office/powerpoint/2010/main" val="3731270329"/>
+        <p14:creationId xmlns:p14="http://schemas.microsoft.com/office/powerpoint/2010/main" val="2939132889"/>
       </p:ext>
     </p:extLst>
   </p:cSld>
@@ -7965,14 +7977,13 @@
           <a:lstStyle/>
           <a:p>
             <a:r>
-              <a:rPr lang="en-US" dirty="0"/>
-              <a:t>Analysis and Results</a:t>
-            </a:r>
-            <a:endParaRPr lang="en-US" sz="2800" dirty="0">
-              <a:solidFill>
-                <a:schemeClr val="bg1"/>
-              </a:solidFill>
-            </a:endParaRPr>
+              <a:rPr lang="en-US" sz="2800" dirty="0">
+                <a:solidFill>
+                  <a:schemeClr val="bg1"/>
+                </a:solidFill>
+              </a:rPr>
+              <a:t>Discussion</a:t>
+            </a:r>
           </a:p>
         </p:txBody>
       </p:sp>
@@ -7995,7 +8006,7 @@
         <p:spPr>
           <a:xfrm>
             <a:off x="581192" y="2180496"/>
-            <a:ext cx="11029615" cy="1995264"/>
+            <a:ext cx="11029615" cy="4443824"/>
           </a:xfrm>
         </p:spPr>
         <p:txBody>
@@ -8006,107 +8017,63 @@
           <a:p>
             <a:pPr algn="just"/>
             <a:r>
-              <a:rPr lang="en-CA" sz="2200" dirty="0">
-                <a:effectLst/>
-                <a:latin typeface="Gill Sans MT (Body)"/>
-                <a:ea typeface="Aptos" panose="020B0004020202020204" pitchFamily="34" charset="0"/>
-              </a:rPr>
-              <a:t>To evaluate regression predictions (coordinates) we used Intersection Over Union metric</a:t>
-            </a:r>
-          </a:p>
-          <a:p>
-            <a:pPr algn="just"/>
-            <a:r>
-              <a:rPr lang="en-CA" sz="2200" dirty="0">
-                <a:effectLst/>
-                <a:latin typeface="Gill Sans MT (Body)"/>
-                <a:ea typeface="Aptos" panose="020B0004020202020204" pitchFamily="34" charset="0"/>
-              </a:rPr>
-              <a:t>Intersection over Union (</a:t>
-            </a:r>
-            <a:r>
-              <a:rPr lang="en-CA" sz="2200" dirty="0" err="1">
-                <a:effectLst/>
-                <a:latin typeface="Gill Sans MT (Body)"/>
-                <a:ea typeface="Aptos" panose="020B0004020202020204" pitchFamily="34" charset="0"/>
-              </a:rPr>
-              <a:t>IoU</a:t>
-            </a:r>
-            <a:r>
-              <a:rPr lang="en-CA" sz="2200" dirty="0">
-                <a:effectLst/>
-                <a:latin typeface="Gill Sans MT (Body)"/>
-                <a:ea typeface="Aptos" panose="020B0004020202020204" pitchFamily="34" charset="0"/>
-              </a:rPr>
-              <a:t>) is used to </a:t>
-            </a:r>
-            <a:r>
-              <a:rPr lang="en-CA" sz="2200" dirty="0">
-                <a:solidFill>
-                  <a:srgbClr val="051E50"/>
-                </a:solidFill>
-                <a:effectLst/>
-                <a:latin typeface="Gill Sans MT (Body)"/>
-                <a:ea typeface="Aptos" panose="020B0004020202020204" pitchFamily="34" charset="0"/>
-              </a:rPr>
-              <a:t>measure the accuracy</a:t>
-            </a:r>
-            <a:r>
-              <a:rPr lang="en-CA" sz="2200" dirty="0">
-                <a:effectLst/>
-                <a:latin typeface="Gill Sans MT (Body)"/>
-                <a:ea typeface="Aptos" panose="020B0004020202020204" pitchFamily="34" charset="0"/>
-              </a:rPr>
-              <a:t> of object detection by comparing the ground-truth bounding box (green) to the predicted bounding box (red)</a:t>
-            </a:r>
-          </a:p>
-          <a:p>
-            <a:pPr algn="just"/>
-            <a:r>
-              <a:rPr lang="en-CA" sz="2200" dirty="0">
+              <a:rPr lang="en-US" sz="2200" dirty="0">
                 <a:latin typeface="Gill Sans MT (Body)"/>
                 <a:ea typeface="Aptos" panose="020B0004020202020204" pitchFamily="34" charset="0"/>
                 <a:sym typeface="Wingdings" panose="05000000000000000000" pitchFamily="2" charset="2"/>
               </a:rPr>
-              <a:t>We got 89.94% of precision for this metric</a:t>
-            </a:r>
-          </a:p>
-        </p:txBody>
-      </p:sp>
-      <p:pic>
-        <p:nvPicPr>
-          <p:cNvPr id="4" name="Picture 3">
-            <a:extLst>
-              <a:ext uri="{FF2B5EF4-FFF2-40B4-BE49-F238E27FC236}">
-                <a16:creationId xmlns:a16="http://schemas.microsoft.com/office/drawing/2014/main" id="{33D98B25-F33C-2D5D-4F1F-249FFBF0160A}"/>
-              </a:ext>
-            </a:extLst>
-          </p:cNvPr>
-          <p:cNvPicPr>
-            <a:picLocks noChangeAspect="1"/>
-          </p:cNvPicPr>
-          <p:nvPr/>
-        </p:nvPicPr>
-        <p:blipFill>
-          <a:blip r:embed="rId3"/>
-          <a:stretch>
-            <a:fillRect/>
-          </a:stretch>
-        </p:blipFill>
-        <p:spPr>
-          <a:xfrm>
-            <a:off x="1701434" y="4265832"/>
-            <a:ext cx="8743840" cy="2328008"/>
-          </a:xfrm>
-          <a:prstGeom prst="rect">
-            <a:avLst/>
-          </a:prstGeom>
-        </p:spPr>
-      </p:pic>
+              <a:t>Regarding to classification predictions, we got 100% of accuracy in train and validation datasets, however we also got 96.53% in test dataset which is good and demonstrate that our model is not overfitted.</a:t>
+            </a:r>
+          </a:p>
+          <a:p>
+            <a:pPr algn="just"/>
+            <a:endParaRPr lang="en-US" sz="2200" dirty="0">
+              <a:latin typeface="Gill Sans MT (Body)"/>
+              <a:ea typeface="Aptos" panose="020B0004020202020204" pitchFamily="34" charset="0"/>
+              <a:sym typeface="Wingdings" panose="05000000000000000000" pitchFamily="2" charset="2"/>
+            </a:endParaRPr>
+          </a:p>
+          <a:p>
+            <a:pPr algn="just"/>
+            <a:r>
+              <a:rPr lang="en-US" sz="2200" dirty="0">
+                <a:latin typeface="Gill Sans MT (Body)"/>
+                <a:ea typeface="Aptos" panose="020B0004020202020204" pitchFamily="34" charset="0"/>
+                <a:sym typeface="Wingdings" panose="05000000000000000000" pitchFamily="2" charset="2"/>
+              </a:rPr>
+              <a:t>As for regression predictions, we used Intersection Over Union metric in test dataset, and we got 89.94%. Let's consider that any value greater than 0.5 on </a:t>
+            </a:r>
+            <a:r>
+              <a:rPr lang="en-US" sz="2200" dirty="0" err="1">
+                <a:latin typeface="Gill Sans MT (Body)"/>
+                <a:ea typeface="Aptos" panose="020B0004020202020204" pitchFamily="34" charset="0"/>
+                <a:sym typeface="Wingdings" panose="05000000000000000000" pitchFamily="2" charset="2"/>
+              </a:rPr>
+              <a:t>IoU</a:t>
+            </a:r>
+            <a:r>
+              <a:rPr lang="en-US" sz="2200" dirty="0">
+                <a:latin typeface="Gill Sans MT (Body)"/>
+                <a:ea typeface="Aptos" panose="020B0004020202020204" pitchFamily="34" charset="0"/>
+                <a:sym typeface="Wingdings" panose="05000000000000000000" pitchFamily="2" charset="2"/>
+              </a:rPr>
+              <a:t> is typically a good score.</a:t>
+            </a:r>
+          </a:p>
+          <a:p>
+            <a:pPr algn="just"/>
+            <a:endParaRPr lang="en-US" sz="2200" dirty="0">
+              <a:latin typeface="Gill Sans MT (Body)"/>
+              <a:ea typeface="Aptos" panose="020B0004020202020204" pitchFamily="34" charset="0"/>
+              <a:sym typeface="Wingdings" panose="05000000000000000000" pitchFamily="2" charset="2"/>
+            </a:endParaRPr>
+          </a:p>
+        </p:txBody>
+      </p:sp>
     </p:spTree>
     <p:extLst>
       <p:ext uri="{BB962C8B-B14F-4D97-AF65-F5344CB8AC3E}">
-        <p14:creationId xmlns:p14="http://schemas.microsoft.com/office/powerpoint/2010/main" val="2939132889"/>
+        <p14:creationId xmlns:p14="http://schemas.microsoft.com/office/powerpoint/2010/main" val="3286194756"/>
       </p:ext>
     </p:extLst>
   </p:cSld>
@@ -8210,7 +8177,7 @@
                 <a:ea typeface="Aptos" panose="020B0004020202020204" pitchFamily="34" charset="0"/>
                 <a:sym typeface="Wingdings" panose="05000000000000000000" pitchFamily="2" charset="2"/>
               </a:rPr>
-              <a:t>Regarding to classification predictions, we got 100% of accuracy in train and validation datasets, however we also got 96.53% in test dataset which is good and demonstrate that our model is not overfitted.</a:t>
+              <a:t>We got 78% of classification accuracy on an unseen dataset, it means the accuracy decreased.</a:t>
             </a:r>
           </a:p>
           <a:p>
@@ -8229,23 +8196,7 @@
                 <a:ea typeface="Aptos" panose="020B0004020202020204" pitchFamily="34" charset="0"/>
                 <a:sym typeface="Wingdings" panose="05000000000000000000" pitchFamily="2" charset="2"/>
               </a:rPr>
-              <a:t>As for regression predictions, we used Intersection Over Union metric in test dataset, and we got 89.94%. Let's consider that any value greater than 0.5 on </a:t>
-            </a:r>
-            <a:r>
-              <a:rPr lang="en-US" sz="2200" dirty="0" err="1">
-                <a:latin typeface="Gill Sans MT (Body)"/>
-                <a:ea typeface="Aptos" panose="020B0004020202020204" pitchFamily="34" charset="0"/>
-                <a:sym typeface="Wingdings" panose="05000000000000000000" pitchFamily="2" charset="2"/>
-              </a:rPr>
-              <a:t>IoU</a:t>
-            </a:r>
-            <a:r>
-              <a:rPr lang="en-US" sz="2200" dirty="0">
-                <a:latin typeface="Gill Sans MT (Body)"/>
-                <a:ea typeface="Aptos" panose="020B0004020202020204" pitchFamily="34" charset="0"/>
-                <a:sym typeface="Wingdings" panose="05000000000000000000" pitchFamily="2" charset="2"/>
-              </a:rPr>
-              <a:t> is typically a good score.</a:t>
+              <a:t>However, we understand this could be due to factors such as: unseen pictures was taken with other phone model, some faces were not exactly in front of the camera, people appeared pulling faces in some pictures or faces covered just a little percentage of the picture, unlike training dataset where faces covered at least 30% of pictures.</a:t>
             </a:r>
           </a:p>
           <a:p>
@@ -8256,12 +8207,31 @@
               <a:sym typeface="Wingdings" panose="05000000000000000000" pitchFamily="2" charset="2"/>
             </a:endParaRPr>
           </a:p>
+          <a:p>
+            <a:pPr algn="just"/>
+            <a:r>
+              <a:rPr lang="en-US" sz="2200" dirty="0">
+                <a:latin typeface="Gill Sans MT (Body)"/>
+                <a:ea typeface="Aptos" panose="020B0004020202020204" pitchFamily="34" charset="0"/>
+                <a:sym typeface="Wingdings" panose="05000000000000000000" pitchFamily="2" charset="2"/>
+              </a:rPr>
+              <a:t>As a learning, we must select pictures from different sources and different conditions, such as: positions, light exposition, etc., so as to improve the robustness of the model.</a:t>
+            </a:r>
+          </a:p>
+          <a:p>
+            <a:pPr algn="just"/>
+            <a:endParaRPr lang="en-US" sz="2200" dirty="0">
+              <a:latin typeface="Gill Sans MT (Body)"/>
+              <a:ea typeface="Aptos" panose="020B0004020202020204" pitchFamily="34" charset="0"/>
+              <a:sym typeface="Wingdings" panose="05000000000000000000" pitchFamily="2" charset="2"/>
+            </a:endParaRPr>
+          </a:p>
         </p:txBody>
       </p:sp>
     </p:spTree>
     <p:extLst>
       <p:ext uri="{BB962C8B-B14F-4D97-AF65-F5344CB8AC3E}">
-        <p14:creationId xmlns:p14="http://schemas.microsoft.com/office/powerpoint/2010/main" val="3286194756"/>
+        <p14:creationId xmlns:p14="http://schemas.microsoft.com/office/powerpoint/2010/main" val="1510570112"/>
       </p:ext>
     </p:extLst>
   </p:cSld>
@@ -8325,7 +8295,7 @@
                   <a:schemeClr val="bg1"/>
                 </a:solidFill>
               </a:rPr>
-              <a:t>Discussion</a:t>
+              <a:t>Conclusion</a:t>
             </a:r>
           </a:p>
         </p:txBody>
@@ -8365,7 +8335,40 @@
                 <a:ea typeface="Aptos" panose="020B0004020202020204" pitchFamily="34" charset="0"/>
                 <a:sym typeface="Wingdings" panose="05000000000000000000" pitchFamily="2" charset="2"/>
               </a:rPr>
-              <a:t>We got 78% of classification accuracy on an unseen dataset, it means the accuracy decreased.</a:t>
+              <a:t>Our project aimed to develop a robust face recognition model using deep learning techniques, specifically Convolutional Neural Networks (CNNs).</a:t>
+            </a:r>
+          </a:p>
+          <a:p>
+            <a:pPr algn="just"/>
+            <a:r>
+              <a:rPr lang="en-US" sz="2200" dirty="0">
+                <a:latin typeface="Gill Sans MT (Body)"/>
+                <a:ea typeface="Aptos" panose="020B0004020202020204" pitchFamily="34" charset="0"/>
+                <a:sym typeface="Wingdings" panose="05000000000000000000" pitchFamily="2" charset="2"/>
+              </a:rPr>
+              <a:t>Through a series of meticulously planned steps, from data collection and preprocessing to model training and evaluation, we achieved significant milestones.</a:t>
+            </a:r>
+          </a:p>
+          <a:p>
+            <a:pPr algn="just"/>
+            <a:r>
+              <a:rPr lang="en-US" sz="2200" dirty="0">
+                <a:latin typeface="Gill Sans MT (Body)"/>
+                <a:ea typeface="Aptos" panose="020B0004020202020204" pitchFamily="34" charset="0"/>
+                <a:sym typeface="Wingdings" panose="05000000000000000000" pitchFamily="2" charset="2"/>
+              </a:rPr>
+              <a:t>Comprehensive data preprocessing and augmentation, which enhanced the model's ability to generalize.</a:t>
+            </a:r>
+          </a:p>
+          <a:p>
+            <a:pPr algn="just"/>
+            <a:r>
+              <a:rPr lang="en-US" sz="2200" dirty="0">
+                <a:latin typeface="Gill Sans MT (Body)"/>
+                <a:ea typeface="Aptos" panose="020B0004020202020204" pitchFamily="34" charset="0"/>
+                <a:sym typeface="Wingdings" panose="05000000000000000000" pitchFamily="2" charset="2"/>
+              </a:rPr>
+              <a:t>Our project successfully developed a deep learning-based face recognition model with high accuracy. The use of CNNs and transfer learning significantly contributed to the model's performance by reduced training time and improved performance.</a:t>
             </a:r>
           </a:p>
           <a:p>
@@ -8376,50 +8379,12 @@
               <a:sym typeface="Wingdings" panose="05000000000000000000" pitchFamily="2" charset="2"/>
             </a:endParaRPr>
           </a:p>
-          <a:p>
-            <a:pPr algn="just"/>
-            <a:r>
-              <a:rPr lang="en-US" sz="2200" dirty="0">
-                <a:latin typeface="Gill Sans MT (Body)"/>
-                <a:ea typeface="Aptos" panose="020B0004020202020204" pitchFamily="34" charset="0"/>
-                <a:sym typeface="Wingdings" panose="05000000000000000000" pitchFamily="2" charset="2"/>
-              </a:rPr>
-              <a:t>However, we understand this could be due to factors such as: unseen pictures was taken with other phone model, some faces were not exactly in front of the camera, people appeared pulling faces in some pictures or faces covered just a little percentage of the picture, unlike training dataset where faces covered at least 30% of pictures.</a:t>
-            </a:r>
-          </a:p>
-          <a:p>
-            <a:pPr algn="just"/>
-            <a:endParaRPr lang="en-US" sz="2200" dirty="0">
-              <a:latin typeface="Gill Sans MT (Body)"/>
-              <a:ea typeface="Aptos" panose="020B0004020202020204" pitchFamily="34" charset="0"/>
-              <a:sym typeface="Wingdings" panose="05000000000000000000" pitchFamily="2" charset="2"/>
-            </a:endParaRPr>
-          </a:p>
-          <a:p>
-            <a:pPr algn="just"/>
-            <a:r>
-              <a:rPr lang="en-US" sz="2200" dirty="0">
-                <a:latin typeface="Gill Sans MT (Body)"/>
-                <a:ea typeface="Aptos" panose="020B0004020202020204" pitchFamily="34" charset="0"/>
-                <a:sym typeface="Wingdings" panose="05000000000000000000" pitchFamily="2" charset="2"/>
-              </a:rPr>
-              <a:t>As a learning, we must select pictures from different sources and different conditions, such as: positions, light exposition, etc., so as to improve the robustness of the model.</a:t>
-            </a:r>
-          </a:p>
-          <a:p>
-            <a:pPr algn="just"/>
-            <a:endParaRPr lang="en-US" sz="2200" dirty="0">
-              <a:latin typeface="Gill Sans MT (Body)"/>
-              <a:ea typeface="Aptos" panose="020B0004020202020204" pitchFamily="34" charset="0"/>
-              <a:sym typeface="Wingdings" panose="05000000000000000000" pitchFamily="2" charset="2"/>
-            </a:endParaRPr>
-          </a:p>
         </p:txBody>
       </p:sp>
     </p:spTree>
     <p:extLst>
       <p:ext uri="{BB962C8B-B14F-4D97-AF65-F5344CB8AC3E}">
-        <p14:creationId xmlns:p14="http://schemas.microsoft.com/office/powerpoint/2010/main" val="1510570112"/>
+        <p14:creationId xmlns:p14="http://schemas.microsoft.com/office/powerpoint/2010/main" val="2096623582"/>
       </p:ext>
     </p:extLst>
   </p:cSld>
@@ -8459,7 +8424,7 @@
           <p:cNvPr id="2" name="Title 1">
             <a:extLst>
               <a:ext uri="{FF2B5EF4-FFF2-40B4-BE49-F238E27FC236}">
-                <a16:creationId xmlns:a16="http://schemas.microsoft.com/office/drawing/2014/main" id="{5B040558-A365-4CCE-92FA-5A48CD98F9C9}"/>
+                <a16:creationId xmlns:a16="http://schemas.microsoft.com/office/drawing/2014/main" id="{0F87E73C-2B1A-4602-BFBE-CFE1E55D9B38}"/>
               </a:ext>
             </a:extLst>
           </p:cNvPr>
@@ -8478,22 +8443,22 @@
           <a:lstStyle/>
           <a:p>
             <a:r>
-              <a:rPr lang="en-US" sz="2800" dirty="0">
-                <a:solidFill>
-                  <a:schemeClr val="bg1"/>
-                </a:solidFill>
-              </a:rPr>
-              <a:t>Conclusion</a:t>
-            </a:r>
-          </a:p>
-        </p:txBody>
-      </p:sp>
-      <p:sp>
-        <p:nvSpPr>
-          <p:cNvPr id="6" name="Content Placeholder 5">
+              <a:rPr lang="en-US" dirty="0">
+                <a:solidFill>
+                  <a:srgbClr val="FFFFFF"/>
+                </a:solidFill>
+              </a:rPr>
+              <a:t>Final steps</a:t>
+            </a:r>
+          </a:p>
+        </p:txBody>
+      </p:sp>
+      <p:sp>
+        <p:nvSpPr>
+          <p:cNvPr id="6" name="Subtitle 5">
             <a:extLst>
               <a:ext uri="{FF2B5EF4-FFF2-40B4-BE49-F238E27FC236}">
-                <a16:creationId xmlns:a16="http://schemas.microsoft.com/office/drawing/2014/main" id="{5BEE15DA-197F-AAD8-6775-76C0055F6506}"/>
+                <a16:creationId xmlns:a16="http://schemas.microsoft.com/office/drawing/2014/main" id="{FC90B05A-2448-C3D4-03AE-EECD099614A2}"/>
               </a:ext>
             </a:extLst>
           </p:cNvPr>
@@ -8501,78 +8466,59 @@
             <a:spLocks noGrp="1"/>
           </p:cNvSpPr>
           <p:nvPr>
-            <p:ph idx="1"/>
-          </p:nvPr>
-        </p:nvSpPr>
-        <p:spPr>
-          <a:xfrm>
-            <a:off x="581192" y="2180496"/>
-            <a:ext cx="11029615" cy="4443824"/>
-          </a:xfrm>
-        </p:spPr>
+            <p:ph sz="half" idx="1"/>
+          </p:nvPr>
+        </p:nvSpPr>
+        <p:spPr/>
         <p:txBody>
           <a:bodyPr>
             <a:normAutofit/>
           </a:bodyPr>
           <a:lstStyle/>
           <a:p>
-            <a:pPr algn="just"/>
-            <a:r>
-              <a:rPr lang="en-US" sz="2200" dirty="0">
-                <a:latin typeface="Gill Sans MT (Body)"/>
-                <a:ea typeface="Aptos" panose="020B0004020202020204" pitchFamily="34" charset="0"/>
-                <a:sym typeface="Wingdings" panose="05000000000000000000" pitchFamily="2" charset="2"/>
-              </a:rPr>
-              <a:t>Our project aimed to develop a robust face recognition model using deep learning techniques, specifically Convolutional Neural Networks (CNNs).</a:t>
-            </a:r>
-          </a:p>
-          <a:p>
-            <a:pPr algn="just"/>
-            <a:r>
-              <a:rPr lang="en-US" sz="2200" dirty="0">
-                <a:latin typeface="Gill Sans MT (Body)"/>
-                <a:ea typeface="Aptos" panose="020B0004020202020204" pitchFamily="34" charset="0"/>
-                <a:sym typeface="Wingdings" panose="05000000000000000000" pitchFamily="2" charset="2"/>
-              </a:rPr>
-              <a:t>Through a series of meticulously planned steps, from data collection and preprocessing to model training and evaluation, we achieved significant milestones.</a:t>
-            </a:r>
-          </a:p>
-          <a:p>
-            <a:pPr algn="just"/>
-            <a:r>
-              <a:rPr lang="en-US" sz="2200" dirty="0">
-                <a:latin typeface="Gill Sans MT (Body)"/>
-                <a:ea typeface="Aptos" panose="020B0004020202020204" pitchFamily="34" charset="0"/>
-                <a:sym typeface="Wingdings" panose="05000000000000000000" pitchFamily="2" charset="2"/>
-              </a:rPr>
-              <a:t>Comprehensive data preprocessing and augmentation, which enhanced the model's ability to generalize.</a:t>
-            </a:r>
-          </a:p>
-          <a:p>
-            <a:pPr algn="just"/>
-            <a:r>
-              <a:rPr lang="en-US" sz="2200" dirty="0">
-                <a:latin typeface="Gill Sans MT (Body)"/>
-                <a:ea typeface="Aptos" panose="020B0004020202020204" pitchFamily="34" charset="0"/>
-                <a:sym typeface="Wingdings" panose="05000000000000000000" pitchFamily="2" charset="2"/>
-              </a:rPr>
-              <a:t>Our project successfully developed a deep learning-based face recognition model with high accuracy. The use of CNNs and transfer learning significantly contributed to the model's performance by reduced training time and improved performance.</a:t>
-            </a:r>
-          </a:p>
-          <a:p>
-            <a:pPr algn="just"/>
-            <a:endParaRPr lang="en-US" sz="2200" dirty="0">
-              <a:latin typeface="Gill Sans MT (Body)"/>
-              <a:ea typeface="Aptos" panose="020B0004020202020204" pitchFamily="34" charset="0"/>
-              <a:sym typeface="Wingdings" panose="05000000000000000000" pitchFamily="2" charset="2"/>
-            </a:endParaRPr>
+            <a:r>
+              <a:rPr lang="en-US" sz="4000" dirty="0"/>
+              <a:t>DEMO </a:t>
+            </a:r>
+            <a:endParaRPr lang="en-CA" sz="4000" dirty="0"/>
+          </a:p>
+        </p:txBody>
+      </p:sp>
+      <p:sp>
+        <p:nvSpPr>
+          <p:cNvPr id="3" name="Content Placeholder 2">
+            <a:extLst>
+              <a:ext uri="{FF2B5EF4-FFF2-40B4-BE49-F238E27FC236}">
+                <a16:creationId xmlns:a16="http://schemas.microsoft.com/office/drawing/2014/main" id="{65E0AAD3-83CD-A994-2DF4-9A8EC6A58B84}"/>
+              </a:ext>
+            </a:extLst>
+          </p:cNvPr>
+          <p:cNvSpPr>
+            <a:spLocks noGrp="1"/>
+          </p:cNvSpPr>
+          <p:nvPr>
+            <p:ph sz="half" idx="2"/>
+          </p:nvPr>
+        </p:nvSpPr>
+        <p:spPr/>
+        <p:txBody>
+          <a:bodyPr>
+            <a:normAutofit/>
+          </a:bodyPr>
+          <a:lstStyle/>
+          <a:p>
+            <a:r>
+              <a:rPr lang="en-US" sz="4000" dirty="0"/>
+              <a:t>QUESTIONS</a:t>
+            </a:r>
+            <a:endParaRPr lang="en-CA" sz="4000" dirty="0"/>
           </a:p>
         </p:txBody>
       </p:sp>
     </p:spTree>
     <p:extLst>
       <p:ext uri="{BB962C8B-B14F-4D97-AF65-F5344CB8AC3E}">
-        <p14:creationId xmlns:p14="http://schemas.microsoft.com/office/powerpoint/2010/main" val="2096623582"/>
+        <p14:creationId xmlns:p14="http://schemas.microsoft.com/office/powerpoint/2010/main" val="2644764663"/>
       </p:ext>
     </p:extLst>
   </p:cSld>
@@ -8612,7 +8558,7 @@
           <p:cNvPr id="2" name="Title 1">
             <a:extLst>
               <a:ext uri="{FF2B5EF4-FFF2-40B4-BE49-F238E27FC236}">
-                <a16:creationId xmlns:a16="http://schemas.microsoft.com/office/drawing/2014/main" id="{0F87E73C-2B1A-4602-BFBE-CFE1E55D9B38}"/>
+                <a16:creationId xmlns:a16="http://schemas.microsoft.com/office/drawing/2014/main" id="{5B040558-A365-4CCE-92FA-5A48CD98F9C9}"/>
               </a:ext>
             </a:extLst>
           </p:cNvPr>
@@ -8631,416 +8577,817 @@
           <a:lstStyle/>
           <a:p>
             <a:r>
-              <a:rPr lang="en-US" dirty="0">
-                <a:solidFill>
-                  <a:srgbClr val="FFFFFF"/>
-                </a:solidFill>
-              </a:rPr>
-              <a:t>Final steps</a:t>
-            </a:r>
-          </a:p>
-        </p:txBody>
-      </p:sp>
-      <p:sp>
-        <p:nvSpPr>
-          <p:cNvPr id="6" name="Subtitle 5">
+              <a:rPr lang="en-US" sz="2800" dirty="0">
+                <a:solidFill>
+                  <a:schemeClr val="bg1"/>
+                </a:solidFill>
+              </a:rPr>
+              <a:t>References</a:t>
+            </a:r>
+          </a:p>
+        </p:txBody>
+      </p:sp>
+      <p:sp>
+        <p:nvSpPr>
+          <p:cNvPr id="3" name="Rectangle 1">
             <a:extLst>
               <a:ext uri="{FF2B5EF4-FFF2-40B4-BE49-F238E27FC236}">
-                <a16:creationId xmlns:a16="http://schemas.microsoft.com/office/drawing/2014/main" id="{FC90B05A-2448-C3D4-03AE-EECD099614A2}"/>
+                <a16:creationId xmlns:a16="http://schemas.microsoft.com/office/drawing/2014/main" id="{7226D2D6-F3D1-8ECC-4948-4D9F62C43AA6}"/>
               </a:ext>
             </a:extLst>
           </p:cNvPr>
           <p:cNvSpPr>
-            <a:spLocks noGrp="1"/>
-          </p:cNvSpPr>
-          <p:nvPr>
-            <p:ph sz="half" idx="1"/>
-          </p:nvPr>
-        </p:nvSpPr>
-        <p:spPr/>
-        <p:txBody>
-          <a:bodyPr>
-            <a:normAutofit/>
+            <a:spLocks noGrp="1" noChangeArrowheads="1"/>
+          </p:cNvSpPr>
+          <p:nvPr>
+            <p:ph idx="1"/>
+          </p:nvPr>
+        </p:nvSpPr>
+        <p:spPr bwMode="auto">
+          <a:xfrm>
+            <a:off x="468896" y="2038172"/>
+            <a:ext cx="11141912" cy="4524315"/>
+          </a:xfrm>
+          <a:prstGeom prst="rect">
+            <a:avLst/>
+          </a:prstGeom>
+          <a:noFill/>
+          <a:ln>
+            <a:noFill/>
+          </a:ln>
+          <a:effectLst/>
+          <a:extLst>
+            <a:ext uri="{909E8E84-426E-40DD-AFC4-6F175D3DCCD1}">
+              <a14:hiddenFill xmlns:a14="http://schemas.microsoft.com/office/drawing/2010/main">
+                <a:solidFill>
+                  <a:schemeClr val="accent1"/>
+                </a:solidFill>
+              </a14:hiddenFill>
+            </a:ext>
+            <a:ext uri="{91240B29-F687-4F45-9708-019B960494DF}">
+              <a14:hiddenLine xmlns:a14="http://schemas.microsoft.com/office/drawing/2010/main" w="9525">
+                <a:solidFill>
+                  <a:schemeClr val="tx1"/>
+                </a:solidFill>
+                <a:miter lim="800000"/>
+                <a:headEnd/>
+                <a:tailEnd/>
+              </a14:hiddenLine>
+            </a:ext>
+            <a:ext uri="{AF507438-7753-43E0-B8FC-AC1667EBCBE1}">
+              <a14:hiddenEffects xmlns:a14="http://schemas.microsoft.com/office/drawing/2010/main">
+                <a:effectLst>
+                  <a:outerShdw dist="35921" dir="2700000" algn="ctr" rotWithShape="0">
+                    <a:schemeClr val="bg2"/>
+                  </a:outerShdw>
+                </a:effectLst>
+              </a14:hiddenEffects>
+            </a:ext>
+          </a:extLst>
+        </p:spPr>
+        <p:txBody>
+          <a:bodyPr vert="horz" wrap="square" lIns="91440" tIns="45720" rIns="91440" bIns="45720" numCol="1" anchor="ctr" anchorCtr="0" compatLnSpc="1">
+            <a:prstTxWarp prst="textNoShape">
+              <a:avLst/>
+            </a:prstTxWarp>
+            <a:spAutoFit/>
           </a:bodyPr>
           <a:lstStyle/>
           <a:p>
-            <a:r>
-              <a:rPr lang="en-US" sz="4000" dirty="0"/>
-              <a:t>DEMO </a:t>
-            </a:r>
-            <a:endParaRPr lang="en-CA" sz="4000" dirty="0"/>
-          </a:p>
-        </p:txBody>
-      </p:sp>
-      <p:sp>
-        <p:nvSpPr>
-          <p:cNvPr id="3" name="Content Placeholder 2">
-            <a:extLst>
-              <a:ext uri="{FF2B5EF4-FFF2-40B4-BE49-F238E27FC236}">
-                <a16:creationId xmlns:a16="http://schemas.microsoft.com/office/drawing/2014/main" id="{65E0AAD3-83CD-A994-2DF4-9A8EC6A58B84}"/>
-              </a:ext>
-            </a:extLst>
-          </p:cNvPr>
-          <p:cNvSpPr>
-            <a:spLocks noGrp="1"/>
-          </p:cNvSpPr>
-          <p:nvPr>
-            <p:ph sz="half" idx="2"/>
-          </p:nvPr>
-        </p:nvSpPr>
-        <p:spPr/>
-        <p:txBody>
-          <a:bodyPr>
-            <a:normAutofit/>
-          </a:bodyPr>
-          <a:lstStyle/>
-          <a:p>
-            <a:r>
-              <a:rPr lang="en-US" sz="4000" dirty="0"/>
-              <a:t>QUESTIONS</a:t>
-            </a:r>
-            <a:endParaRPr lang="en-CA" sz="4000" dirty="0"/>
-          </a:p>
-        </p:txBody>
-      </p:sp>
-    </p:spTree>
-    <p:extLst>
-      <p:ext uri="{BB962C8B-B14F-4D97-AF65-F5344CB8AC3E}">
-        <p14:creationId xmlns:p14="http://schemas.microsoft.com/office/powerpoint/2010/main" val="2644764663"/>
-      </p:ext>
-    </p:extLst>
-  </p:cSld>
-  <p:clrMapOvr>
-    <a:masterClrMapping/>
-  </p:clrMapOvr>
-</p:sld>
-</file>
-
-<file path=ppt/slides/slide19.xml><?xml version="1.0" encoding="utf-8"?>
-<p:sld xmlns:a="http://schemas.openxmlformats.org/drawingml/2006/main" xmlns:r="http://schemas.openxmlformats.org/officeDocument/2006/relationships" xmlns:p="http://schemas.openxmlformats.org/presentationml/2006/main">
-  <p:cSld>
-    <p:bg>
-      <p:bgPr>
-        <a:solidFill>
-          <a:schemeClr val="bg1"/>
-        </a:solidFill>
-        <a:effectLst/>
-      </p:bgPr>
-    </p:bg>
-    <p:spTree>
-      <p:nvGrpSpPr>
-        <p:cNvPr id="1" name=""/>
-        <p:cNvGrpSpPr/>
-        <p:nvPr/>
-      </p:nvGrpSpPr>
-      <p:grpSpPr>
-        <a:xfrm>
-          <a:off x="0" y="0"/>
-          <a:ext cx="0" cy="0"/>
-          <a:chOff x="0" y="0"/>
-          <a:chExt cx="0" cy="0"/>
-        </a:xfrm>
-      </p:grpSpPr>
-      <p:sp>
-        <p:nvSpPr>
-          <p:cNvPr id="2" name="Title 1">
-            <a:extLst>
-              <a:ext uri="{FF2B5EF4-FFF2-40B4-BE49-F238E27FC236}">
-                <a16:creationId xmlns:a16="http://schemas.microsoft.com/office/drawing/2014/main" id="{5B040558-A365-4CCE-92FA-5A48CD98F9C9}"/>
-              </a:ext>
-            </a:extLst>
-          </p:cNvPr>
-          <p:cNvSpPr>
-            <a:spLocks noGrp="1"/>
-          </p:cNvSpPr>
-          <p:nvPr>
-            <p:ph type="title"/>
-          </p:nvPr>
-        </p:nvSpPr>
-        <p:spPr/>
-        <p:txBody>
-          <a:bodyPr>
-            <a:normAutofit/>
-          </a:bodyPr>
-          <a:lstStyle/>
-          <a:p>
-            <a:r>
-              <a:rPr lang="en-US" sz="2800" dirty="0">
-                <a:solidFill>
-                  <a:schemeClr val="bg1"/>
-                </a:solidFill>
-              </a:rPr>
-              <a:t>References</a:t>
-            </a:r>
-          </a:p>
-        </p:txBody>
-      </p:sp>
-      <p:sp>
-        <p:nvSpPr>
-          <p:cNvPr id="6" name="Content Placeholder 5">
-            <a:extLst>
-              <a:ext uri="{FF2B5EF4-FFF2-40B4-BE49-F238E27FC236}">
-                <a16:creationId xmlns:a16="http://schemas.microsoft.com/office/drawing/2014/main" id="{5BEE15DA-197F-AAD8-6775-76C0055F6506}"/>
-              </a:ext>
-            </a:extLst>
-          </p:cNvPr>
-          <p:cNvSpPr>
-            <a:spLocks noGrp="1"/>
-          </p:cNvSpPr>
-          <p:nvPr>
-            <p:ph idx="1"/>
-          </p:nvPr>
-        </p:nvSpPr>
-        <p:spPr>
-          <a:xfrm>
-            <a:off x="581192" y="2180496"/>
-            <a:ext cx="11029615" cy="4443824"/>
-          </a:xfrm>
-        </p:spPr>
-        <p:txBody>
-          <a:bodyPr>
-            <a:normAutofit fontScale="25000" lnSpcReduction="20000"/>
-          </a:bodyPr>
-          <a:lstStyle/>
-          <a:p>
-            <a:pPr algn="just"/>
-            <a:endParaRPr lang="en-US" sz="2200" dirty="0">
-              <a:latin typeface="Gill Sans MT (Body)"/>
-              <a:ea typeface="Aptos" panose="020B0004020202020204" pitchFamily="34" charset="0"/>
-              <a:sym typeface="Wingdings" panose="05000000000000000000" pitchFamily="2" charset="2"/>
+            <a:pPr rtl="0" fontAlgn="base">
+              <a:spcBef>
+                <a:spcPts val="0"/>
+              </a:spcBef>
+              <a:spcAft>
+                <a:spcPts val="0"/>
+              </a:spcAft>
+              <a:buFont typeface="+mj-lt"/>
+              <a:buAutoNum type="arabicPeriod"/>
+            </a:pPr>
+            <a:r>
+              <a:rPr lang="en-CA" sz="1600" b="0" i="0" u="none" strike="noStrike" dirty="0">
+                <a:solidFill>
+                  <a:srgbClr val="000000"/>
+                </a:solidFill>
+                <a:effectLst/>
+                <a:latin typeface="Calibri" panose="020F0502020204030204" pitchFamily="34" charset="0"/>
+              </a:rPr>
+              <a:t>Carson Group. (2023, October 3). </a:t>
+            </a:r>
+            <a:r>
+              <a:rPr lang="en-CA" sz="1600" b="0" i="1" u="none" strike="noStrike" dirty="0">
+                <a:solidFill>
+                  <a:srgbClr val="000000"/>
+                </a:solidFill>
+                <a:effectLst/>
+                <a:latin typeface="Calibri" panose="020F0502020204030204" pitchFamily="34" charset="0"/>
+              </a:rPr>
+              <a:t>Four reasons we believe stocks won’t crash in October</a:t>
+            </a:r>
+            <a:r>
+              <a:rPr lang="en-CA" sz="1600" b="0" i="0" u="none" strike="noStrike" dirty="0">
+                <a:solidFill>
+                  <a:srgbClr val="000000"/>
+                </a:solidFill>
+                <a:effectLst/>
+                <a:latin typeface="Calibri" panose="020F0502020204030204" pitchFamily="34" charset="0"/>
+              </a:rPr>
+              <a:t>.</a:t>
+            </a:r>
+            <a:r>
+              <a:rPr lang="en-CA" sz="1600" b="0" i="0" u="none" strike="noStrike" dirty="0">
+                <a:solidFill>
+                  <a:srgbClr val="000000"/>
+                </a:solidFill>
+                <a:effectLst/>
+                <a:latin typeface="Calibri" panose="020F0502020204030204" pitchFamily="34" charset="0"/>
+                <a:hlinkClick r:id="rId3"/>
+              </a:rPr>
+              <a:t> </a:t>
+            </a:r>
+            <a:r>
+              <a:rPr lang="en-CA" sz="1600" b="0" i="0" u="sng" strike="noStrike" dirty="0">
+                <a:solidFill>
+                  <a:srgbClr val="1155CC"/>
+                </a:solidFill>
+                <a:effectLst/>
+                <a:latin typeface="Calibri" panose="020F0502020204030204" pitchFamily="34" charset="0"/>
+                <a:hlinkClick r:id="rId3"/>
+              </a:rPr>
+              <a:t>https://www.carsongroup.com/insights/blog/four-reasons-we-believe-stocks-wont-crash-in-october/</a:t>
+            </a:r>
+            <a:endParaRPr lang="en-CA" sz="1600" b="0" i="0" u="none" strike="noStrike" dirty="0">
+              <a:solidFill>
+                <a:srgbClr val="000000"/>
+              </a:solidFill>
+              <a:effectLst/>
+              <a:latin typeface="Calibri" panose="020F0502020204030204" pitchFamily="34" charset="0"/>
             </a:endParaRPr>
           </a:p>
           <a:p>
-            <a:pPr algn="just"/>
-            <a:r>
-              <a:rPr lang="en-US" sz="7200" dirty="0">
-                <a:latin typeface="Gill Sans MT (Body)"/>
-                <a:ea typeface="Aptos" panose="020B0004020202020204" pitchFamily="34" charset="0"/>
-                <a:sym typeface="Wingdings" panose="05000000000000000000" pitchFamily="2" charset="2"/>
-              </a:rPr>
-              <a:t>CS231n convolutional neural networks for visual recognition. (n.d.). Retrieved June 11, 2024,</a:t>
-            </a:r>
-          </a:p>
-          <a:p>
-            <a:pPr marL="0" indent="0" algn="just">
-              <a:buNone/>
+            <a:pPr rtl="0" fontAlgn="base">
+              <a:spcBef>
+                <a:spcPts val="0"/>
+              </a:spcBef>
+              <a:spcAft>
+                <a:spcPts val="0"/>
+              </a:spcAft>
+              <a:buFont typeface="+mj-lt"/>
+              <a:buAutoNum type="arabicPeriod"/>
             </a:pPr>
             <a:r>
-              <a:rPr lang="en-US" sz="7200" dirty="0">
-                <a:latin typeface="Gill Sans MT (Body)"/>
-                <a:ea typeface="Aptos" panose="020B0004020202020204" pitchFamily="34" charset="0"/>
-                <a:sym typeface="Wingdings" panose="05000000000000000000" pitchFamily="2" charset="2"/>
-              </a:rPr>
-              <a:t>	from </a:t>
-            </a:r>
-            <a:r>
-              <a:rPr lang="en-US" sz="7200" dirty="0">
-                <a:latin typeface="Gill Sans MT (Body)"/>
-                <a:ea typeface="Aptos" panose="020B0004020202020204" pitchFamily="34" charset="0"/>
-                <a:sym typeface="Wingdings" panose="05000000000000000000" pitchFamily="2" charset="2"/>
-                <a:hlinkClick r:id="rId3"/>
+              <a:rPr lang="en-CA" sz="1600" b="0" i="0" u="none" strike="noStrike" dirty="0">
+                <a:solidFill>
+                  <a:srgbClr val="000000"/>
+                </a:solidFill>
+                <a:effectLst/>
+                <a:latin typeface="Calibri" panose="020F0502020204030204" pitchFamily="34" charset="0"/>
+              </a:rPr>
+              <a:t>Cline, R. (2024, March 18). </a:t>
+            </a:r>
+            <a:r>
+              <a:rPr lang="en-CA" sz="1600" b="0" i="1" u="none" strike="noStrike" dirty="0">
+                <a:solidFill>
+                  <a:srgbClr val="000000"/>
+                </a:solidFill>
+                <a:effectLst/>
+                <a:latin typeface="Calibri" panose="020F0502020204030204" pitchFamily="34" charset="0"/>
+              </a:rPr>
+              <a:t>Biometric access control systems: Your complete guide</a:t>
+            </a:r>
+            <a:r>
+              <a:rPr lang="en-CA" sz="1600" b="0" i="0" u="none" strike="noStrike" dirty="0">
+                <a:solidFill>
+                  <a:srgbClr val="000000"/>
+                </a:solidFill>
+                <a:effectLst/>
+                <a:latin typeface="Calibri" panose="020F0502020204030204" pitchFamily="34" charset="0"/>
+              </a:rPr>
+              <a:t>. </a:t>
+            </a:r>
+            <a:r>
+              <a:rPr lang="en-CA" sz="1600" b="0" i="0" u="none" strike="noStrike" dirty="0" err="1">
+                <a:solidFill>
+                  <a:srgbClr val="000000"/>
+                </a:solidFill>
+                <a:effectLst/>
+                <a:latin typeface="Calibri" panose="020F0502020204030204" pitchFamily="34" charset="0"/>
+              </a:rPr>
+              <a:t>ButterflyMX</a:t>
+            </a:r>
+            <a:r>
+              <a:rPr lang="en-CA" sz="1600" b="0" i="0" u="none" strike="noStrike" dirty="0">
+                <a:solidFill>
+                  <a:srgbClr val="000000"/>
+                </a:solidFill>
+                <a:effectLst/>
+                <a:latin typeface="Calibri" panose="020F0502020204030204" pitchFamily="34" charset="0"/>
+              </a:rPr>
+              <a:t>® - Video Intercoms &amp; Access Control Systems.</a:t>
+            </a:r>
+            <a:r>
+              <a:rPr lang="en-CA" sz="1600" b="0" i="0" u="none" strike="noStrike" dirty="0">
+                <a:solidFill>
+                  <a:srgbClr val="000000"/>
+                </a:solidFill>
+                <a:effectLst/>
+                <a:latin typeface="Calibri" panose="020F0502020204030204" pitchFamily="34" charset="0"/>
+                <a:hlinkClick r:id="rId4"/>
+              </a:rPr>
+              <a:t> </a:t>
+            </a:r>
+            <a:r>
+              <a:rPr lang="en-CA" sz="1600" b="0" i="0" u="sng" strike="noStrike" dirty="0">
+                <a:solidFill>
+                  <a:srgbClr val="1155CC"/>
+                </a:solidFill>
+                <a:effectLst/>
+                <a:latin typeface="Calibri" panose="020F0502020204030204" pitchFamily="34" charset="0"/>
+                <a:hlinkClick r:id="rId4"/>
+              </a:rPr>
+              <a:t>https://butterflymx.com/blog/biometric-access-control/</a:t>
+            </a:r>
+            <a:endParaRPr lang="en-CA" sz="1600" b="0" i="0" u="none" strike="noStrike" dirty="0">
+              <a:solidFill>
+                <a:srgbClr val="000000"/>
+              </a:solidFill>
+              <a:effectLst/>
+              <a:latin typeface="Calibri" panose="020F0502020204030204" pitchFamily="34" charset="0"/>
+            </a:endParaRPr>
+          </a:p>
+          <a:p>
+            <a:pPr rtl="0" fontAlgn="base">
+              <a:spcBef>
+                <a:spcPts val="0"/>
+              </a:spcBef>
+              <a:spcAft>
+                <a:spcPts val="0"/>
+              </a:spcAft>
+              <a:buFont typeface="+mj-lt"/>
+              <a:buAutoNum type="arabicPeriod"/>
+            </a:pPr>
+            <a:r>
+              <a:rPr lang="en-CA" sz="1600" b="0" i="0" u="none" strike="noStrike" dirty="0">
+                <a:solidFill>
+                  <a:srgbClr val="000000"/>
+                </a:solidFill>
+                <a:effectLst/>
+                <a:latin typeface="Calibri" panose="020F0502020204030204" pitchFamily="34" charset="0"/>
+              </a:rPr>
+              <a:t>CS231n: </a:t>
+            </a:r>
+            <a:r>
+              <a:rPr lang="en-CA" sz="1600" b="0" i="1" u="none" strike="noStrike" dirty="0">
+                <a:solidFill>
+                  <a:srgbClr val="000000"/>
+                </a:solidFill>
+                <a:effectLst/>
+                <a:latin typeface="Calibri" panose="020F0502020204030204" pitchFamily="34" charset="0"/>
+              </a:rPr>
+              <a:t>Convolutional neural networks for visual recognition</a:t>
+            </a:r>
+            <a:r>
+              <a:rPr lang="en-CA" sz="1600" b="0" i="0" u="none" strike="noStrike" dirty="0">
+                <a:solidFill>
+                  <a:srgbClr val="000000"/>
+                </a:solidFill>
+                <a:effectLst/>
+                <a:latin typeface="Calibri" panose="020F0502020204030204" pitchFamily="34" charset="0"/>
+              </a:rPr>
+              <a:t>. (n.d.). Retrieved June 11, 2024, from</a:t>
+            </a:r>
+            <a:r>
+              <a:rPr lang="en-CA" sz="1600" b="0" i="0" u="none" strike="noStrike" dirty="0">
+                <a:solidFill>
+                  <a:srgbClr val="000000"/>
+                </a:solidFill>
+                <a:effectLst/>
+                <a:latin typeface="Calibri" panose="020F0502020204030204" pitchFamily="34" charset="0"/>
+                <a:hlinkClick r:id="rId5"/>
+              </a:rPr>
+              <a:t> </a:t>
+            </a:r>
+            <a:r>
+              <a:rPr lang="en-CA" sz="1600" b="0" i="0" u="sng" strike="noStrike" dirty="0">
+                <a:solidFill>
+                  <a:srgbClr val="1155CC"/>
+                </a:solidFill>
+                <a:effectLst/>
+                <a:latin typeface="Calibri" panose="020F0502020204030204" pitchFamily="34" charset="0"/>
+                <a:hlinkClick r:id="rId5"/>
               </a:rPr>
               <a:t>https://cs231n.github.io/</a:t>
             </a:r>
-            <a:endParaRPr lang="en-US" sz="7200" dirty="0">
-              <a:latin typeface="Gill Sans MT (Body)"/>
-              <a:ea typeface="Aptos" panose="020B0004020202020204" pitchFamily="34" charset="0"/>
-              <a:sym typeface="Wingdings" panose="05000000000000000000" pitchFamily="2" charset="2"/>
+            <a:endParaRPr lang="en-CA" sz="1600" b="0" i="0" u="none" strike="noStrike" dirty="0">
+              <a:solidFill>
+                <a:srgbClr val="000000"/>
+              </a:solidFill>
+              <a:effectLst/>
+              <a:latin typeface="Calibri" panose="020F0502020204030204" pitchFamily="34" charset="0"/>
             </a:endParaRPr>
           </a:p>
           <a:p>
-            <a:pPr marL="0" indent="0" algn="just">
-              <a:buNone/>
+            <a:pPr rtl="0" fontAlgn="base">
+              <a:spcBef>
+                <a:spcPts val="0"/>
+              </a:spcBef>
+              <a:spcAft>
+                <a:spcPts val="0"/>
+              </a:spcAft>
+              <a:buFont typeface="+mj-lt"/>
+              <a:buAutoNum type="arabicPeriod"/>
             </a:pPr>
-            <a:endParaRPr lang="en-US" sz="7200" dirty="0">
-              <a:latin typeface="Gill Sans MT (Body)"/>
-              <a:ea typeface="Aptos" panose="020B0004020202020204" pitchFamily="34" charset="0"/>
-              <a:sym typeface="Wingdings" panose="05000000000000000000" pitchFamily="2" charset="2"/>
+            <a:r>
+              <a:rPr lang="en-CA" sz="1600" b="0" i="0" u="none" strike="noStrike" dirty="0" err="1">
+                <a:solidFill>
+                  <a:srgbClr val="000000"/>
+                </a:solidFill>
+                <a:effectLst/>
+                <a:latin typeface="Calibri" panose="020F0502020204030204" pitchFamily="34" charset="0"/>
+              </a:rPr>
+              <a:t>Géron</a:t>
+            </a:r>
+            <a:r>
+              <a:rPr lang="en-CA" sz="1600" b="0" i="0" u="none" strike="noStrike" dirty="0">
+                <a:solidFill>
+                  <a:srgbClr val="000000"/>
+                </a:solidFill>
+                <a:effectLst/>
+                <a:latin typeface="Calibri" panose="020F0502020204030204" pitchFamily="34" charset="0"/>
+              </a:rPr>
+              <a:t>, A. (2019). </a:t>
+            </a:r>
+            <a:r>
+              <a:rPr lang="en-CA" sz="1600" b="0" i="1" u="none" strike="noStrike" dirty="0">
+                <a:solidFill>
+                  <a:srgbClr val="000000"/>
+                </a:solidFill>
+                <a:effectLst/>
+                <a:latin typeface="Calibri" panose="020F0502020204030204" pitchFamily="34" charset="0"/>
+              </a:rPr>
+              <a:t>Hands-on machine learning with scikit-learn, </a:t>
+            </a:r>
+            <a:r>
+              <a:rPr lang="en-CA" sz="1600" b="0" i="1" u="none" strike="noStrike" dirty="0" err="1">
+                <a:solidFill>
+                  <a:srgbClr val="000000"/>
+                </a:solidFill>
+                <a:effectLst/>
+                <a:latin typeface="Calibri" panose="020F0502020204030204" pitchFamily="34" charset="0"/>
+              </a:rPr>
+              <a:t>Keras</a:t>
+            </a:r>
+            <a:r>
+              <a:rPr lang="en-CA" sz="1600" b="0" i="1" u="none" strike="noStrike" dirty="0">
+                <a:solidFill>
+                  <a:srgbClr val="000000"/>
+                </a:solidFill>
+                <a:effectLst/>
+                <a:latin typeface="Calibri" panose="020F0502020204030204" pitchFamily="34" charset="0"/>
+              </a:rPr>
+              <a:t>, and TensorFlow: Concepts, tools, and techniques to build intelligent systems</a:t>
+            </a:r>
+            <a:r>
+              <a:rPr lang="en-CA" sz="1600" b="0" i="0" u="none" strike="noStrike" dirty="0">
+                <a:solidFill>
+                  <a:srgbClr val="000000"/>
+                </a:solidFill>
+                <a:effectLst/>
+                <a:latin typeface="Calibri" panose="020F0502020204030204" pitchFamily="34" charset="0"/>
+              </a:rPr>
+              <a:t>. O’Reilly Media.</a:t>
+            </a:r>
+          </a:p>
+          <a:p>
+            <a:pPr rtl="0" fontAlgn="base">
+              <a:spcBef>
+                <a:spcPts val="0"/>
+              </a:spcBef>
+              <a:spcAft>
+                <a:spcPts val="0"/>
+              </a:spcAft>
+              <a:buFont typeface="+mj-lt"/>
+              <a:buAutoNum type="arabicPeriod"/>
+            </a:pPr>
+            <a:r>
+              <a:rPr lang="en-CA" sz="1600" b="0" i="0" u="none" strike="noStrike" dirty="0">
+                <a:solidFill>
+                  <a:srgbClr val="000000"/>
+                </a:solidFill>
+                <a:effectLst/>
+                <a:latin typeface="Calibri" panose="020F0502020204030204" pitchFamily="34" charset="0"/>
+              </a:rPr>
+              <a:t>Ng, A. (n.d.). </a:t>
+            </a:r>
+            <a:r>
+              <a:rPr lang="en-CA" sz="1600" b="0" i="1" u="none" strike="noStrike" dirty="0">
+                <a:solidFill>
+                  <a:srgbClr val="000000"/>
+                </a:solidFill>
+                <a:effectLst/>
+                <a:latin typeface="Calibri" panose="020F0502020204030204" pitchFamily="34" charset="0"/>
+              </a:rPr>
+              <a:t>Deep learning</a:t>
+            </a:r>
+            <a:r>
+              <a:rPr lang="en-CA" sz="1600" b="0" i="0" u="none" strike="noStrike" dirty="0">
+                <a:solidFill>
+                  <a:srgbClr val="000000"/>
+                </a:solidFill>
+                <a:effectLst/>
+                <a:latin typeface="Calibri" panose="020F0502020204030204" pitchFamily="34" charset="0"/>
+              </a:rPr>
+              <a:t>. Coursera. Retrieved June 11, 2024, from</a:t>
+            </a:r>
+            <a:r>
+              <a:rPr lang="en-CA" sz="1600" b="0" i="0" u="none" strike="noStrike" dirty="0">
+                <a:solidFill>
+                  <a:srgbClr val="000000"/>
+                </a:solidFill>
+                <a:effectLst/>
+                <a:latin typeface="Calibri" panose="020F0502020204030204" pitchFamily="34" charset="0"/>
+                <a:hlinkClick r:id="rId6"/>
+              </a:rPr>
+              <a:t> </a:t>
+            </a:r>
+            <a:r>
+              <a:rPr lang="en-CA" sz="1600" b="0" i="0" u="sng" strike="noStrike" dirty="0">
+                <a:solidFill>
+                  <a:srgbClr val="1155CC"/>
+                </a:solidFill>
+                <a:effectLst/>
+                <a:latin typeface="Calibri" panose="020F0502020204030204" pitchFamily="34" charset="0"/>
+                <a:hlinkClick r:id="rId6"/>
+              </a:rPr>
+              <a:t>https://www.coursera.org/specializations/deep-learning</a:t>
+            </a:r>
+            <a:endParaRPr lang="en-CA" sz="1600" b="0" i="0" u="none" strike="noStrike" dirty="0">
+              <a:solidFill>
+                <a:srgbClr val="000000"/>
+              </a:solidFill>
+              <a:effectLst/>
+              <a:latin typeface="Calibri" panose="020F0502020204030204" pitchFamily="34" charset="0"/>
             </a:endParaRPr>
           </a:p>
           <a:p>
-            <a:pPr algn="just"/>
-            <a:r>
-              <a:rPr lang="en-US" sz="7200" dirty="0" err="1">
-                <a:latin typeface="Gill Sans MT (Body)"/>
-                <a:ea typeface="Aptos" panose="020B0004020202020204" pitchFamily="34" charset="0"/>
-                <a:sym typeface="Wingdings" panose="05000000000000000000" pitchFamily="2" charset="2"/>
-              </a:rPr>
-              <a:t>Géron</a:t>
-            </a:r>
-            <a:r>
-              <a:rPr lang="en-US" sz="7200" dirty="0">
-                <a:latin typeface="Gill Sans MT (Body)"/>
-                <a:ea typeface="Aptos" panose="020B0004020202020204" pitchFamily="34" charset="0"/>
-                <a:sym typeface="Wingdings" panose="05000000000000000000" pitchFamily="2" charset="2"/>
-              </a:rPr>
-              <a:t>, A. (2019). Hands-On machine learning with scikit-learn, </a:t>
-            </a:r>
-            <a:r>
-              <a:rPr lang="en-US" sz="7200" dirty="0" err="1">
-                <a:latin typeface="Gill Sans MT (Body)"/>
-                <a:ea typeface="Aptos" panose="020B0004020202020204" pitchFamily="34" charset="0"/>
-                <a:sym typeface="Wingdings" panose="05000000000000000000" pitchFamily="2" charset="2"/>
-              </a:rPr>
-              <a:t>keras</a:t>
-            </a:r>
-            <a:r>
-              <a:rPr lang="en-US" sz="7200" dirty="0">
-                <a:latin typeface="Gill Sans MT (Body)"/>
-                <a:ea typeface="Aptos" panose="020B0004020202020204" pitchFamily="34" charset="0"/>
-                <a:sym typeface="Wingdings" panose="05000000000000000000" pitchFamily="2" charset="2"/>
-              </a:rPr>
-              <a:t>, and </a:t>
-            </a:r>
-            <a:r>
-              <a:rPr lang="en-US" sz="7200" dirty="0" err="1">
-                <a:latin typeface="Gill Sans MT (Body)"/>
-                <a:ea typeface="Aptos" panose="020B0004020202020204" pitchFamily="34" charset="0"/>
-                <a:sym typeface="Wingdings" panose="05000000000000000000" pitchFamily="2" charset="2"/>
-              </a:rPr>
-              <a:t>tensorflow</a:t>
-            </a:r>
-            <a:r>
-              <a:rPr lang="en-US" sz="7200" dirty="0">
-                <a:latin typeface="Gill Sans MT (Body)"/>
-                <a:ea typeface="Aptos" panose="020B0004020202020204" pitchFamily="34" charset="0"/>
-                <a:sym typeface="Wingdings" panose="05000000000000000000" pitchFamily="2" charset="2"/>
-              </a:rPr>
-              <a:t>: Concepts, tools, and techniques to build intelligent systems. O’Reilly Media.</a:t>
-            </a:r>
-          </a:p>
-          <a:p>
-            <a:pPr algn="just"/>
-            <a:endParaRPr lang="en-US" sz="7200" dirty="0">
-              <a:latin typeface="Gill Sans MT (Body)"/>
-              <a:ea typeface="Aptos" panose="020B0004020202020204" pitchFamily="34" charset="0"/>
-              <a:sym typeface="Wingdings" panose="05000000000000000000" pitchFamily="2" charset="2"/>
+            <a:pPr rtl="0" fontAlgn="base">
+              <a:spcBef>
+                <a:spcPts val="0"/>
+              </a:spcBef>
+              <a:spcAft>
+                <a:spcPts val="0"/>
+              </a:spcAft>
+              <a:buFont typeface="+mj-lt"/>
+              <a:buAutoNum type="arabicPeriod"/>
+            </a:pPr>
+            <a:r>
+              <a:rPr lang="en-CA" sz="1600" b="0" i="0" u="none" strike="noStrike" dirty="0" err="1">
+                <a:solidFill>
+                  <a:srgbClr val="000000"/>
+                </a:solidFill>
+                <a:effectLst/>
+                <a:latin typeface="Calibri" panose="020F0502020204030204" pitchFamily="34" charset="0"/>
+              </a:rPr>
+              <a:t>Panchuang</a:t>
+            </a:r>
+            <a:r>
+              <a:rPr lang="en-CA" sz="1600" b="0" i="0" u="none" strike="noStrike" dirty="0">
+                <a:solidFill>
+                  <a:srgbClr val="000000"/>
+                </a:solidFill>
+                <a:effectLst/>
+                <a:latin typeface="Calibri" panose="020F0502020204030204" pitchFamily="34" charset="0"/>
+              </a:rPr>
+              <a:t>. (2021, July 12). </a:t>
+            </a:r>
+            <a:r>
+              <a:rPr lang="en-CA" sz="1600" b="0" i="1" u="none" strike="noStrike" dirty="0">
+                <a:solidFill>
+                  <a:srgbClr val="000000"/>
+                </a:solidFill>
+                <a:effectLst/>
+                <a:latin typeface="Calibri" panose="020F0502020204030204" pitchFamily="34" charset="0"/>
+              </a:rPr>
+              <a:t>Image augmentation in deep learning</a:t>
+            </a:r>
+            <a:r>
+              <a:rPr lang="en-CA" sz="1600" b="0" i="0" u="none" strike="noStrike" dirty="0">
+                <a:solidFill>
+                  <a:srgbClr val="000000"/>
+                </a:solidFill>
+                <a:effectLst/>
+                <a:latin typeface="Calibri" panose="020F0502020204030204" pitchFamily="34" charset="0"/>
+              </a:rPr>
+              <a:t>. </a:t>
+            </a:r>
+            <a:r>
+              <a:rPr lang="en-CA" sz="1600" b="0" i="0" u="none" strike="noStrike" dirty="0" err="1">
+                <a:solidFill>
+                  <a:srgbClr val="000000"/>
+                </a:solidFill>
+                <a:effectLst/>
+                <a:latin typeface="Calibri" panose="020F0502020204030204" pitchFamily="34" charset="0"/>
+              </a:rPr>
+              <a:t>Panchuang</a:t>
+            </a:r>
+            <a:r>
+              <a:rPr lang="en-CA" sz="1600" b="0" i="0" u="none" strike="noStrike" dirty="0">
+                <a:solidFill>
+                  <a:srgbClr val="000000"/>
+                </a:solidFill>
+                <a:effectLst/>
+                <a:latin typeface="Calibri" panose="020F0502020204030204" pitchFamily="34" charset="0"/>
+              </a:rPr>
+              <a:t> Blog.</a:t>
+            </a:r>
+            <a:r>
+              <a:rPr lang="en-CA" sz="1600" b="0" i="0" u="none" strike="noStrike" dirty="0">
+                <a:solidFill>
+                  <a:srgbClr val="000000"/>
+                </a:solidFill>
+                <a:effectLst/>
+                <a:latin typeface="Calibri" panose="020F0502020204030204" pitchFamily="34" charset="0"/>
+                <a:hlinkClick r:id="rId7"/>
+              </a:rPr>
+              <a:t> </a:t>
+            </a:r>
+            <a:r>
+              <a:rPr lang="en-CA" sz="1600" b="0" i="0" u="sng" strike="noStrike" dirty="0">
+                <a:solidFill>
+                  <a:srgbClr val="1155CC"/>
+                </a:solidFill>
+                <a:effectLst/>
+                <a:latin typeface="Calibri" panose="020F0502020204030204" pitchFamily="34" charset="0"/>
+                <a:hlinkClick r:id="rId7"/>
+              </a:rPr>
+              <a:t>https://panchuang.net/2021/07/12/%E6%B7%B1%E5%BA%A6%E5%AD%A6%E4%B9%A0%E4%B8%AD%E7%9A%84%E5%9B%BE%E5%83%8F%E5%A2%9E%E5%BC%BA%E7%AE%80%E4%BB%8B/</a:t>
+            </a:r>
+            <a:endParaRPr lang="en-CA" sz="1600" b="0" i="0" u="none" strike="noStrike" dirty="0">
+              <a:solidFill>
+                <a:srgbClr val="000000"/>
+              </a:solidFill>
+              <a:effectLst/>
+              <a:latin typeface="Calibri" panose="020F0502020204030204" pitchFamily="34" charset="0"/>
             </a:endParaRPr>
           </a:p>
           <a:p>
-            <a:pPr algn="just"/>
-            <a:r>
-              <a:rPr lang="en-US" sz="7200" dirty="0">
-                <a:latin typeface="Gill Sans MT (Body)"/>
-                <a:ea typeface="Aptos" panose="020B0004020202020204" pitchFamily="34" charset="0"/>
-                <a:sym typeface="Wingdings" panose="05000000000000000000" pitchFamily="2" charset="2"/>
-              </a:rPr>
-              <a:t>Ng, A. (n.d.). Deep learning. Coursera. Retrieved June 11, 2024,</a:t>
-            </a:r>
-          </a:p>
-          <a:p>
-            <a:pPr marL="324000" lvl="1" indent="0" algn="just">
-              <a:buNone/>
+            <a:pPr rtl="0" fontAlgn="base">
+              <a:spcBef>
+                <a:spcPts val="0"/>
+              </a:spcBef>
+              <a:spcAft>
+                <a:spcPts val="0"/>
+              </a:spcAft>
+              <a:buFont typeface="+mj-lt"/>
+              <a:buAutoNum type="arabicPeriod"/>
             </a:pPr>
             <a:r>
-              <a:rPr lang="en-US" sz="7200" dirty="0">
-                <a:latin typeface="Gill Sans MT (Body)"/>
-                <a:ea typeface="Aptos" panose="020B0004020202020204" pitchFamily="34" charset="0"/>
-                <a:sym typeface="Wingdings" panose="05000000000000000000" pitchFamily="2" charset="2"/>
-              </a:rPr>
-              <a:t>	from </a:t>
-            </a:r>
-            <a:r>
-              <a:rPr lang="en-US" sz="7200" dirty="0">
-                <a:latin typeface="Gill Sans MT (Body)"/>
-                <a:ea typeface="Aptos" panose="020B0004020202020204" pitchFamily="34" charset="0"/>
-                <a:sym typeface="Wingdings" panose="05000000000000000000" pitchFamily="2" charset="2"/>
-                <a:hlinkClick r:id="rId4"/>
-              </a:rPr>
-              <a:t>https://www.coursera.org/specializations/deep-learning</a:t>
-            </a:r>
-            <a:endParaRPr lang="en-US" sz="7200" dirty="0">
-              <a:latin typeface="Gill Sans MT (Body)"/>
-              <a:ea typeface="Aptos" panose="020B0004020202020204" pitchFamily="34" charset="0"/>
-              <a:sym typeface="Wingdings" panose="05000000000000000000" pitchFamily="2" charset="2"/>
+              <a:rPr lang="en-CA" sz="1600" b="0" i="0" u="none" strike="noStrike" dirty="0">
+                <a:solidFill>
+                  <a:srgbClr val="000000"/>
+                </a:solidFill>
+                <a:effectLst/>
+                <a:latin typeface="Calibri" panose="020F0502020204030204" pitchFamily="34" charset="0"/>
+              </a:rPr>
+              <a:t>Scikit-Learn. (2024). </a:t>
+            </a:r>
+            <a:r>
+              <a:rPr lang="en-CA" sz="1600" b="0" i="1" u="none" strike="noStrike" dirty="0">
+                <a:solidFill>
+                  <a:srgbClr val="000000"/>
+                </a:solidFill>
+                <a:effectLst/>
+                <a:latin typeface="Calibri" panose="020F0502020204030204" pitchFamily="34" charset="0"/>
+              </a:rPr>
+              <a:t>Official Documentation</a:t>
+            </a:r>
+            <a:r>
+              <a:rPr lang="en-CA" sz="1600" b="0" i="0" u="none" strike="noStrike" dirty="0">
+                <a:solidFill>
+                  <a:srgbClr val="000000"/>
+                </a:solidFill>
+                <a:effectLst/>
+                <a:latin typeface="Calibri" panose="020F0502020204030204" pitchFamily="34" charset="0"/>
+              </a:rPr>
+              <a:t>. Retrieved June 11, 2024, from</a:t>
+            </a:r>
+            <a:r>
+              <a:rPr lang="en-CA" sz="1600" b="0" i="0" u="none" strike="noStrike" dirty="0">
+                <a:solidFill>
+                  <a:srgbClr val="000000"/>
+                </a:solidFill>
+                <a:effectLst/>
+                <a:latin typeface="Calibri" panose="020F0502020204030204" pitchFamily="34" charset="0"/>
+                <a:hlinkClick r:id="rId8"/>
+              </a:rPr>
+              <a:t> </a:t>
+            </a:r>
+            <a:r>
+              <a:rPr lang="en-CA" sz="1600" b="0" i="0" u="sng" strike="noStrike" dirty="0">
+                <a:solidFill>
+                  <a:srgbClr val="1155CC"/>
+                </a:solidFill>
+                <a:effectLst/>
+                <a:latin typeface="Calibri" panose="020F0502020204030204" pitchFamily="34" charset="0"/>
+                <a:hlinkClick r:id="rId8"/>
+              </a:rPr>
+              <a:t>https://scikitlearn.org/stable/</a:t>
+            </a:r>
+            <a:endParaRPr lang="en-CA" sz="1600" b="0" i="0" u="none" strike="noStrike" dirty="0">
+              <a:solidFill>
+                <a:srgbClr val="000000"/>
+              </a:solidFill>
+              <a:effectLst/>
+              <a:latin typeface="Calibri" panose="020F0502020204030204" pitchFamily="34" charset="0"/>
             </a:endParaRPr>
           </a:p>
           <a:p>
-            <a:pPr algn="just"/>
-            <a:endParaRPr lang="en-US" sz="7200" dirty="0">
-              <a:latin typeface="Gill Sans MT (Body)"/>
-              <a:ea typeface="Aptos" panose="020B0004020202020204" pitchFamily="34" charset="0"/>
-              <a:sym typeface="Wingdings" panose="05000000000000000000" pitchFamily="2" charset="2"/>
+            <a:pPr rtl="0" fontAlgn="base">
+              <a:spcBef>
+                <a:spcPts val="0"/>
+              </a:spcBef>
+              <a:spcAft>
+                <a:spcPts val="0"/>
+              </a:spcAft>
+              <a:buFont typeface="+mj-lt"/>
+              <a:buAutoNum type="arabicPeriod"/>
+            </a:pPr>
+            <a:r>
+              <a:rPr lang="en-CA" sz="1600" b="0" i="0" u="none" strike="noStrike" dirty="0">
+                <a:solidFill>
+                  <a:srgbClr val="000000"/>
+                </a:solidFill>
+                <a:effectLst/>
+                <a:latin typeface="Calibri" panose="020F0502020204030204" pitchFamily="34" charset="0"/>
+              </a:rPr>
+              <a:t>tensorflow.org. (n.d.). </a:t>
+            </a:r>
+            <a:r>
+              <a:rPr lang="en-CA" sz="1600" b="0" i="1" u="none" strike="noStrike" dirty="0">
+                <a:solidFill>
+                  <a:srgbClr val="000000"/>
+                </a:solidFill>
+                <a:effectLst/>
+                <a:latin typeface="Calibri" panose="020F0502020204030204" pitchFamily="34" charset="0"/>
+              </a:rPr>
+              <a:t>Get started with </a:t>
+            </a:r>
+            <a:r>
+              <a:rPr lang="en-CA" sz="1600" b="0" i="1" u="none" strike="noStrike" dirty="0" err="1">
+                <a:solidFill>
+                  <a:srgbClr val="000000"/>
+                </a:solidFill>
+                <a:effectLst/>
+                <a:latin typeface="Calibri" panose="020F0502020204030204" pitchFamily="34" charset="0"/>
+              </a:rPr>
+              <a:t>TensorBoard</a:t>
+            </a:r>
+            <a:r>
+              <a:rPr lang="en-CA" sz="1600" b="0" i="0" u="none" strike="noStrike" dirty="0">
+                <a:solidFill>
+                  <a:srgbClr val="000000"/>
+                </a:solidFill>
+                <a:effectLst/>
+                <a:latin typeface="Calibri" panose="020F0502020204030204" pitchFamily="34" charset="0"/>
+              </a:rPr>
+              <a:t>. TensorFlow. Retrieved from</a:t>
+            </a:r>
+            <a:r>
+              <a:rPr lang="en-CA" sz="1600" b="0" i="0" u="none" strike="noStrike" dirty="0">
+                <a:solidFill>
+                  <a:srgbClr val="000000"/>
+                </a:solidFill>
+                <a:effectLst/>
+                <a:latin typeface="Calibri" panose="020F0502020204030204" pitchFamily="34" charset="0"/>
+                <a:hlinkClick r:id="rId9"/>
+              </a:rPr>
+              <a:t> </a:t>
+            </a:r>
+            <a:r>
+              <a:rPr lang="en-CA" sz="1600" b="0" i="0" u="sng" strike="noStrike" dirty="0">
+                <a:solidFill>
+                  <a:srgbClr val="1155CC"/>
+                </a:solidFill>
+                <a:effectLst/>
+                <a:latin typeface="Calibri" panose="020F0502020204030204" pitchFamily="34" charset="0"/>
+                <a:hlinkClick r:id="rId9"/>
+              </a:rPr>
+              <a:t>https://www.tensorflow.org/tensorboard/get_started</a:t>
+            </a:r>
+            <a:endParaRPr lang="en-CA" sz="1600" b="0" i="0" u="none" strike="noStrike" dirty="0">
+              <a:solidFill>
+                <a:srgbClr val="000000"/>
+              </a:solidFill>
+              <a:effectLst/>
+              <a:latin typeface="Calibri" panose="020F0502020204030204" pitchFamily="34" charset="0"/>
             </a:endParaRPr>
           </a:p>
           <a:p>
-            <a:pPr algn="just"/>
-            <a:r>
-              <a:rPr lang="en-US" sz="7200" dirty="0">
-                <a:latin typeface="Gill Sans MT (Body)"/>
-                <a:ea typeface="Aptos" panose="020B0004020202020204" pitchFamily="34" charset="0"/>
-                <a:sym typeface="Wingdings" panose="05000000000000000000" pitchFamily="2" charset="2"/>
-              </a:rPr>
-              <a:t>Scikit-Learn (2024). Official Documentation. Retrieved June 11, 2024</a:t>
-            </a:r>
-          </a:p>
-          <a:p>
-            <a:pPr marL="0" indent="0" algn="just">
-              <a:buNone/>
+            <a:pPr rtl="0" fontAlgn="base">
+              <a:spcBef>
+                <a:spcPts val="0"/>
+              </a:spcBef>
+              <a:spcAft>
+                <a:spcPts val="0"/>
+              </a:spcAft>
+              <a:buFont typeface="+mj-lt"/>
+              <a:buAutoNum type="arabicPeriod"/>
             </a:pPr>
             <a:r>
-              <a:rPr lang="en-US" sz="7200" dirty="0">
-                <a:latin typeface="Gill Sans MT (Body)"/>
-                <a:ea typeface="Aptos" panose="020B0004020202020204" pitchFamily="34" charset="0"/>
-                <a:sym typeface="Wingdings" panose="05000000000000000000" pitchFamily="2" charset="2"/>
-              </a:rPr>
-              <a:t>	from https://scikitlearn.org/stable/</a:t>
-            </a:r>
-          </a:p>
-          <a:p>
-            <a:pPr algn="just"/>
-            <a:endParaRPr lang="en-US" sz="7200" dirty="0">
-              <a:latin typeface="Gill Sans MT (Body)"/>
-              <a:ea typeface="Aptos" panose="020B0004020202020204" pitchFamily="34" charset="0"/>
-              <a:sym typeface="Wingdings" panose="05000000000000000000" pitchFamily="2" charset="2"/>
+              <a:rPr lang="en-CA" sz="1600" b="0" i="0" u="none" strike="noStrike" dirty="0">
+                <a:solidFill>
+                  <a:srgbClr val="000000"/>
+                </a:solidFill>
+                <a:effectLst/>
+                <a:latin typeface="Calibri" panose="020F0502020204030204" pitchFamily="34" charset="0"/>
+              </a:rPr>
+              <a:t>VentureBeat. (2024, August 9). </a:t>
+            </a:r>
+            <a:r>
+              <a:rPr lang="en-CA" sz="1600" b="0" i="1" u="none" strike="noStrike" dirty="0">
+                <a:solidFill>
+                  <a:srgbClr val="000000"/>
+                </a:solidFill>
+                <a:effectLst/>
+                <a:latin typeface="Calibri" panose="020F0502020204030204" pitchFamily="34" charset="0"/>
+              </a:rPr>
+              <a:t>The art and science of SaaS pricing: True usage-based pricing</a:t>
+            </a:r>
+            <a:r>
+              <a:rPr lang="en-CA" sz="1600" b="0" i="0" u="none" strike="noStrike" dirty="0">
+                <a:solidFill>
+                  <a:srgbClr val="000000"/>
+                </a:solidFill>
+                <a:effectLst/>
+                <a:latin typeface="Calibri" panose="020F0502020204030204" pitchFamily="34" charset="0"/>
+              </a:rPr>
+              <a:t>.</a:t>
+            </a:r>
+            <a:r>
+              <a:rPr lang="en-CA" sz="1600" b="0" i="0" u="none" strike="noStrike" dirty="0">
+                <a:solidFill>
+                  <a:srgbClr val="000000"/>
+                </a:solidFill>
+                <a:effectLst/>
+                <a:latin typeface="Calibri" panose="020F0502020204030204" pitchFamily="34" charset="0"/>
+                <a:hlinkClick r:id="rId10"/>
+              </a:rPr>
+              <a:t> </a:t>
+            </a:r>
+            <a:r>
+              <a:rPr lang="en-CA" sz="1600" b="0" i="0" u="sng" strike="noStrike" dirty="0">
+                <a:solidFill>
+                  <a:srgbClr val="1155CC"/>
+                </a:solidFill>
+                <a:effectLst/>
+                <a:latin typeface="Calibri" panose="020F0502020204030204" pitchFamily="34" charset="0"/>
+                <a:hlinkClick r:id="rId10"/>
+              </a:rPr>
+              <a:t>https://venturebeat.com/business/the-art-and-science-of-saas-pricing-true-usage-based-pricing/</a:t>
+            </a:r>
+            <a:endParaRPr lang="en-CA" sz="1600" b="0" i="0" u="sng" strike="noStrike" dirty="0">
+              <a:solidFill>
+                <a:srgbClr val="1155CC"/>
+              </a:solidFill>
+              <a:effectLst/>
+              <a:latin typeface="Calibri" panose="020F0502020204030204" pitchFamily="34" charset="0"/>
             </a:endParaRPr>
           </a:p>
           <a:p>
-            <a:pPr algn="just"/>
-            <a:r>
-              <a:rPr lang="en-US" sz="7200" dirty="0">
-                <a:latin typeface="Gill Sans MT (Body)"/>
-                <a:ea typeface="Aptos" panose="020B0004020202020204" pitchFamily="34" charset="0"/>
-                <a:sym typeface="Wingdings" panose="05000000000000000000" pitchFamily="2" charset="2"/>
-              </a:rPr>
-              <a:t>tensorflow.org. (n.d.). Get started with TensorBoard. Retrieved</a:t>
-            </a:r>
-          </a:p>
-          <a:p>
-            <a:pPr marL="0" indent="0" algn="just">
-              <a:buNone/>
+            <a:pPr rtl="0" fontAlgn="base">
+              <a:spcBef>
+                <a:spcPts val="0"/>
+              </a:spcBef>
+              <a:spcAft>
+                <a:spcPts val="0"/>
+              </a:spcAft>
+              <a:buFont typeface="+mj-lt"/>
+              <a:buAutoNum type="arabicPeriod"/>
             </a:pPr>
-            <a:r>
-              <a:rPr lang="en-US" sz="7200" dirty="0">
-                <a:latin typeface="Gill Sans MT (Body)"/>
-                <a:ea typeface="Aptos" panose="020B0004020202020204" pitchFamily="34" charset="0"/>
-                <a:sym typeface="Wingdings" panose="05000000000000000000" pitchFamily="2" charset="2"/>
-              </a:rPr>
-              <a:t>	from Tensorflow: </a:t>
-            </a:r>
-            <a:r>
-              <a:rPr lang="en-US" sz="7200" dirty="0">
-                <a:latin typeface="Gill Sans MT (Body)"/>
-                <a:ea typeface="Aptos" panose="020B0004020202020204" pitchFamily="34" charset="0"/>
-                <a:sym typeface="Wingdings" panose="05000000000000000000" pitchFamily="2" charset="2"/>
-                <a:hlinkClick r:id="rId5"/>
-              </a:rPr>
-              <a:t>https://www.tensorflow.org/tensorboard/get_started</a:t>
-            </a:r>
-            <a:endParaRPr lang="en-US" sz="7200" dirty="0">
-              <a:latin typeface="Gill Sans MT (Body)"/>
-              <a:ea typeface="Aptos" panose="020B0004020202020204" pitchFamily="34" charset="0"/>
-              <a:sym typeface="Wingdings" panose="05000000000000000000" pitchFamily="2" charset="2"/>
+            <a:endParaRPr lang="en-CA" sz="1600" u="sng" dirty="0">
+              <a:solidFill>
+                <a:srgbClr val="1155CC"/>
+              </a:solidFill>
+              <a:latin typeface="Calibri" panose="020F0502020204030204" pitchFamily="34" charset="0"/>
             </a:endParaRPr>
           </a:p>
           <a:p>
-            <a:pPr marL="0" indent="0" algn="just">
-              <a:buNone/>
+            <a:pPr rtl="0" fontAlgn="base">
+              <a:spcBef>
+                <a:spcPts val="0"/>
+              </a:spcBef>
+              <a:spcAft>
+                <a:spcPts val="0"/>
+              </a:spcAft>
+              <a:buFont typeface="+mj-lt"/>
+              <a:buAutoNum type="arabicPeriod"/>
             </a:pPr>
-            <a:endParaRPr lang="en-US" sz="2200" dirty="0">
-              <a:latin typeface="Gill Sans MT (Body)"/>
-              <a:ea typeface="Aptos" panose="020B0004020202020204" pitchFamily="34" charset="0"/>
-              <a:sym typeface="Wingdings" panose="05000000000000000000" pitchFamily="2" charset="2"/>
+            <a:endParaRPr lang="en-CA" sz="1600" b="0" i="0" u="none" strike="noStrike" dirty="0">
+              <a:solidFill>
+                <a:srgbClr val="000000"/>
+              </a:solidFill>
+              <a:effectLst/>
+              <a:latin typeface="Calibri" panose="020F0502020204030204" pitchFamily="34" charset="0"/>
             </a:endParaRPr>
           </a:p>
         </p:txBody>
@@ -9058,222 +9405,7 @@
 </p:sld>
 </file>
 
-<file path=ppt/slides/slide2.xml><?xml version="1.0" encoding="utf-8"?>
-<p:sld xmlns:a="http://schemas.openxmlformats.org/drawingml/2006/main" xmlns:r="http://schemas.openxmlformats.org/officeDocument/2006/relationships" xmlns:p="http://schemas.openxmlformats.org/presentationml/2006/main">
-  <p:cSld>
-    <p:spTree>
-      <p:nvGrpSpPr>
-        <p:cNvPr id="1" name=""/>
-        <p:cNvGrpSpPr/>
-        <p:nvPr/>
-      </p:nvGrpSpPr>
-      <p:grpSpPr>
-        <a:xfrm>
-          <a:off x="0" y="0"/>
-          <a:ext cx="0" cy="0"/>
-          <a:chOff x="0" y="0"/>
-          <a:chExt cx="0" cy="0"/>
-        </a:xfrm>
-      </p:grpSpPr>
-      <p:sp>
-        <p:nvSpPr>
-          <p:cNvPr id="2" name="Title 1">
-            <a:extLst>
-              <a:ext uri="{FF2B5EF4-FFF2-40B4-BE49-F238E27FC236}">
-                <a16:creationId xmlns:a16="http://schemas.microsoft.com/office/drawing/2014/main" id="{921633EB-7DCB-4DDC-80AF-C885A3EE1245}"/>
-              </a:ext>
-            </a:extLst>
-          </p:cNvPr>
-          <p:cNvSpPr>
-            <a:spLocks noGrp="1"/>
-          </p:cNvSpPr>
-          <p:nvPr>
-            <p:ph type="title"/>
-          </p:nvPr>
-        </p:nvSpPr>
-        <p:spPr/>
-        <p:txBody>
-          <a:bodyPr>
-            <a:normAutofit/>
-          </a:bodyPr>
-          <a:lstStyle/>
-          <a:p>
-            <a:r>
-              <a:rPr lang="en-US" sz="3600" b="1" dirty="0"/>
-              <a:t>GROUP H</a:t>
-            </a:r>
-          </a:p>
-        </p:txBody>
-      </p:sp>
-      <p:pic>
-        <p:nvPicPr>
-          <p:cNvPr id="11" name="Content Placeholder 4" descr="Charts">
-            <a:extLst>
-              <a:ext uri="{FF2B5EF4-FFF2-40B4-BE49-F238E27FC236}">
-                <a16:creationId xmlns:a16="http://schemas.microsoft.com/office/drawing/2014/main" id="{47D9BE16-119C-43B2-9AE6-18C4A150C0EF}"/>
-              </a:ext>
-            </a:extLst>
-          </p:cNvPr>
-          <p:cNvPicPr>
-            <a:picLocks noGrp="1" noChangeAspect="1"/>
-          </p:cNvPicPr>
-          <p:nvPr>
-            <p:ph sz="half" idx="1"/>
-          </p:nvPr>
-        </p:nvPicPr>
-        <p:blipFill rotWithShape="1">
-          <a:blip r:embed="rId2" cstate="screen">
-            <a:extLst>
-              <a:ext uri="{28A0092B-C50C-407E-A947-70E740481C1C}">
-                <a14:useLocalDpi xmlns:a14="http://schemas.microsoft.com/office/drawing/2010/main"/>
-              </a:ext>
-            </a:extLst>
-          </a:blip>
-          <a:stretch/>
-        </p:blipFill>
-        <p:spPr>
-          <a:xfrm>
-            <a:off x="581025" y="2231480"/>
-            <a:ext cx="5422900" cy="3625353"/>
-          </a:xfrm>
-        </p:spPr>
-      </p:pic>
-      <p:sp>
-        <p:nvSpPr>
-          <p:cNvPr id="4" name="Content Placeholder 3">
-            <a:extLst>
-              <a:ext uri="{FF2B5EF4-FFF2-40B4-BE49-F238E27FC236}">
-                <a16:creationId xmlns:a16="http://schemas.microsoft.com/office/drawing/2014/main" id="{383FDC91-3016-DC16-8B4F-2538583C2D41}"/>
-              </a:ext>
-            </a:extLst>
-          </p:cNvPr>
-          <p:cNvSpPr>
-            <a:spLocks noGrp="1"/>
-          </p:cNvSpPr>
-          <p:nvPr>
-            <p:ph sz="half" idx="2"/>
-          </p:nvPr>
-        </p:nvSpPr>
-        <p:spPr/>
-        <p:txBody>
-          <a:bodyPr>
-            <a:normAutofit/>
-          </a:bodyPr>
-          <a:lstStyle/>
-          <a:p>
-            <a:r>
-              <a:rPr lang="en-CA" sz="2200" dirty="0">
-                <a:solidFill>
-                  <a:schemeClr val="tx1"/>
-                </a:solidFill>
-              </a:rPr>
-              <a:t>Marzieh Mohammadi </a:t>
-            </a:r>
-            <a:r>
-              <a:rPr lang="en-CA" sz="2200" dirty="0" err="1">
-                <a:solidFill>
-                  <a:schemeClr val="tx1"/>
-                </a:solidFill>
-              </a:rPr>
-              <a:t>Kokaneh</a:t>
-            </a:r>
-            <a:r>
-              <a:rPr lang="en-CA" sz="2200" dirty="0">
-                <a:solidFill>
-                  <a:schemeClr val="tx1"/>
-                </a:solidFill>
-              </a:rPr>
-              <a:t> (C089839)</a:t>
-            </a:r>
-          </a:p>
-          <a:p>
-            <a:r>
-              <a:rPr lang="en-CA" sz="2200" dirty="0">
-                <a:solidFill>
-                  <a:schemeClr val="tx1"/>
-                </a:solidFill>
-              </a:rPr>
-              <a:t>Saurabh </a:t>
-            </a:r>
-            <a:r>
-              <a:rPr lang="en-CA" sz="2200" dirty="0" err="1">
-                <a:solidFill>
-                  <a:schemeClr val="tx1"/>
-                </a:solidFill>
-              </a:rPr>
-              <a:t>Laltaprasad</a:t>
-            </a:r>
-            <a:r>
-              <a:rPr lang="en-CA" sz="2200" dirty="0">
-                <a:solidFill>
-                  <a:schemeClr val="tx1"/>
-                </a:solidFill>
-              </a:rPr>
-              <a:t> </a:t>
-            </a:r>
-            <a:r>
-              <a:rPr lang="en-CA" sz="2200" dirty="0" err="1">
-                <a:solidFill>
-                  <a:schemeClr val="tx1"/>
-                </a:solidFill>
-              </a:rPr>
-              <a:t>Gangwar</a:t>
-            </a:r>
-            <a:r>
-              <a:rPr lang="en-CA" sz="2200" dirty="0">
-                <a:solidFill>
-                  <a:schemeClr val="tx1"/>
-                </a:solidFill>
-              </a:rPr>
-              <a:t> (C0894380)</a:t>
-            </a:r>
-          </a:p>
-          <a:p>
-            <a:r>
-              <a:rPr lang="en-CA" sz="2200" dirty="0">
-                <a:solidFill>
-                  <a:schemeClr val="tx1"/>
-                </a:solidFill>
-              </a:rPr>
-              <a:t>Brayan Leonardo Gil Guevara (C0902422)</a:t>
-            </a:r>
-          </a:p>
-          <a:p>
-            <a:r>
-              <a:rPr lang="en-CA" sz="2200" dirty="0">
-                <a:solidFill>
-                  <a:schemeClr val="tx1"/>
-                </a:solidFill>
-              </a:rPr>
-              <a:t>Rohit Kumar (C0895100)</a:t>
-            </a:r>
-          </a:p>
-          <a:p>
-            <a:r>
-              <a:rPr lang="en-CA" sz="2200" dirty="0">
-                <a:solidFill>
-                  <a:schemeClr val="tx1"/>
-                </a:solidFill>
-              </a:rPr>
-              <a:t>Eduardo Williams Cascante (C0896405)</a:t>
-            </a:r>
-          </a:p>
-        </p:txBody>
-      </p:sp>
-    </p:spTree>
-    <p:extLst>
-      <p:ext uri="{BB962C8B-B14F-4D97-AF65-F5344CB8AC3E}">
-        <p14:creationId xmlns:p14="http://schemas.microsoft.com/office/powerpoint/2010/main" val="4004804960"/>
-      </p:ext>
-    </p:extLst>
-  </p:cSld>
-  <p:clrMapOvr>
-    <a:masterClrMapping/>
-  </p:clrMapOvr>
-</p:sld>
-</file>
-
-<file path=ppt/slides/slide20.xml><?xml version="1.0" encoding="utf-8"?>
+<file path=ppt/slides/slide19.xml><?xml version="1.0" encoding="utf-8"?>
 <p:sld xmlns:a="http://schemas.openxmlformats.org/drawingml/2006/main" xmlns:r="http://schemas.openxmlformats.org/officeDocument/2006/relationships" xmlns:p="http://schemas.openxmlformats.org/presentationml/2006/main">
   <p:cSld>
     <p:bg>
@@ -9735,6 +9867,256 @@
     <p:extLst>
       <p:ext uri="{BB962C8B-B14F-4D97-AF65-F5344CB8AC3E}">
         <p14:creationId xmlns:p14="http://schemas.microsoft.com/office/powerpoint/2010/main" val="3501347425"/>
+      </p:ext>
+    </p:extLst>
+  </p:cSld>
+  <p:clrMapOvr>
+    <a:masterClrMapping/>
+  </p:clrMapOvr>
+</p:sld>
+</file>
+
+<file path=ppt/slides/slide2.xml><?xml version="1.0" encoding="utf-8"?>
+<p:sld xmlns:a="http://schemas.openxmlformats.org/drawingml/2006/main" xmlns:r="http://schemas.openxmlformats.org/officeDocument/2006/relationships" xmlns:p="http://schemas.openxmlformats.org/presentationml/2006/main">
+  <p:cSld>
+    <p:spTree>
+      <p:nvGrpSpPr>
+        <p:cNvPr id="1" name=""/>
+        <p:cNvGrpSpPr/>
+        <p:nvPr/>
+      </p:nvGrpSpPr>
+      <p:grpSpPr>
+        <a:xfrm>
+          <a:off x="0" y="0"/>
+          <a:ext cx="0" cy="0"/>
+          <a:chOff x="0" y="0"/>
+          <a:chExt cx="0" cy="0"/>
+        </a:xfrm>
+      </p:grpSpPr>
+      <p:sp>
+        <p:nvSpPr>
+          <p:cNvPr id="2" name="Title 1">
+            <a:extLst>
+              <a:ext uri="{FF2B5EF4-FFF2-40B4-BE49-F238E27FC236}">
+                <a16:creationId xmlns:a16="http://schemas.microsoft.com/office/drawing/2014/main" id="{921633EB-7DCB-4DDC-80AF-C885A3EE1245}"/>
+              </a:ext>
+            </a:extLst>
+          </p:cNvPr>
+          <p:cNvSpPr>
+            <a:spLocks noGrp="1"/>
+          </p:cNvSpPr>
+          <p:nvPr>
+            <p:ph type="title"/>
+          </p:nvPr>
+        </p:nvSpPr>
+        <p:spPr/>
+        <p:txBody>
+          <a:bodyPr>
+            <a:normAutofit/>
+          </a:bodyPr>
+          <a:lstStyle/>
+          <a:p>
+            <a:r>
+              <a:rPr lang="en-US" sz="3600" b="1" dirty="0"/>
+              <a:t>GROUP H</a:t>
+            </a:r>
+          </a:p>
+        </p:txBody>
+      </p:sp>
+      <p:pic>
+        <p:nvPicPr>
+          <p:cNvPr id="11" name="Content Placeholder 4" descr="Charts">
+            <a:extLst>
+              <a:ext uri="{FF2B5EF4-FFF2-40B4-BE49-F238E27FC236}">
+                <a16:creationId xmlns:a16="http://schemas.microsoft.com/office/drawing/2014/main" id="{47D9BE16-119C-43B2-9AE6-18C4A150C0EF}"/>
+              </a:ext>
+            </a:extLst>
+          </p:cNvPr>
+          <p:cNvPicPr>
+            <a:picLocks noGrp="1" noChangeAspect="1"/>
+          </p:cNvPicPr>
+          <p:nvPr>
+            <p:ph sz="half" idx="1"/>
+          </p:nvPr>
+        </p:nvPicPr>
+        <p:blipFill rotWithShape="1">
+          <a:blip r:embed="rId2" cstate="screen">
+            <a:extLst>
+              <a:ext uri="{28A0092B-C50C-407E-A947-70E740481C1C}">
+                <a14:useLocalDpi xmlns:a14="http://schemas.microsoft.com/office/drawing/2010/main"/>
+              </a:ext>
+            </a:extLst>
+          </a:blip>
+          <a:stretch/>
+        </p:blipFill>
+        <p:spPr>
+          <a:xfrm>
+            <a:off x="581025" y="2231480"/>
+            <a:ext cx="5422900" cy="3625353"/>
+          </a:xfrm>
+        </p:spPr>
+      </p:pic>
+      <p:sp>
+        <p:nvSpPr>
+          <p:cNvPr id="4" name="Content Placeholder 3">
+            <a:extLst>
+              <a:ext uri="{FF2B5EF4-FFF2-40B4-BE49-F238E27FC236}">
+                <a16:creationId xmlns:a16="http://schemas.microsoft.com/office/drawing/2014/main" id="{383FDC91-3016-DC16-8B4F-2538583C2D41}"/>
+              </a:ext>
+            </a:extLst>
+          </p:cNvPr>
+          <p:cNvSpPr>
+            <a:spLocks noGrp="1"/>
+          </p:cNvSpPr>
+          <p:nvPr>
+            <p:ph sz="half" idx="2"/>
+          </p:nvPr>
+        </p:nvSpPr>
+        <p:spPr/>
+        <p:txBody>
+          <a:bodyPr>
+            <a:normAutofit/>
+          </a:bodyPr>
+          <a:lstStyle/>
+          <a:p>
+            <a:r>
+              <a:rPr lang="en-CA" sz="2200" dirty="0">
+                <a:solidFill>
+                  <a:schemeClr val="tx1"/>
+                </a:solidFill>
+              </a:rPr>
+              <a:t>Marzieh Mohammadi </a:t>
+            </a:r>
+            <a:r>
+              <a:rPr lang="en-CA" sz="2200" dirty="0" err="1">
+                <a:solidFill>
+                  <a:schemeClr val="tx1"/>
+                </a:solidFill>
+              </a:rPr>
+              <a:t>Kokaneh</a:t>
+            </a:r>
+            <a:r>
+              <a:rPr lang="en-CA" sz="2200" dirty="0">
+                <a:solidFill>
+                  <a:schemeClr val="tx1"/>
+                </a:solidFill>
+              </a:rPr>
+              <a:t> (C089839)</a:t>
+            </a:r>
+          </a:p>
+          <a:p>
+            <a:r>
+              <a:rPr lang="en-CA" sz="2200" dirty="0">
+                <a:solidFill>
+                  <a:schemeClr val="tx1"/>
+                </a:solidFill>
+              </a:rPr>
+              <a:t>Saurabh </a:t>
+            </a:r>
+            <a:r>
+              <a:rPr lang="en-CA" sz="2200" dirty="0" err="1">
+                <a:solidFill>
+                  <a:schemeClr val="tx1"/>
+                </a:solidFill>
+              </a:rPr>
+              <a:t>Laltaprasad</a:t>
+            </a:r>
+            <a:r>
+              <a:rPr lang="en-CA" sz="2200" dirty="0">
+                <a:solidFill>
+                  <a:schemeClr val="tx1"/>
+                </a:solidFill>
+              </a:rPr>
+              <a:t> </a:t>
+            </a:r>
+            <a:r>
+              <a:rPr lang="en-CA" sz="2200" dirty="0" err="1">
+                <a:solidFill>
+                  <a:schemeClr val="tx1"/>
+                </a:solidFill>
+              </a:rPr>
+              <a:t>Gangwar</a:t>
+            </a:r>
+            <a:r>
+              <a:rPr lang="en-CA" sz="2200" dirty="0">
+                <a:solidFill>
+                  <a:schemeClr val="tx1"/>
+                </a:solidFill>
+              </a:rPr>
+              <a:t> (C0894380)</a:t>
+            </a:r>
+          </a:p>
+          <a:p>
+            <a:r>
+              <a:rPr lang="en-CA" sz="2200" dirty="0">
+                <a:solidFill>
+                  <a:schemeClr val="tx1"/>
+                </a:solidFill>
+              </a:rPr>
+              <a:t>Brayan Leonardo Gil Guevara (C0902422)</a:t>
+            </a:r>
+          </a:p>
+          <a:p>
+            <a:r>
+              <a:rPr lang="en-CA" sz="2200" dirty="0">
+                <a:solidFill>
+                  <a:schemeClr val="tx1"/>
+                </a:solidFill>
+              </a:rPr>
+              <a:t>Rohit Kumar (C0895100)</a:t>
+            </a:r>
+          </a:p>
+          <a:p>
+            <a:r>
+              <a:rPr lang="en-CA" sz="2200" dirty="0">
+                <a:solidFill>
+                  <a:schemeClr val="tx1"/>
+                </a:solidFill>
+              </a:rPr>
+              <a:t>Eduardo Williams Cascante (C0896405)</a:t>
+            </a:r>
+          </a:p>
+        </p:txBody>
+      </p:sp>
+      <p:sp>
+        <p:nvSpPr>
+          <p:cNvPr id="3" name="TextBox 2">
+            <a:extLst>
+              <a:ext uri="{FF2B5EF4-FFF2-40B4-BE49-F238E27FC236}">
+                <a16:creationId xmlns:a16="http://schemas.microsoft.com/office/drawing/2014/main" id="{D458737C-1BCF-3D89-59C6-2EA22D487014}"/>
+              </a:ext>
+            </a:extLst>
+          </p:cNvPr>
+          <p:cNvSpPr txBox="1"/>
+          <p:nvPr/>
+        </p:nvSpPr>
+        <p:spPr>
+          <a:xfrm>
+            <a:off x="4690871" y="5983705"/>
+            <a:ext cx="1313053" cy="246221"/>
+          </a:xfrm>
+          <a:prstGeom prst="rect">
+            <a:avLst/>
+          </a:prstGeom>
+          <a:noFill/>
+        </p:spPr>
+        <p:txBody>
+          <a:bodyPr wrap="square" rtlCol="0">
+            <a:spAutoFit/>
+          </a:bodyPr>
+          <a:lstStyle/>
+          <a:p>
+            <a:r>
+              <a:rPr lang="en-CA" sz="1000" dirty="0"/>
+              <a:t>(VentureBeat, 2024)</a:t>
+            </a:r>
+          </a:p>
+        </p:txBody>
+      </p:sp>
+    </p:spTree>
+    <p:extLst>
+      <p:ext uri="{BB962C8B-B14F-4D97-AF65-F5344CB8AC3E}">
+        <p14:creationId xmlns:p14="http://schemas.microsoft.com/office/powerpoint/2010/main" val="4004804960"/>
       </p:ext>
     </p:extLst>
   </p:cSld>
@@ -10208,6 +10590,50 @@
           </a:p>
         </p:txBody>
       </p:sp>
+      <p:sp>
+        <p:nvSpPr>
+          <p:cNvPr id="2" name="TextBox 1">
+            <a:extLst>
+              <a:ext uri="{FF2B5EF4-FFF2-40B4-BE49-F238E27FC236}">
+                <a16:creationId xmlns:a16="http://schemas.microsoft.com/office/drawing/2014/main" id="{75FD949A-9868-A0F2-F393-B830A8698FD3}"/>
+              </a:ext>
+            </a:extLst>
+          </p:cNvPr>
+          <p:cNvSpPr txBox="1"/>
+          <p:nvPr/>
+        </p:nvSpPr>
+        <p:spPr>
+          <a:xfrm>
+            <a:off x="10762488" y="6400800"/>
+            <a:ext cx="1429511" cy="246221"/>
+          </a:xfrm>
+          <a:prstGeom prst="rect">
+            <a:avLst/>
+          </a:prstGeom>
+          <a:noFill/>
+        </p:spPr>
+        <p:txBody>
+          <a:bodyPr wrap="square" rtlCol="0">
+            <a:spAutoFit/>
+          </a:bodyPr>
+          <a:lstStyle/>
+          <a:p>
+            <a:r>
+              <a:rPr lang="en-US" sz="1000" dirty="0">
+                <a:solidFill>
+                  <a:schemeClr val="bg1"/>
+                </a:solidFill>
+              </a:rPr>
+              <a:t>(Carson Group, 2023)</a:t>
+            </a:r>
+            <a:endParaRPr lang="en-CA" sz="1000" dirty="0">
+              <a:solidFill>
+                <a:schemeClr val="bg1"/>
+              </a:solidFill>
+            </a:endParaRPr>
+          </a:p>
+        </p:txBody>
+      </p:sp>
     </p:spTree>
     <p:extLst>
       <p:ext uri="{BB962C8B-B14F-4D97-AF65-F5344CB8AC3E}">
@@ -10224,14 +10650,6 @@
 <file path=ppt/slides/slide4.xml><?xml version="1.0" encoding="utf-8"?>
 <p:sld xmlns:a="http://schemas.openxmlformats.org/drawingml/2006/main" xmlns:r="http://schemas.openxmlformats.org/officeDocument/2006/relationships" xmlns:p="http://schemas.openxmlformats.org/presentationml/2006/main">
   <p:cSld>
-    <p:bg>
-      <p:bgPr>
-        <a:solidFill>
-          <a:schemeClr val="bg1"/>
-        </a:solidFill>
-        <a:effectLst/>
-      </p:bgPr>
-    </p:bg>
     <p:spTree>
       <p:nvGrpSpPr>
         <p:cNvPr id="1" name=""/>
@@ -10262,19 +10680,20 @@
             <p:ph type="title"/>
           </p:nvPr>
         </p:nvSpPr>
-        <p:spPr/>
-        <p:txBody>
-          <a:bodyPr>
+        <p:spPr>
+          <a:xfrm>
+            <a:off x="581193" y="729658"/>
+            <a:ext cx="11029616" cy="988332"/>
+          </a:xfrm>
+        </p:spPr>
+        <p:txBody>
+          <a:bodyPr anchor="b">
             <a:normAutofit/>
           </a:bodyPr>
           <a:lstStyle/>
           <a:p>
             <a:r>
-              <a:rPr lang="en-US" dirty="0">
-                <a:solidFill>
-                  <a:srgbClr val="FFFEFF"/>
-                </a:solidFill>
-              </a:rPr>
+              <a:rPr lang="en-US"/>
               <a:t>introduction</a:t>
             </a:r>
           </a:p>
@@ -10293,133 +10712,200 @@
             <a:spLocks noGrp="1"/>
           </p:cNvSpPr>
           <p:nvPr>
-            <p:ph idx="1"/>
+            <p:ph sz="half" idx="1"/>
           </p:nvPr>
         </p:nvSpPr>
         <p:spPr>
           <a:xfrm>
-            <a:off x="581192" y="2180496"/>
-            <a:ext cx="11029615" cy="4393024"/>
+            <a:off x="581193" y="2228003"/>
+            <a:ext cx="5422390" cy="3633047"/>
           </a:xfrm>
         </p:spPr>
         <p:txBody>
-          <a:bodyPr>
-            <a:normAutofit fontScale="55000" lnSpcReduction="20000"/>
+          <a:bodyPr anchor="ctr">
+            <a:noAutofit/>
           </a:bodyPr>
           <a:lstStyle/>
           <a:p>
-            <a:endParaRPr lang="en-US" sz="2600" dirty="0">
-              <a:latin typeface="Gill Sans MT (Body)"/>
-            </a:endParaRPr>
-          </a:p>
-          <a:p>
-            <a:pPr algn="just"/>
-            <a:r>
-              <a:rPr lang="en-US" sz="3600" dirty="0">
-                <a:latin typeface="Gill Sans MT (Body)"/>
-              </a:rPr>
+            <a:pPr>
+              <a:lnSpc>
+                <a:spcPct val="90000"/>
+              </a:lnSpc>
+            </a:pPr>
+            <a:r>
+              <a:rPr lang="en-US" sz="1600" dirty="0"/>
               <a:t>This project explores the use of deep learning techniques for facial recognition, useful for understanding how Convolutional Neural Networks works</a:t>
             </a:r>
           </a:p>
           <a:p>
-            <a:pPr algn="just"/>
-            <a:endParaRPr lang="en-US" sz="3400" dirty="0">
-              <a:latin typeface="Gill Sans MT (Body)"/>
-            </a:endParaRPr>
-          </a:p>
-          <a:p>
-            <a:pPr algn="just"/>
-            <a:r>
-              <a:rPr lang="en-US" sz="3600" dirty="0">
-                <a:latin typeface="Gill Sans MT (Body)"/>
-              </a:rPr>
+            <a:pPr>
+              <a:lnSpc>
+                <a:spcPct val="90000"/>
+              </a:lnSpc>
+            </a:pPr>
+            <a:endParaRPr lang="en-US" sz="200" dirty="0"/>
+          </a:p>
+          <a:p>
+            <a:pPr>
+              <a:lnSpc>
+                <a:spcPct val="90000"/>
+              </a:lnSpc>
+            </a:pPr>
+            <a:r>
+              <a:rPr lang="en-US" sz="1600" dirty="0"/>
               <a:t>This project can be applied in several fields such as: </a:t>
             </a:r>
           </a:p>
           <a:p>
-            <a:pPr lvl="1" algn="just">
+            <a:pPr lvl="1">
+              <a:lnSpc>
+                <a:spcPct val="90000"/>
+              </a:lnSpc>
               <a:buFont typeface="Wingdings" panose="05000000000000000000" pitchFamily="2" charset="2"/>
               <a:buChar char="Ø"/>
             </a:pPr>
             <a:r>
-              <a:rPr lang="en-US" sz="3600" dirty="0">
-                <a:latin typeface="Gill Sans MT (Body)"/>
-              </a:rPr>
+              <a:rPr lang="en-US" dirty="0"/>
               <a:t>Biometric control and access</a:t>
             </a:r>
           </a:p>
           <a:p>
-            <a:pPr lvl="1" algn="just">
+            <a:pPr lvl="1">
+              <a:lnSpc>
+                <a:spcPct val="90000"/>
+              </a:lnSpc>
               <a:buFont typeface="Wingdings" panose="05000000000000000000" pitchFamily="2" charset="2"/>
               <a:buChar char="Ø"/>
             </a:pPr>
             <a:r>
-              <a:rPr lang="en-US" sz="3600" dirty="0">
-                <a:latin typeface="Gill Sans MT (Body)"/>
-              </a:rPr>
+              <a:rPr lang="en-US" dirty="0"/>
               <a:t>Video surveillance solutions</a:t>
             </a:r>
           </a:p>
           <a:p>
-            <a:pPr lvl="1" algn="just">
+            <a:pPr lvl="1">
+              <a:lnSpc>
+                <a:spcPct val="90000"/>
+              </a:lnSpc>
               <a:buFont typeface="Wingdings" panose="05000000000000000000" pitchFamily="2" charset="2"/>
               <a:buChar char="Ø"/>
             </a:pPr>
             <a:r>
-              <a:rPr lang="en-US" sz="3600" dirty="0">
-                <a:latin typeface="Gill Sans MT (Body)"/>
-              </a:rPr>
+              <a:rPr lang="en-US" dirty="0"/>
               <a:t>Lost people searching, and so on</a:t>
             </a:r>
-            <a:endParaRPr lang="en-CA" sz="3600" dirty="0">
-              <a:latin typeface="Gill Sans MT (Body)"/>
-              <a:ea typeface="Aptos" panose="020B0004020202020204" pitchFamily="34" charset="0"/>
+          </a:p>
+          <a:p>
+            <a:pPr lvl="1">
+              <a:lnSpc>
+                <a:spcPct val="90000"/>
+              </a:lnSpc>
+              <a:buFont typeface="Wingdings" panose="05000000000000000000" pitchFamily="2" charset="2"/>
+              <a:buChar char="Ø"/>
+            </a:pPr>
+            <a:endParaRPr lang="en-CA" sz="200" dirty="0">
+              <a:effectLst/>
             </a:endParaRPr>
           </a:p>
           <a:p>
-            <a:pPr algn="just"/>
-            <a:endParaRPr lang="en-CA" sz="3400" dirty="0">
+            <a:pPr>
+              <a:lnSpc>
+                <a:spcPct val="90000"/>
+              </a:lnSpc>
+            </a:pPr>
+            <a:r>
+              <a:rPr lang="en-CA" sz="1600" dirty="0">
+                <a:effectLst/>
+              </a:rPr>
+              <a:t>The original idea comes from creating a local dataset having different photos of our team’s members and training the model to detect the identity of each person. However</a:t>
+            </a:r>
+            <a:r>
+              <a:rPr lang="en-CA" sz="1600" dirty="0"/>
+              <a:t>, due some resources limitations (time, processing capacity, etc.) we reduced the scope to just two group’s members.</a:t>
+            </a:r>
+            <a:endParaRPr lang="en-CA" sz="1600" dirty="0">
               <a:effectLst/>
-              <a:latin typeface="Gill Sans MT (Body)"/>
-              <a:ea typeface="Aptos" panose="020B0004020202020204" pitchFamily="34" charset="0"/>
             </a:endParaRPr>
           </a:p>
-          <a:p>
-            <a:pPr algn="just"/>
-            <a:r>
-              <a:rPr lang="en-CA" sz="3600" dirty="0">
-                <a:effectLst/>
-                <a:latin typeface="Gill Sans MT (Body)"/>
-                <a:ea typeface="Aptos" panose="020B0004020202020204" pitchFamily="34" charset="0"/>
-              </a:rPr>
-              <a:t>The original idea comes from creating a local dataset having different photos of our team’s members and training the model to detect the identity of each person. However</a:t>
-            </a:r>
-            <a:r>
-              <a:rPr lang="en-CA" sz="3600" dirty="0">
-                <a:latin typeface="Gill Sans MT (Body)"/>
-                <a:ea typeface="Aptos" panose="020B0004020202020204" pitchFamily="34" charset="0"/>
-              </a:rPr>
-              <a:t>, due some resources limitations (time, processing capacity, etc.) we reduced the scope to just two group’s members.</a:t>
-            </a:r>
-          </a:p>
-          <a:p>
-            <a:pPr marL="0" indent="0">
-              <a:buNone/>
-            </a:pPr>
-            <a:endParaRPr lang="en-CA" dirty="0">
-              <a:effectLst/>
-              <a:latin typeface="Gill Sans MT (Body)"/>
-              <a:ea typeface="Aptos" panose="020B0004020202020204" pitchFamily="34" charset="0"/>
-            </a:endParaRPr>
-          </a:p>
-          <a:p>
-            <a:pPr marL="0" indent="0">
-              <a:buNone/>
-            </a:pPr>
-            <a:endParaRPr lang="en-CA" dirty="0">
-              <a:latin typeface="Arial" panose="020B0604020202020204" pitchFamily="34" charset="0"/>
-              <a:ea typeface="Aptos" panose="020B0004020202020204" pitchFamily="34" charset="0"/>
-            </a:endParaRPr>
+        </p:txBody>
+      </p:sp>
+      <p:pic>
+        <p:nvPicPr>
+          <p:cNvPr id="1026" name="Picture 2" descr="Biometric Access Control Systems: Your Complete Guide">
+            <a:extLst>
+              <a:ext uri="{FF2B5EF4-FFF2-40B4-BE49-F238E27FC236}">
+                <a16:creationId xmlns:a16="http://schemas.microsoft.com/office/drawing/2014/main" id="{F6056E5E-9046-B895-E377-036D183F289A}"/>
+              </a:ext>
+            </a:extLst>
+          </p:cNvPr>
+          <p:cNvPicPr>
+            <a:picLocks noChangeAspect="1" noChangeArrowheads="1"/>
+          </p:cNvPicPr>
+          <p:nvPr/>
+        </p:nvPicPr>
+        <p:blipFill>
+          <a:blip r:embed="rId3">
+            <a:extLst>
+              <a:ext uri="{28A0092B-C50C-407E-A947-70E740481C1C}">
+                <a14:useLocalDpi xmlns:a14="http://schemas.microsoft.com/office/drawing/2010/main" val="0"/>
+              </a:ext>
+            </a:extLst>
+          </a:blip>
+          <a:srcRect l="374" r="1" b="1"/>
+          <a:stretch/>
+        </p:blipFill>
+        <p:spPr bwMode="auto">
+          <a:xfrm>
+            <a:off x="6188417" y="2228003"/>
+            <a:ext cx="5422392" cy="3633047"/>
+          </a:xfrm>
+          <a:prstGeom prst="rect">
+            <a:avLst/>
+          </a:prstGeom>
+          <a:noFill/>
+          <a:extLst>
+            <a:ext uri="{909E8E84-426E-40DD-AFC4-6F175D3DCCD1}">
+              <a14:hiddenFill xmlns:a14="http://schemas.microsoft.com/office/drawing/2010/main">
+                <a:solidFill>
+                  <a:srgbClr val="FFFFFF"/>
+                </a:solidFill>
+              </a14:hiddenFill>
+            </a:ext>
+          </a:extLst>
+        </p:spPr>
+      </p:pic>
+      <p:sp>
+        <p:nvSpPr>
+          <p:cNvPr id="3" name="TextBox 2">
+            <a:extLst>
+              <a:ext uri="{FF2B5EF4-FFF2-40B4-BE49-F238E27FC236}">
+                <a16:creationId xmlns:a16="http://schemas.microsoft.com/office/drawing/2014/main" id="{16D7C798-12D7-6AF4-40AE-DC18F5DDD7BA}"/>
+              </a:ext>
+            </a:extLst>
+          </p:cNvPr>
+          <p:cNvSpPr txBox="1"/>
+          <p:nvPr/>
+        </p:nvSpPr>
+        <p:spPr>
+          <a:xfrm>
+            <a:off x="10661904" y="5861050"/>
+            <a:ext cx="948903" cy="261610"/>
+          </a:xfrm>
+          <a:prstGeom prst="rect">
+            <a:avLst/>
+          </a:prstGeom>
+          <a:noFill/>
+        </p:spPr>
+        <p:txBody>
+          <a:bodyPr wrap="square" rtlCol="0">
+            <a:spAutoFit/>
+          </a:bodyPr>
+          <a:lstStyle/>
+          <a:p>
+            <a:r>
+              <a:rPr lang="en-CA" sz="1100" dirty="0"/>
+              <a:t>(Cline, 2024)</a:t>
+            </a:r>
           </a:p>
         </p:txBody>
       </p:sp>
@@ -10490,7 +10976,7 @@
                   <a:srgbClr val="FFFEFF"/>
                 </a:solidFill>
               </a:rPr>
-              <a:t>introduction</a:t>
+              <a:t>Data Collection and Preparation</a:t>
             </a:r>
           </a:p>
         </p:txBody>
@@ -10511,7 +10997,12 @@
             <p:ph idx="1"/>
           </p:nvPr>
         </p:nvSpPr>
-        <p:spPr/>
+        <p:spPr>
+          <a:xfrm>
+            <a:off x="581192" y="2180496"/>
+            <a:ext cx="11029615" cy="4128864"/>
+          </a:xfrm>
+        </p:spPr>
         <p:txBody>
           <a:bodyPr>
             <a:normAutofit/>
@@ -10519,121 +11010,113 @@
           <a:lstStyle/>
           <a:p>
             <a:r>
-              <a:rPr lang="en-CA" sz="2800" dirty="0">
-                <a:effectLst/>
+              <a:rPr lang="en-US" sz="2800" dirty="0">
                 <a:latin typeface="Gill Sans MT (Body)"/>
                 <a:ea typeface="Aptos" panose="020B0004020202020204" pitchFamily="34" charset="0"/>
               </a:rPr>
-              <a:t>Among the topics we will discuss about, we have:</a:t>
-            </a:r>
-          </a:p>
-          <a:p>
-            <a:endParaRPr lang="en-CA" sz="2200" dirty="0">
+              <a:t>Data collection</a:t>
+            </a:r>
+          </a:p>
+          <a:p>
+            <a:pPr lvl="1">
+              <a:buFont typeface="Wingdings" panose="05000000000000000000" pitchFamily="2" charset="2"/>
+              <a:buChar char="Ø"/>
+            </a:pPr>
+            <a:r>
+              <a:rPr lang="en-US" sz="2200" dirty="0">
+                <a:latin typeface="Gill Sans MT (Body)"/>
+                <a:ea typeface="Aptos" panose="020B0004020202020204" pitchFamily="34" charset="0"/>
+              </a:rPr>
+              <a:t>Each person took 150 pictures from its smartphone and fixed them to 480 x 480 pixels</a:t>
+            </a:r>
+          </a:p>
+          <a:p>
+            <a:pPr marL="324000" lvl="1" indent="0">
+              <a:buNone/>
+            </a:pPr>
+            <a:endParaRPr lang="en-US" sz="2400" dirty="0">
+              <a:latin typeface="Gill Sans MT (Body)"/>
+              <a:ea typeface="Aptos" panose="020B0004020202020204" pitchFamily="34" charset="0"/>
+            </a:endParaRPr>
+          </a:p>
+          <a:p>
+            <a:r>
+              <a:rPr lang="en-US" sz="2800" dirty="0">
+                <a:latin typeface="Gill Sans MT (Body)"/>
+                <a:ea typeface="Aptos" panose="020B0004020202020204" pitchFamily="34" charset="0"/>
+              </a:rPr>
+              <a:t>Data splitting</a:t>
+            </a:r>
+          </a:p>
+          <a:p>
+            <a:pPr lvl="1">
+              <a:buFont typeface="Wingdings" panose="05000000000000000000" pitchFamily="2" charset="2"/>
+              <a:buChar char="Ø"/>
+            </a:pPr>
+            <a:r>
+              <a:rPr lang="en-US" sz="2200" dirty="0">
+                <a:latin typeface="Gill Sans MT (Body)"/>
+                <a:ea typeface="Aptos" panose="020B0004020202020204" pitchFamily="34" charset="0"/>
+              </a:rPr>
+              <a:t>Training dataset </a:t>
+            </a:r>
+            <a:r>
+              <a:rPr lang="en-US" sz="2200" dirty="0">
+                <a:latin typeface="Gill Sans MT (Body)"/>
+                <a:ea typeface="Aptos" panose="020B0004020202020204" pitchFamily="34" charset="0"/>
+                <a:sym typeface="Wingdings" panose="05000000000000000000" pitchFamily="2" charset="2"/>
+              </a:rPr>
+              <a:t> 100 pictures</a:t>
+            </a:r>
+          </a:p>
+          <a:p>
+            <a:pPr lvl="1">
+              <a:buFont typeface="Wingdings" panose="05000000000000000000" pitchFamily="2" charset="2"/>
+              <a:buChar char="Ø"/>
+            </a:pPr>
+            <a:r>
+              <a:rPr lang="en-US" sz="2200" dirty="0">
+                <a:latin typeface="Gill Sans MT (Body)"/>
+                <a:ea typeface="Aptos" panose="020B0004020202020204" pitchFamily="34" charset="0"/>
+                <a:sym typeface="Wingdings" panose="05000000000000000000" pitchFamily="2" charset="2"/>
+              </a:rPr>
+              <a:t>Validation dataset  20 pictures</a:t>
+            </a:r>
+          </a:p>
+          <a:p>
+            <a:pPr lvl="1">
+              <a:buFont typeface="Wingdings" panose="05000000000000000000" pitchFamily="2" charset="2"/>
+              <a:buChar char="Ø"/>
+            </a:pPr>
+            <a:r>
+              <a:rPr lang="en-US" sz="2200" dirty="0">
+                <a:latin typeface="Gill Sans MT (Body)"/>
+                <a:ea typeface="Aptos" panose="020B0004020202020204" pitchFamily="34" charset="0"/>
+                <a:sym typeface="Wingdings" panose="05000000000000000000" pitchFamily="2" charset="2"/>
+              </a:rPr>
+              <a:t>Test dataset  30 pictures</a:t>
+            </a:r>
+            <a:endParaRPr lang="en-US" sz="2200" dirty="0">
+              <a:latin typeface="Gill Sans MT (Body)"/>
+              <a:ea typeface="Aptos" panose="020B0004020202020204" pitchFamily="34" charset="0"/>
+            </a:endParaRPr>
+          </a:p>
+          <a:p>
+            <a:pPr marL="324000" lvl="1" indent="0">
+              <a:buNone/>
+            </a:pPr>
+            <a:endParaRPr lang="en-CA" sz="2600" dirty="0">
               <a:effectLst/>
               <a:latin typeface="Gill Sans MT (Body)"/>
               <a:ea typeface="Aptos" panose="020B0004020202020204" pitchFamily="34" charset="0"/>
             </a:endParaRPr>
           </a:p>
-          <a:p>
-            <a:pPr lvl="1">
-              <a:buFont typeface="Wingdings" panose="05000000000000000000" pitchFamily="2" charset="2"/>
-              <a:buChar char="Ø"/>
-            </a:pPr>
-            <a:r>
-              <a:rPr lang="en-CA" sz="2200" dirty="0">
-                <a:latin typeface="Gill Sans MT (Body)"/>
-                <a:ea typeface="Aptos" panose="020B0004020202020204" pitchFamily="34" charset="0"/>
-              </a:rPr>
-              <a:t>Data collection and preparation</a:t>
-            </a:r>
-          </a:p>
-          <a:p>
-            <a:pPr lvl="1">
-              <a:buFont typeface="Wingdings" panose="05000000000000000000" pitchFamily="2" charset="2"/>
-              <a:buChar char="Ø"/>
-            </a:pPr>
-            <a:r>
-              <a:rPr lang="en-CA" sz="2200" dirty="0">
-                <a:effectLst/>
-                <a:latin typeface="Gill Sans MT (Body)"/>
-                <a:ea typeface="Aptos" panose="020B0004020202020204" pitchFamily="34" charset="0"/>
-              </a:rPr>
-              <a:t>CNN model implementation, by using </a:t>
-            </a:r>
-            <a:r>
-              <a:rPr lang="en-CA" sz="2200" dirty="0" err="1">
-                <a:effectLst/>
-                <a:latin typeface="Gill Sans MT (Body)"/>
-                <a:ea typeface="Aptos" panose="020B0004020202020204" pitchFamily="34" charset="0"/>
-              </a:rPr>
-              <a:t>Tensorflow</a:t>
-            </a:r>
-            <a:r>
-              <a:rPr lang="en-CA" sz="2200" dirty="0">
-                <a:effectLst/>
-                <a:latin typeface="Gill Sans MT (Body)"/>
-                <a:ea typeface="Aptos" panose="020B0004020202020204" pitchFamily="34" charset="0"/>
-              </a:rPr>
-              <a:t>, </a:t>
-            </a:r>
-            <a:r>
-              <a:rPr lang="en-CA" sz="2200" dirty="0" err="1">
-                <a:effectLst/>
-                <a:latin typeface="Gill Sans MT (Body)"/>
-                <a:ea typeface="Aptos" panose="020B0004020202020204" pitchFamily="34" charset="0"/>
-              </a:rPr>
-              <a:t>Keras</a:t>
-            </a:r>
-            <a:r>
-              <a:rPr lang="en-CA" sz="2200" dirty="0">
-                <a:latin typeface="Gill Sans MT (Body)"/>
-                <a:ea typeface="Aptos" panose="020B0004020202020204" pitchFamily="34" charset="0"/>
-              </a:rPr>
-              <a:t>, and VGG16 libraries</a:t>
-            </a:r>
-          </a:p>
-          <a:p>
-            <a:pPr lvl="1">
-              <a:buFont typeface="Wingdings" panose="05000000000000000000" pitchFamily="2" charset="2"/>
-              <a:buChar char="Ø"/>
-            </a:pPr>
-            <a:r>
-              <a:rPr lang="en-CA" sz="2200" dirty="0">
-                <a:latin typeface="Gill Sans MT (Body)"/>
-                <a:ea typeface="Aptos" panose="020B0004020202020204" pitchFamily="34" charset="0"/>
-              </a:rPr>
-              <a:t>Model training (including callbacks)</a:t>
-            </a:r>
-          </a:p>
-          <a:p>
-            <a:pPr lvl="1">
-              <a:buFont typeface="Wingdings" panose="05000000000000000000" pitchFamily="2" charset="2"/>
-              <a:buChar char="Ø"/>
-            </a:pPr>
-            <a:r>
-              <a:rPr lang="en-CA" sz="2200" dirty="0">
-                <a:latin typeface="Gill Sans MT (Body)"/>
-                <a:ea typeface="Aptos" panose="020B0004020202020204" pitchFamily="34" charset="0"/>
-              </a:rPr>
-              <a:t>Model evaluation: Losses, Accuracy and Intersection Over Union</a:t>
-            </a:r>
-          </a:p>
-          <a:p>
-            <a:pPr marL="324000" lvl="1" indent="0">
-              <a:buNone/>
-            </a:pPr>
-            <a:endParaRPr lang="en-CA" sz="2200" dirty="0">
-              <a:effectLst/>
-              <a:latin typeface="Gill Sans MT (Body)"/>
-              <a:ea typeface="Aptos" panose="020B0004020202020204" pitchFamily="34" charset="0"/>
-            </a:endParaRPr>
-          </a:p>
         </p:txBody>
       </p:sp>
     </p:spTree>
     <p:extLst>
       <p:ext uri="{BB962C8B-B14F-4D97-AF65-F5344CB8AC3E}">
-        <p14:creationId xmlns:p14="http://schemas.microsoft.com/office/powerpoint/2010/main" val="379898763"/>
+        <p14:creationId xmlns:p14="http://schemas.microsoft.com/office/powerpoint/2010/main" val="3786028401"/>
       </p:ext>
     </p:extLst>
   </p:cSld>
@@ -10644,6 +11127,201 @@
 </file>
 
 <file path=ppt/slides/slide6.xml><?xml version="1.0" encoding="utf-8"?>
+<p:sld xmlns:a="http://schemas.openxmlformats.org/drawingml/2006/main" xmlns:r="http://schemas.openxmlformats.org/officeDocument/2006/relationships" xmlns:p="http://schemas.openxmlformats.org/presentationml/2006/main">
+  <p:cSld>
+    <p:spTree>
+      <p:nvGrpSpPr>
+        <p:cNvPr id="1" name=""/>
+        <p:cNvGrpSpPr/>
+        <p:nvPr/>
+      </p:nvGrpSpPr>
+      <p:grpSpPr>
+        <a:xfrm>
+          <a:off x="0" y="0"/>
+          <a:ext cx="0" cy="0"/>
+          <a:chOff x="0" y="0"/>
+          <a:chExt cx="0" cy="0"/>
+        </a:xfrm>
+      </p:grpSpPr>
+      <p:sp>
+        <p:nvSpPr>
+          <p:cNvPr id="2" name="Title 1">
+            <a:extLst>
+              <a:ext uri="{FF2B5EF4-FFF2-40B4-BE49-F238E27FC236}">
+                <a16:creationId xmlns:a16="http://schemas.microsoft.com/office/drawing/2014/main" id="{921633EB-7DCB-4DDC-80AF-C885A3EE1245}"/>
+              </a:ext>
+            </a:extLst>
+          </p:cNvPr>
+          <p:cNvSpPr>
+            <a:spLocks noGrp="1"/>
+          </p:cNvSpPr>
+          <p:nvPr>
+            <p:ph type="title"/>
+          </p:nvPr>
+        </p:nvSpPr>
+        <p:spPr/>
+        <p:txBody>
+          <a:bodyPr/>
+          <a:lstStyle/>
+          <a:p>
+            <a:r>
+              <a:rPr lang="en-US" dirty="0">
+                <a:solidFill>
+                  <a:srgbClr val="FFFEFF"/>
+                </a:solidFill>
+              </a:rPr>
+              <a:t>Data Collection and Preparation</a:t>
+            </a:r>
+            <a:endParaRPr lang="en-US" dirty="0"/>
+          </a:p>
+        </p:txBody>
+      </p:sp>
+      <p:sp>
+        <p:nvSpPr>
+          <p:cNvPr id="4" name="Content Placeholder 3">
+            <a:extLst>
+              <a:ext uri="{FF2B5EF4-FFF2-40B4-BE49-F238E27FC236}">
+                <a16:creationId xmlns:a16="http://schemas.microsoft.com/office/drawing/2014/main" id="{F22E8961-045A-FA84-F0F2-3A07AB4CEBD0}"/>
+              </a:ext>
+            </a:extLst>
+          </p:cNvPr>
+          <p:cNvSpPr>
+            <a:spLocks noGrp="1"/>
+          </p:cNvSpPr>
+          <p:nvPr>
+            <p:ph sz="half" idx="2"/>
+          </p:nvPr>
+        </p:nvSpPr>
+        <p:spPr>
+          <a:xfrm>
+            <a:off x="6188417" y="2228003"/>
+            <a:ext cx="5422392" cy="4020397"/>
+          </a:xfrm>
+        </p:spPr>
+        <p:txBody>
+          <a:bodyPr>
+            <a:normAutofit fontScale="92500" lnSpcReduction="10000"/>
+          </a:bodyPr>
+          <a:lstStyle/>
+          <a:p>
+            <a:r>
+              <a:rPr lang="en-US" sz="3000" dirty="0">
+                <a:latin typeface="Gill Sans MT (Body)"/>
+                <a:ea typeface="Aptos" panose="020B0004020202020204" pitchFamily="34" charset="0"/>
+              </a:rPr>
+              <a:t>Data annotation</a:t>
+            </a:r>
+          </a:p>
+          <a:p>
+            <a:endParaRPr lang="en-CA" sz="2800" dirty="0">
+              <a:latin typeface="Gill Sans MT (Body)"/>
+              <a:ea typeface="Aptos" panose="020B0004020202020204" pitchFamily="34" charset="0"/>
+            </a:endParaRPr>
+          </a:p>
+          <a:p>
+            <a:pPr lvl="1" algn="just">
+              <a:buFont typeface="Wingdings" panose="05000000000000000000" pitchFamily="2" charset="2"/>
+              <a:buChar char="Ø"/>
+            </a:pPr>
+            <a:r>
+              <a:rPr lang="en-US" sz="2200" dirty="0">
+                <a:latin typeface="Gill Sans MT (Body)"/>
+                <a:ea typeface="Aptos" panose="020B0004020202020204" pitchFamily="34" charset="0"/>
+              </a:rPr>
+              <a:t>LabelMe is a free graphical annotation tool for image and video data</a:t>
+            </a:r>
+          </a:p>
+          <a:p>
+            <a:pPr lvl="1" algn="just">
+              <a:buFont typeface="Wingdings" panose="05000000000000000000" pitchFamily="2" charset="2"/>
+              <a:buChar char="Ø"/>
+            </a:pPr>
+            <a:endParaRPr lang="en-US" sz="2200" dirty="0">
+              <a:latin typeface="Gill Sans MT (Body)"/>
+              <a:ea typeface="Aptos" panose="020B0004020202020204" pitchFamily="34" charset="0"/>
+            </a:endParaRPr>
+          </a:p>
+          <a:p>
+            <a:pPr lvl="1" algn="just">
+              <a:buFont typeface="Wingdings" panose="05000000000000000000" pitchFamily="2" charset="2"/>
+              <a:buChar char="Ø"/>
+            </a:pPr>
+            <a:r>
+              <a:rPr lang="en-US" sz="2200" dirty="0">
+                <a:latin typeface="Gill Sans MT (Body)"/>
+                <a:ea typeface="Aptos" panose="020B0004020202020204" pitchFamily="34" charset="0"/>
+              </a:rPr>
+              <a:t>LabelMe allows to label different objects over the same picture</a:t>
+            </a:r>
+          </a:p>
+          <a:p>
+            <a:pPr lvl="1" algn="just">
+              <a:buFont typeface="Wingdings" panose="05000000000000000000" pitchFamily="2" charset="2"/>
+              <a:buChar char="Ø"/>
+            </a:pPr>
+            <a:endParaRPr lang="en-US" sz="2200" dirty="0">
+              <a:latin typeface="Gill Sans MT (Body)"/>
+              <a:ea typeface="Aptos" panose="020B0004020202020204" pitchFamily="34" charset="0"/>
+            </a:endParaRPr>
+          </a:p>
+          <a:p>
+            <a:pPr lvl="1" algn="just">
+              <a:buFont typeface="Wingdings" panose="05000000000000000000" pitchFamily="2" charset="2"/>
+              <a:buChar char="Ø"/>
+            </a:pPr>
+            <a:r>
+              <a:rPr lang="en-US" sz="2200" dirty="0">
+                <a:latin typeface="Gill Sans MT (Body)"/>
+                <a:ea typeface="Aptos" panose="020B0004020202020204" pitchFamily="34" charset="0"/>
+              </a:rPr>
+              <a:t>LabelMe saves labels and coordinates in a Json file (for each picture)</a:t>
+            </a:r>
+          </a:p>
+        </p:txBody>
+      </p:sp>
+      <p:pic>
+        <p:nvPicPr>
+          <p:cNvPr id="8" name="Content Placeholder 7">
+            <a:extLst>
+              <a:ext uri="{FF2B5EF4-FFF2-40B4-BE49-F238E27FC236}">
+                <a16:creationId xmlns:a16="http://schemas.microsoft.com/office/drawing/2014/main" id="{0C530351-5CAE-8B88-FE66-1AC146AEA24D}"/>
+              </a:ext>
+            </a:extLst>
+          </p:cNvPr>
+          <p:cNvPicPr>
+            <a:picLocks noGrp="1" noChangeAspect="1"/>
+          </p:cNvPicPr>
+          <p:nvPr>
+            <p:ph sz="half" idx="1"/>
+          </p:nvPr>
+        </p:nvPicPr>
+        <p:blipFill>
+          <a:blip r:embed="rId2"/>
+          <a:stretch>
+            <a:fillRect/>
+          </a:stretch>
+        </p:blipFill>
+        <p:spPr>
+          <a:xfrm>
+            <a:off x="783360" y="2034223"/>
+            <a:ext cx="5272596" cy="4427537"/>
+          </a:xfrm>
+        </p:spPr>
+      </p:pic>
+    </p:spTree>
+    <p:extLst>
+      <p:ext uri="{BB962C8B-B14F-4D97-AF65-F5344CB8AC3E}">
+        <p14:creationId xmlns:p14="http://schemas.microsoft.com/office/powerpoint/2010/main" val="2113785451"/>
+      </p:ext>
+    </p:extLst>
+  </p:cSld>
+  <p:clrMapOvr>
+    <a:masterClrMapping/>
+  </p:clrMapOvr>
+</p:sld>
+</file>
+
+<file path=ppt/slides/slide7.xml><?xml version="1.0" encoding="utf-8"?>
 <p:sld xmlns:a="http://schemas.openxmlformats.org/drawingml/2006/main" xmlns:r="http://schemas.openxmlformats.org/officeDocument/2006/relationships" xmlns:p="http://schemas.openxmlformats.org/presentationml/2006/main">
   <p:cSld>
     <p:bg>
@@ -10668,6 +11346,38 @@
           <a:chExt cx="0" cy="0"/>
         </a:xfrm>
       </p:grpSpPr>
+      <p:pic>
+        <p:nvPicPr>
+          <p:cNvPr id="4" name="Picture 3">
+            <a:extLst>
+              <a:ext uri="{FF2B5EF4-FFF2-40B4-BE49-F238E27FC236}">
+                <a16:creationId xmlns:a16="http://schemas.microsoft.com/office/drawing/2014/main" id="{14E67E97-461C-AE97-F6F7-1AE2532685FE}"/>
+              </a:ext>
+            </a:extLst>
+          </p:cNvPr>
+          <p:cNvPicPr>
+            <a:picLocks noChangeAspect="1"/>
+          </p:cNvPicPr>
+          <p:nvPr/>
+        </p:nvPicPr>
+        <p:blipFill>
+          <a:blip r:embed="rId3">
+            <a:grayscl/>
+          </a:blip>
+          <a:stretch>
+            <a:fillRect/>
+          </a:stretch>
+        </p:blipFill>
+        <p:spPr>
+          <a:xfrm>
+            <a:off x="5696712" y="3544125"/>
+            <a:ext cx="5914096" cy="2520025"/>
+          </a:xfrm>
+          <a:prstGeom prst="rect">
+            <a:avLst/>
+          </a:prstGeom>
+        </p:spPr>
+      </p:pic>
       <p:sp>
         <p:nvSpPr>
           <p:cNvPr id="2" name="Title 1">
@@ -10720,8 +11430,8 @@
         </p:nvSpPr>
         <p:spPr>
           <a:xfrm>
-            <a:off x="581192" y="2180496"/>
-            <a:ext cx="11029615" cy="4128864"/>
+            <a:off x="488716" y="1795301"/>
+            <a:ext cx="11214568" cy="1879917"/>
           </a:xfrm>
         </p:spPr>
         <p:txBody>
@@ -10735,209 +11445,8 @@
                 <a:latin typeface="Gill Sans MT (Body)"/>
                 <a:ea typeface="Aptos" panose="020B0004020202020204" pitchFamily="34" charset="0"/>
               </a:rPr>
-              <a:t>Data collection</a:t>
-            </a:r>
-          </a:p>
-          <a:p>
-            <a:pPr lvl="1">
-              <a:buFont typeface="Wingdings" panose="05000000000000000000" pitchFamily="2" charset="2"/>
-              <a:buChar char="Ø"/>
-            </a:pPr>
-            <a:r>
-              <a:rPr lang="en-US" sz="2200" dirty="0">
-                <a:latin typeface="Gill Sans MT (Body)"/>
-                <a:ea typeface="Aptos" panose="020B0004020202020204" pitchFamily="34" charset="0"/>
-              </a:rPr>
-              <a:t>Each person took 150 pictures from its smartphone and fixed them to 480 x 480 pixels</a:t>
-            </a:r>
-          </a:p>
-          <a:p>
-            <a:pPr marL="324000" lvl="1" indent="0">
-              <a:buNone/>
-            </a:pPr>
-            <a:endParaRPr lang="en-US" sz="2400" dirty="0">
-              <a:latin typeface="Gill Sans MT (Body)"/>
-              <a:ea typeface="Aptos" panose="020B0004020202020204" pitchFamily="34" charset="0"/>
-            </a:endParaRPr>
-          </a:p>
-          <a:p>
-            <a:r>
-              <a:rPr lang="en-US" sz="2800" dirty="0">
-                <a:latin typeface="Gill Sans MT (Body)"/>
-                <a:ea typeface="Aptos" panose="020B0004020202020204" pitchFamily="34" charset="0"/>
-              </a:rPr>
-              <a:t>Data splitting</a:t>
-            </a:r>
-          </a:p>
-          <a:p>
-            <a:pPr lvl="1">
-              <a:buFont typeface="Wingdings" panose="05000000000000000000" pitchFamily="2" charset="2"/>
-              <a:buChar char="Ø"/>
-            </a:pPr>
-            <a:r>
-              <a:rPr lang="en-US" sz="2200" dirty="0">
-                <a:latin typeface="Gill Sans MT (Body)"/>
-                <a:ea typeface="Aptos" panose="020B0004020202020204" pitchFamily="34" charset="0"/>
-              </a:rPr>
-              <a:t>Training dataset </a:t>
-            </a:r>
-            <a:r>
-              <a:rPr lang="en-US" sz="2200" dirty="0">
-                <a:latin typeface="Gill Sans MT (Body)"/>
-                <a:ea typeface="Aptos" panose="020B0004020202020204" pitchFamily="34" charset="0"/>
-                <a:sym typeface="Wingdings" panose="05000000000000000000" pitchFamily="2" charset="2"/>
-              </a:rPr>
-              <a:t> 100 pictures</a:t>
-            </a:r>
-          </a:p>
-          <a:p>
-            <a:pPr lvl="1">
-              <a:buFont typeface="Wingdings" panose="05000000000000000000" pitchFamily="2" charset="2"/>
-              <a:buChar char="Ø"/>
-            </a:pPr>
-            <a:r>
-              <a:rPr lang="en-US" sz="2200" dirty="0">
-                <a:latin typeface="Gill Sans MT (Body)"/>
-                <a:ea typeface="Aptos" panose="020B0004020202020204" pitchFamily="34" charset="0"/>
-                <a:sym typeface="Wingdings" panose="05000000000000000000" pitchFamily="2" charset="2"/>
-              </a:rPr>
-              <a:t>Validation dataset  20 pictures</a:t>
-            </a:r>
-          </a:p>
-          <a:p>
-            <a:pPr lvl="1">
-              <a:buFont typeface="Wingdings" panose="05000000000000000000" pitchFamily="2" charset="2"/>
-              <a:buChar char="Ø"/>
-            </a:pPr>
-            <a:r>
-              <a:rPr lang="en-US" sz="2200" dirty="0">
-                <a:latin typeface="Gill Sans MT (Body)"/>
-                <a:ea typeface="Aptos" panose="020B0004020202020204" pitchFamily="34" charset="0"/>
-                <a:sym typeface="Wingdings" panose="05000000000000000000" pitchFamily="2" charset="2"/>
-              </a:rPr>
-              <a:t>Test dataset  30 pictures</a:t>
-            </a:r>
-            <a:endParaRPr lang="en-US" sz="2200" dirty="0">
-              <a:latin typeface="Gill Sans MT (Body)"/>
-              <a:ea typeface="Aptos" panose="020B0004020202020204" pitchFamily="34" charset="0"/>
-            </a:endParaRPr>
-          </a:p>
-          <a:p>
-            <a:pPr marL="324000" lvl="1" indent="0">
-              <a:buNone/>
-            </a:pPr>
-            <a:endParaRPr lang="en-CA" sz="2600" dirty="0">
-              <a:effectLst/>
-              <a:latin typeface="Gill Sans MT (Body)"/>
-              <a:ea typeface="Aptos" panose="020B0004020202020204" pitchFamily="34" charset="0"/>
-            </a:endParaRPr>
-          </a:p>
-        </p:txBody>
-      </p:sp>
-    </p:spTree>
-    <p:extLst>
-      <p:ext uri="{BB962C8B-B14F-4D97-AF65-F5344CB8AC3E}">
-        <p14:creationId xmlns:p14="http://schemas.microsoft.com/office/powerpoint/2010/main" val="3786028401"/>
-      </p:ext>
-    </p:extLst>
-  </p:cSld>
-  <p:clrMapOvr>
-    <a:masterClrMapping/>
-  </p:clrMapOvr>
-</p:sld>
-</file>
-
-<file path=ppt/slides/slide7.xml><?xml version="1.0" encoding="utf-8"?>
-<p:sld xmlns:a="http://schemas.openxmlformats.org/drawingml/2006/main" xmlns:r="http://schemas.openxmlformats.org/officeDocument/2006/relationships" xmlns:p="http://schemas.openxmlformats.org/presentationml/2006/main">
-  <p:cSld>
-    <p:spTree>
-      <p:nvGrpSpPr>
-        <p:cNvPr id="1" name=""/>
-        <p:cNvGrpSpPr/>
-        <p:nvPr/>
-      </p:nvGrpSpPr>
-      <p:grpSpPr>
-        <a:xfrm>
-          <a:off x="0" y="0"/>
-          <a:ext cx="0" cy="0"/>
-          <a:chOff x="0" y="0"/>
-          <a:chExt cx="0" cy="0"/>
-        </a:xfrm>
-      </p:grpSpPr>
-      <p:sp>
-        <p:nvSpPr>
-          <p:cNvPr id="2" name="Title 1">
-            <a:extLst>
-              <a:ext uri="{FF2B5EF4-FFF2-40B4-BE49-F238E27FC236}">
-                <a16:creationId xmlns:a16="http://schemas.microsoft.com/office/drawing/2014/main" id="{921633EB-7DCB-4DDC-80AF-C885A3EE1245}"/>
-              </a:ext>
-            </a:extLst>
-          </p:cNvPr>
-          <p:cNvSpPr>
-            <a:spLocks noGrp="1"/>
-          </p:cNvSpPr>
-          <p:nvPr>
-            <p:ph type="title"/>
-          </p:nvPr>
-        </p:nvSpPr>
-        <p:spPr/>
-        <p:txBody>
-          <a:bodyPr/>
-          <a:lstStyle/>
-          <a:p>
-            <a:r>
-              <a:rPr lang="en-US" dirty="0">
-                <a:solidFill>
-                  <a:srgbClr val="FFFEFF"/>
-                </a:solidFill>
-              </a:rPr>
-              <a:t>Data Collection and Preparation</a:t>
-            </a:r>
-            <a:endParaRPr lang="en-US" dirty="0"/>
-          </a:p>
-        </p:txBody>
-      </p:sp>
-      <p:sp>
-        <p:nvSpPr>
-          <p:cNvPr id="4" name="Content Placeholder 3">
-            <a:extLst>
-              <a:ext uri="{FF2B5EF4-FFF2-40B4-BE49-F238E27FC236}">
-                <a16:creationId xmlns:a16="http://schemas.microsoft.com/office/drawing/2014/main" id="{F22E8961-045A-FA84-F0F2-3A07AB4CEBD0}"/>
-              </a:ext>
-            </a:extLst>
-          </p:cNvPr>
-          <p:cNvSpPr>
-            <a:spLocks noGrp="1"/>
-          </p:cNvSpPr>
-          <p:nvPr>
-            <p:ph sz="half" idx="2"/>
-          </p:nvPr>
-        </p:nvSpPr>
-        <p:spPr>
-          <a:xfrm>
-            <a:off x="6188417" y="2228003"/>
-            <a:ext cx="5422392" cy="4020397"/>
-          </a:xfrm>
-        </p:spPr>
-        <p:txBody>
-          <a:bodyPr>
-            <a:normAutofit fontScale="92500" lnSpcReduction="10000"/>
-          </a:bodyPr>
-          <a:lstStyle/>
-          <a:p>
-            <a:r>
-              <a:rPr lang="en-US" sz="3000" dirty="0">
-                <a:latin typeface="Gill Sans MT (Body)"/>
-                <a:ea typeface="Aptos" panose="020B0004020202020204" pitchFamily="34" charset="0"/>
-              </a:rPr>
-              <a:t>Data annotation</a:t>
-            </a:r>
-          </a:p>
-          <a:p>
-            <a:endParaRPr lang="en-CA" sz="2800" dirty="0">
-              <a:latin typeface="Gill Sans MT (Body)"/>
-              <a:ea typeface="Aptos" panose="020B0004020202020204" pitchFamily="34" charset="0"/>
-            </a:endParaRPr>
+              <a:t>Data augmentation</a:t>
+            </a:r>
           </a:p>
           <a:p>
             <a:pPr lvl="1" algn="just">
@@ -10949,7 +11458,7 @@
                 <a:latin typeface="Gill Sans MT (Body)"/>
                 <a:ea typeface="Aptos" panose="020B0004020202020204" pitchFamily="34" charset="0"/>
               </a:rPr>
-              <a:t>LabelMe is a free graphical annotation tool for image and video data</a:t>
+              <a:t>Since 150 pictures are not enough for this process, we had to multiply them</a:t>
             </a:r>
           </a:p>
           <a:p>
@@ -10957,82 +11466,320 @@
               <a:buFont typeface="Wingdings" panose="05000000000000000000" pitchFamily="2" charset="2"/>
               <a:buChar char="Ø"/>
             </a:pPr>
-            <a:endParaRPr lang="en-US" sz="2200" dirty="0">
-              <a:latin typeface="Gill Sans MT (Body)"/>
-              <a:ea typeface="Aptos" panose="020B0004020202020204" pitchFamily="34" charset="0"/>
-            </a:endParaRPr>
-          </a:p>
+            <a:r>
+              <a:rPr lang="en-US" sz="2200" dirty="0" err="1">
+                <a:latin typeface="Gill Sans MT (Body)"/>
+                <a:ea typeface="Aptos" panose="020B0004020202020204" pitchFamily="34" charset="0"/>
+              </a:rPr>
+              <a:t>Albumentations</a:t>
+            </a:r>
+            <a:r>
+              <a:rPr lang="en-US" sz="2200" dirty="0">
+                <a:latin typeface="Gill Sans MT (Body)"/>
+                <a:ea typeface="Aptos" panose="020B0004020202020204" pitchFamily="34" charset="0"/>
+              </a:rPr>
+              <a:t> is a fast and flexible  image augmentation library</a:t>
+            </a:r>
+          </a:p>
+        </p:txBody>
+      </p:sp>
+      <p:sp>
+        <p:nvSpPr>
+          <p:cNvPr id="7" name="Content Placeholder 5">
+            <a:extLst>
+              <a:ext uri="{FF2B5EF4-FFF2-40B4-BE49-F238E27FC236}">
+                <a16:creationId xmlns:a16="http://schemas.microsoft.com/office/drawing/2014/main" id="{7E4F9BE7-117F-9CC3-E982-493AA0D2D2B0}"/>
+              </a:ext>
+            </a:extLst>
+          </p:cNvPr>
+          <p:cNvSpPr txBox="1">
+            <a:spLocks/>
+          </p:cNvSpPr>
+          <p:nvPr/>
+        </p:nvSpPr>
+        <p:spPr>
+          <a:xfrm>
+            <a:off x="488716" y="3544125"/>
+            <a:ext cx="4951502" cy="2282534"/>
+          </a:xfrm>
+          <a:prstGeom prst="rect">
+            <a:avLst/>
+          </a:prstGeom>
+        </p:spPr>
+        <p:txBody>
+          <a:bodyPr vert="horz" lIns="91440" tIns="45720" rIns="91440" bIns="45720" rtlCol="0" anchor="ctr">
+            <a:normAutofit lnSpcReduction="10000"/>
+          </a:bodyPr>
+          <a:lstStyle>
+            <a:lvl1pPr marL="306000" indent="-306000" algn="l" defTabSz="457200" rtl="0" eaLnBrk="1" latinLnBrk="0" hangingPunct="1">
+              <a:spcBef>
+                <a:spcPct val="20000"/>
+              </a:spcBef>
+              <a:spcAft>
+                <a:spcPts val="600"/>
+              </a:spcAft>
+              <a:buClr>
+                <a:schemeClr val="accent2"/>
+              </a:buClr>
+              <a:buSzPct val="92000"/>
+              <a:buFont typeface="Wingdings 2" panose="05020102010507070707" pitchFamily="18" charset="2"/>
+              <a:buChar char=""/>
+              <a:defRPr sz="1800" kern="1200">
+                <a:solidFill>
+                  <a:schemeClr val="tx2"/>
+                </a:solidFill>
+                <a:latin typeface="+mn-lt"/>
+                <a:ea typeface="+mn-ea"/>
+                <a:cs typeface="+mn-cs"/>
+              </a:defRPr>
+            </a:lvl1pPr>
+            <a:lvl2pPr marL="630000" indent="-306000" algn="l" defTabSz="457200" rtl="0" eaLnBrk="1" latinLnBrk="0" hangingPunct="1">
+              <a:spcBef>
+                <a:spcPct val="20000"/>
+              </a:spcBef>
+              <a:spcAft>
+                <a:spcPts val="600"/>
+              </a:spcAft>
+              <a:buClr>
+                <a:schemeClr val="accent2"/>
+              </a:buClr>
+              <a:buSzPct val="92000"/>
+              <a:buFont typeface="Wingdings 2" panose="05020102010507070707" pitchFamily="18" charset="2"/>
+              <a:buChar char=""/>
+              <a:defRPr sz="1600" kern="1200">
+                <a:solidFill>
+                  <a:schemeClr val="tx2"/>
+                </a:solidFill>
+                <a:latin typeface="+mn-lt"/>
+                <a:ea typeface="+mn-ea"/>
+                <a:cs typeface="+mn-cs"/>
+              </a:defRPr>
+            </a:lvl2pPr>
+            <a:lvl3pPr marL="900000" indent="-270000" algn="l" defTabSz="457200" rtl="0" eaLnBrk="1" latinLnBrk="0" hangingPunct="1">
+              <a:spcBef>
+                <a:spcPct val="20000"/>
+              </a:spcBef>
+              <a:spcAft>
+                <a:spcPts val="600"/>
+              </a:spcAft>
+              <a:buClr>
+                <a:schemeClr val="accent2"/>
+              </a:buClr>
+              <a:buSzPct val="92000"/>
+              <a:buFont typeface="Wingdings 2" panose="05020102010507070707" pitchFamily="18" charset="2"/>
+              <a:buChar char=""/>
+              <a:defRPr sz="1400" kern="1200">
+                <a:solidFill>
+                  <a:schemeClr val="tx2"/>
+                </a:solidFill>
+                <a:latin typeface="+mn-lt"/>
+                <a:ea typeface="+mn-ea"/>
+                <a:cs typeface="+mn-cs"/>
+              </a:defRPr>
+            </a:lvl3pPr>
+            <a:lvl4pPr marL="1242000" indent="-234000" algn="l" defTabSz="457200" rtl="0" eaLnBrk="1" latinLnBrk="0" hangingPunct="1">
+              <a:spcBef>
+                <a:spcPct val="20000"/>
+              </a:spcBef>
+              <a:spcAft>
+                <a:spcPts val="600"/>
+              </a:spcAft>
+              <a:buClr>
+                <a:schemeClr val="accent2"/>
+              </a:buClr>
+              <a:buSzPct val="92000"/>
+              <a:buFont typeface="Wingdings 2" panose="05020102010507070707" pitchFamily="18" charset="2"/>
+              <a:buChar char=""/>
+              <a:defRPr sz="1200" kern="1200">
+                <a:solidFill>
+                  <a:schemeClr val="tx2"/>
+                </a:solidFill>
+                <a:latin typeface="+mn-lt"/>
+                <a:ea typeface="+mn-ea"/>
+                <a:cs typeface="+mn-cs"/>
+              </a:defRPr>
+            </a:lvl4pPr>
+            <a:lvl5pPr marL="1602000" indent="-234000" algn="l" defTabSz="457200" rtl="0" eaLnBrk="1" latinLnBrk="0" hangingPunct="1">
+              <a:spcBef>
+                <a:spcPct val="20000"/>
+              </a:spcBef>
+              <a:spcAft>
+                <a:spcPts val="600"/>
+              </a:spcAft>
+              <a:buClr>
+                <a:schemeClr val="accent2"/>
+              </a:buClr>
+              <a:buSzPct val="92000"/>
+              <a:buFont typeface="Wingdings 2" panose="05020102010507070707" pitchFamily="18" charset="2"/>
+              <a:buChar char=""/>
+              <a:defRPr sz="1200" kern="1200">
+                <a:solidFill>
+                  <a:schemeClr val="tx2"/>
+                </a:solidFill>
+                <a:latin typeface="+mn-lt"/>
+                <a:ea typeface="+mn-ea"/>
+                <a:cs typeface="+mn-cs"/>
+              </a:defRPr>
+            </a:lvl5pPr>
+            <a:lvl6pPr marL="1900000" indent="-228600" algn="l" defTabSz="457200" rtl="0" eaLnBrk="1" latinLnBrk="0" hangingPunct="1">
+              <a:spcBef>
+                <a:spcPct val="20000"/>
+              </a:spcBef>
+              <a:spcAft>
+                <a:spcPts val="600"/>
+              </a:spcAft>
+              <a:buClr>
+                <a:schemeClr val="accent2"/>
+              </a:buClr>
+              <a:buSzPct val="92000"/>
+              <a:buFont typeface="Wingdings 2" panose="05020102010507070707" pitchFamily="18" charset="2"/>
+              <a:buChar char=""/>
+              <a:defRPr sz="1200" kern="1200">
+                <a:solidFill>
+                  <a:schemeClr val="tx2"/>
+                </a:solidFill>
+                <a:latin typeface="+mn-lt"/>
+                <a:ea typeface="+mn-ea"/>
+                <a:cs typeface="+mn-cs"/>
+              </a:defRPr>
+            </a:lvl6pPr>
+            <a:lvl7pPr marL="2200000" indent="-228600" algn="l" defTabSz="457200" rtl="0" eaLnBrk="1" latinLnBrk="0" hangingPunct="1">
+              <a:spcBef>
+                <a:spcPct val="20000"/>
+              </a:spcBef>
+              <a:spcAft>
+                <a:spcPts val="600"/>
+              </a:spcAft>
+              <a:buClr>
+                <a:schemeClr val="accent2"/>
+              </a:buClr>
+              <a:buSzPct val="92000"/>
+              <a:buFont typeface="Wingdings 2" panose="05020102010507070707" pitchFamily="18" charset="2"/>
+              <a:buChar char=""/>
+              <a:defRPr sz="1200" kern="1200">
+                <a:solidFill>
+                  <a:schemeClr val="tx2"/>
+                </a:solidFill>
+                <a:latin typeface="+mn-lt"/>
+                <a:ea typeface="+mn-ea"/>
+                <a:cs typeface="+mn-cs"/>
+              </a:defRPr>
+            </a:lvl7pPr>
+            <a:lvl8pPr marL="2500000" indent="-228600" algn="l" defTabSz="457200" rtl="0" eaLnBrk="1" latinLnBrk="0" hangingPunct="1">
+              <a:spcBef>
+                <a:spcPct val="20000"/>
+              </a:spcBef>
+              <a:spcAft>
+                <a:spcPts val="600"/>
+              </a:spcAft>
+              <a:buClr>
+                <a:schemeClr val="accent2"/>
+              </a:buClr>
+              <a:buSzPct val="92000"/>
+              <a:buFont typeface="Wingdings 2" panose="05020102010507070707" pitchFamily="18" charset="2"/>
+              <a:buChar char=""/>
+              <a:defRPr sz="1200" kern="1200">
+                <a:solidFill>
+                  <a:schemeClr val="tx2"/>
+                </a:solidFill>
+                <a:latin typeface="+mn-lt"/>
+                <a:ea typeface="+mn-ea"/>
+                <a:cs typeface="+mn-cs"/>
+              </a:defRPr>
+            </a:lvl8pPr>
+            <a:lvl9pPr marL="2800000" indent="-228600" algn="l" defTabSz="457200" rtl="0" eaLnBrk="1" latinLnBrk="0" hangingPunct="1">
+              <a:spcBef>
+                <a:spcPct val="20000"/>
+              </a:spcBef>
+              <a:spcAft>
+                <a:spcPts val="600"/>
+              </a:spcAft>
+              <a:buClr>
+                <a:schemeClr val="accent2"/>
+              </a:buClr>
+              <a:buSzPct val="92000"/>
+              <a:buFont typeface="Wingdings 2" panose="05020102010507070707" pitchFamily="18" charset="2"/>
+              <a:buChar char=""/>
+              <a:defRPr sz="1200" kern="1200">
+                <a:solidFill>
+                  <a:schemeClr val="tx2"/>
+                </a:solidFill>
+                <a:latin typeface="+mn-lt"/>
+                <a:ea typeface="+mn-ea"/>
+                <a:cs typeface="+mn-cs"/>
+              </a:defRPr>
+            </a:lvl9pPr>
+          </a:lstStyle>
           <a:p>
             <a:pPr lvl="1" algn="just">
               <a:buFont typeface="Wingdings" panose="05000000000000000000" pitchFamily="2" charset="2"/>
               <a:buChar char="Ø"/>
             </a:pPr>
             <a:r>
+              <a:rPr lang="en-US" sz="2200" dirty="0" err="1">
+                <a:latin typeface="Gill Sans MT (Body)"/>
+                <a:ea typeface="Aptos" panose="020B0004020202020204" pitchFamily="34" charset="0"/>
+              </a:rPr>
+              <a:t>Albumentations</a:t>
+            </a:r>
+            <a:r>
               <a:rPr lang="en-US" sz="2200" dirty="0">
                 <a:latin typeface="Gill Sans MT (Body)"/>
                 <a:ea typeface="Aptos" panose="020B0004020202020204" pitchFamily="34" charset="0"/>
               </a:rPr>
-              <a:t>LabelMe allows to label different objects over the same picture</a:t>
-            </a:r>
-          </a:p>
-          <a:p>
-            <a:pPr lvl="1" algn="just">
-              <a:buFont typeface="Wingdings" panose="05000000000000000000" pitchFamily="2" charset="2"/>
-              <a:buChar char="Ø"/>
-            </a:pPr>
-            <a:endParaRPr lang="en-US" sz="2200" dirty="0">
-              <a:latin typeface="Gill Sans MT (Body)"/>
-              <a:ea typeface="Aptos" panose="020B0004020202020204" pitchFamily="34" charset="0"/>
-            </a:endParaRPr>
-          </a:p>
-          <a:p>
-            <a:pPr lvl="1" algn="just">
-              <a:buFont typeface="Wingdings" panose="05000000000000000000" pitchFamily="2" charset="2"/>
-              <a:buChar char="Ø"/>
-            </a:pPr>
-            <a:r>
-              <a:rPr lang="en-US" sz="2200" dirty="0">
-                <a:latin typeface="Gill Sans MT (Body)"/>
-                <a:ea typeface="Aptos" panose="020B0004020202020204" pitchFamily="34" charset="0"/>
-              </a:rPr>
-              <a:t>LabelMe saves labels and coordinates in a Json file (for each picture)</a:t>
-            </a:r>
-          </a:p>
-        </p:txBody>
-      </p:sp>
-      <p:pic>
-        <p:nvPicPr>
-          <p:cNvPr id="8" name="Content Placeholder 7">
+              <a:t> not only multiplied pictures but also applied some transformations on their position, heights, widths, and number of color channels, in order for training process to learn about different faces conditions</a:t>
+            </a:r>
+          </a:p>
+        </p:txBody>
+      </p:sp>
+      <p:sp>
+        <p:nvSpPr>
+          <p:cNvPr id="8" name="TextBox 7">
             <a:extLst>
               <a:ext uri="{FF2B5EF4-FFF2-40B4-BE49-F238E27FC236}">
-                <a16:creationId xmlns:a16="http://schemas.microsoft.com/office/drawing/2014/main" id="{0C530351-5CAE-8B88-FE66-1AC146AEA24D}"/>
+                <a16:creationId xmlns:a16="http://schemas.microsoft.com/office/drawing/2014/main" id="{9C510A77-E500-725C-4EB7-EE67187A00F0}"/>
               </a:ext>
             </a:extLst>
           </p:cNvPr>
-          <p:cNvPicPr>
-            <a:picLocks noGrp="1" noChangeAspect="1"/>
-          </p:cNvPicPr>
-          <p:nvPr>
-            <p:ph sz="half" idx="1"/>
-          </p:nvPr>
-        </p:nvPicPr>
-        <p:blipFill>
-          <a:blip r:embed="rId2"/>
-          <a:stretch>
-            <a:fillRect/>
-          </a:stretch>
-        </p:blipFill>
+          <p:cNvSpPr txBox="1"/>
+          <p:nvPr/>
+        </p:nvSpPr>
         <p:spPr>
           <a:xfrm>
-            <a:off x="783360" y="2034223"/>
-            <a:ext cx="5272596" cy="4427537"/>
+            <a:off x="10570464" y="6093514"/>
+            <a:ext cx="1279029" cy="246221"/>
           </a:xfrm>
+          <a:prstGeom prst="rect">
+            <a:avLst/>
+          </a:prstGeom>
+          <a:noFill/>
         </p:spPr>
-      </p:pic>
+        <p:txBody>
+          <a:bodyPr wrap="square" rtlCol="0">
+            <a:spAutoFit/>
+          </a:bodyPr>
+          <a:lstStyle/>
+          <a:p>
+            <a:r>
+              <a:rPr lang="en-US" sz="1000" dirty="0"/>
+              <a:t>(</a:t>
+            </a:r>
+            <a:r>
+              <a:rPr lang="en-US" sz="1000" dirty="0" err="1"/>
+              <a:t>Panchuang</a:t>
+            </a:r>
+            <a:r>
+              <a:rPr lang="en-US" sz="1000" dirty="0"/>
+              <a:t>, 2021)</a:t>
+            </a:r>
+            <a:endParaRPr lang="en-CA" sz="1000" dirty="0"/>
+          </a:p>
+        </p:txBody>
+      </p:sp>
     </p:spTree>
     <p:extLst>
       <p:ext uri="{BB962C8B-B14F-4D97-AF65-F5344CB8AC3E}">
-        <p14:creationId xmlns:p14="http://schemas.microsoft.com/office/powerpoint/2010/main" val="2113785451"/>
+        <p14:creationId xmlns:p14="http://schemas.microsoft.com/office/powerpoint/2010/main" val="714068501"/>
       </p:ext>
     </p:extLst>
   </p:cSld>
@@ -11091,12 +11838,12 @@
           <a:lstStyle/>
           <a:p>
             <a:r>
-              <a:rPr lang="en-US" dirty="0">
-                <a:solidFill>
-                  <a:srgbClr val="FFFEFF"/>
-                </a:solidFill>
-              </a:rPr>
-              <a:t>Data Collection and Preparation</a:t>
+              <a:rPr lang="en-US" sz="2800" dirty="0">
+                <a:solidFill>
+                  <a:schemeClr val="bg1"/>
+                </a:solidFill>
+              </a:rPr>
+              <a:t>Methodology</a:t>
             </a:r>
           </a:p>
         </p:txBody>
@@ -11120,7 +11867,7 @@
         <p:spPr>
           <a:xfrm>
             <a:off x="581192" y="2180496"/>
-            <a:ext cx="11029615" cy="4240624"/>
+            <a:ext cx="11029615" cy="4443824"/>
           </a:xfrm>
         </p:spPr>
         <p:txBody>
@@ -11129,12 +11876,140 @@
           </a:bodyPr>
           <a:lstStyle/>
           <a:p>
+            <a:pPr algn="just"/>
             <a:r>
               <a:rPr lang="en-US" sz="2800" dirty="0">
                 <a:latin typeface="Gill Sans MT (Body)"/>
                 <a:ea typeface="Aptos" panose="020B0004020202020204" pitchFamily="34" charset="0"/>
               </a:rPr>
-              <a:t>Data augmentation</a:t>
+              <a:t>We created a CNN (Convolutional Neural Network), by using </a:t>
+            </a:r>
+            <a:r>
+              <a:rPr lang="en-US" sz="2800" dirty="0">
+                <a:latin typeface="Gill Sans MT (Body)"/>
+                <a:ea typeface="Aptos" panose="020B0004020202020204" pitchFamily="34" charset="0"/>
+                <a:sym typeface="Wingdings" panose="05000000000000000000" pitchFamily="2" charset="2"/>
+              </a:rPr>
+              <a:t>Tensorflow, Keras, GlobalMaxPooling2D, VGG16, among others</a:t>
+            </a:r>
+          </a:p>
+          <a:p>
+            <a:pPr algn="just"/>
+            <a:endParaRPr lang="en-US" sz="2800" dirty="0">
+              <a:latin typeface="Gill Sans MT (Body)"/>
+              <a:ea typeface="Aptos" panose="020B0004020202020204" pitchFamily="34" charset="0"/>
+              <a:sym typeface="Wingdings" panose="05000000000000000000" pitchFamily="2" charset="2"/>
+            </a:endParaRPr>
+          </a:p>
+          <a:p>
+            <a:pPr lvl="1" algn="just">
+              <a:buFont typeface="Wingdings" panose="05000000000000000000" pitchFamily="2" charset="2"/>
+              <a:buChar char="Ø"/>
+            </a:pPr>
+            <a:r>
+              <a:rPr lang="en-US" sz="2000" dirty="0">
+                <a:latin typeface="Gill Sans MT (Body)"/>
+                <a:ea typeface="Aptos" panose="020B0004020202020204" pitchFamily="34" charset="0"/>
+                <a:sym typeface="Wingdings" panose="05000000000000000000" pitchFamily="2" charset="2"/>
+              </a:rPr>
+              <a:t>Input layer shape (120,120,3)  (height, width, RGB)</a:t>
+            </a:r>
+          </a:p>
+          <a:p>
+            <a:pPr lvl="1" algn="just">
+              <a:buFont typeface="Wingdings" panose="05000000000000000000" pitchFamily="2" charset="2"/>
+              <a:buChar char="Ø"/>
+            </a:pPr>
+            <a:r>
+              <a:rPr lang="en-US" sz="2000" dirty="0">
+                <a:latin typeface="Gill Sans MT (Body)"/>
+                <a:ea typeface="Aptos" panose="020B0004020202020204" pitchFamily="34" charset="0"/>
+                <a:sym typeface="Wingdings" panose="05000000000000000000" pitchFamily="2" charset="2"/>
+              </a:rPr>
+              <a:t>VGG16 layer</a:t>
+            </a:r>
+          </a:p>
+          <a:p>
+            <a:pPr lvl="1" algn="just">
+              <a:buFont typeface="Wingdings" panose="05000000000000000000" pitchFamily="2" charset="2"/>
+              <a:buChar char="Ø"/>
+            </a:pPr>
+            <a:r>
+              <a:rPr lang="en-US" sz="2000" dirty="0">
+                <a:latin typeface="Gill Sans MT (Body)"/>
+                <a:ea typeface="Aptos" panose="020B0004020202020204" pitchFamily="34" charset="0"/>
+                <a:sym typeface="Wingdings" panose="05000000000000000000" pitchFamily="2" charset="2"/>
+              </a:rPr>
+              <a:t>GlobalMaxPooling2D layer for Classification  2048 units</a:t>
+            </a:r>
+          </a:p>
+          <a:p>
+            <a:pPr lvl="1" algn="just">
+              <a:buFont typeface="Wingdings" panose="05000000000000000000" pitchFamily="2" charset="2"/>
+              <a:buChar char="Ø"/>
+            </a:pPr>
+            <a:r>
+              <a:rPr lang="en-US" sz="2000" dirty="0">
+                <a:latin typeface="Gill Sans MT (Body)"/>
+                <a:ea typeface="Aptos" panose="020B0004020202020204" pitchFamily="34" charset="0"/>
+                <a:sym typeface="Wingdings" panose="05000000000000000000" pitchFamily="2" charset="2"/>
+              </a:rPr>
+              <a:t>GlobalMaxPooling2D layer for Regression  2048 units</a:t>
+            </a:r>
+            <a:endParaRPr lang="en-US" sz="2000" dirty="0">
+              <a:latin typeface="Gill Sans MT (Body)"/>
+              <a:ea typeface="Aptos" panose="020B0004020202020204" pitchFamily="34" charset="0"/>
+            </a:endParaRPr>
+          </a:p>
+          <a:p>
+            <a:pPr lvl="1" algn="just">
+              <a:buFont typeface="Wingdings" panose="05000000000000000000" pitchFamily="2" charset="2"/>
+              <a:buChar char="Ø"/>
+            </a:pPr>
+            <a:r>
+              <a:rPr lang="en-US" sz="2000" dirty="0">
+                <a:latin typeface="Gill Sans MT (Body)"/>
+                <a:ea typeface="Aptos" panose="020B0004020202020204" pitchFamily="34" charset="0"/>
+              </a:rPr>
+              <a:t>Output layer for Classification </a:t>
+            </a:r>
+            <a:r>
+              <a:rPr lang="en-US" sz="2000" dirty="0">
+                <a:latin typeface="Gill Sans MT (Body)"/>
+                <a:ea typeface="Aptos" panose="020B0004020202020204" pitchFamily="34" charset="0"/>
+                <a:sym typeface="Wingdings" panose="05000000000000000000" pitchFamily="2" charset="2"/>
+              </a:rPr>
+              <a:t> </a:t>
+            </a:r>
+            <a:r>
+              <a:rPr lang="en-US" sz="2000" b="1" dirty="0">
+                <a:latin typeface="Gill Sans MT (Body)"/>
+                <a:ea typeface="Aptos" panose="020B0004020202020204" pitchFamily="34" charset="0"/>
+                <a:sym typeface="Wingdings" panose="05000000000000000000" pitchFamily="2" charset="2"/>
+              </a:rPr>
+              <a:t>Classes</a:t>
+            </a:r>
+          </a:p>
+          <a:p>
+            <a:pPr lvl="1" algn="just">
+              <a:buFont typeface="Wingdings" panose="05000000000000000000" pitchFamily="2" charset="2"/>
+              <a:buChar char="Ø"/>
+            </a:pPr>
+            <a:r>
+              <a:rPr lang="en-US" sz="2000" dirty="0">
+                <a:latin typeface="Gill Sans MT (Body)"/>
+                <a:ea typeface="Aptos" panose="020B0004020202020204" pitchFamily="34" charset="0"/>
+                <a:sym typeface="Wingdings" panose="05000000000000000000" pitchFamily="2" charset="2"/>
+              </a:rPr>
+              <a:t>Output layer for Regression  </a:t>
+            </a:r>
+            <a:r>
+              <a:rPr lang="en-US" sz="2000" b="1" dirty="0">
+                <a:latin typeface="Gill Sans MT (Body)"/>
+                <a:ea typeface="Aptos" panose="020B0004020202020204" pitchFamily="34" charset="0"/>
+                <a:sym typeface="Wingdings" panose="05000000000000000000" pitchFamily="2" charset="2"/>
+              </a:rPr>
+              <a:t>Coordinates</a:t>
             </a:r>
           </a:p>
           <a:p>
@@ -11147,71 +12022,12 @@
               <a:ea typeface="Aptos" panose="020B0004020202020204" pitchFamily="34" charset="0"/>
             </a:endParaRPr>
           </a:p>
-          <a:p>
-            <a:pPr lvl="1" algn="just">
-              <a:buFont typeface="Wingdings" panose="05000000000000000000" pitchFamily="2" charset="2"/>
-              <a:buChar char="Ø"/>
-            </a:pPr>
-            <a:r>
-              <a:rPr lang="en-US" sz="2200" dirty="0">
-                <a:latin typeface="Gill Sans MT (Body)"/>
-                <a:ea typeface="Aptos" panose="020B0004020202020204" pitchFamily="34" charset="0"/>
-              </a:rPr>
-              <a:t>Since 150 pictures are not enough for this process, we had to multiply them</a:t>
-            </a:r>
-          </a:p>
-          <a:p>
-            <a:pPr lvl="1" algn="just">
-              <a:buFont typeface="Wingdings" panose="05000000000000000000" pitchFamily="2" charset="2"/>
-              <a:buChar char="Ø"/>
-            </a:pPr>
-            <a:endParaRPr lang="en-US" sz="2200" dirty="0">
-              <a:latin typeface="Gill Sans MT (Body)"/>
-              <a:ea typeface="Aptos" panose="020B0004020202020204" pitchFamily="34" charset="0"/>
-            </a:endParaRPr>
-          </a:p>
-          <a:p>
-            <a:pPr lvl="1" algn="just">
-              <a:buFont typeface="Wingdings" panose="05000000000000000000" pitchFamily="2" charset="2"/>
-              <a:buChar char="Ø"/>
-            </a:pPr>
-            <a:r>
-              <a:rPr lang="en-US" sz="2200" dirty="0">
-                <a:latin typeface="Gill Sans MT (Body)"/>
-                <a:ea typeface="Aptos" panose="020B0004020202020204" pitchFamily="34" charset="0"/>
-              </a:rPr>
-              <a:t>Albumentations is a fast and flexible image augmentation library</a:t>
-            </a:r>
-          </a:p>
-          <a:p>
-            <a:pPr lvl="1" algn="just">
-              <a:buFont typeface="Wingdings" panose="05000000000000000000" pitchFamily="2" charset="2"/>
-              <a:buChar char="Ø"/>
-            </a:pPr>
-            <a:endParaRPr lang="en-US" sz="2200" dirty="0">
-              <a:latin typeface="Gill Sans MT (Body)"/>
-              <a:ea typeface="Aptos" panose="020B0004020202020204" pitchFamily="34" charset="0"/>
-            </a:endParaRPr>
-          </a:p>
-          <a:p>
-            <a:pPr lvl="1" algn="just">
-              <a:buFont typeface="Wingdings" panose="05000000000000000000" pitchFamily="2" charset="2"/>
-              <a:buChar char="Ø"/>
-            </a:pPr>
-            <a:r>
-              <a:rPr lang="en-US" sz="2200" dirty="0">
-                <a:latin typeface="Gill Sans MT (Body)"/>
-                <a:ea typeface="Aptos" panose="020B0004020202020204" pitchFamily="34" charset="0"/>
-              </a:rPr>
-              <a:t>Albumentations not only multiplied pictures but also applied some transformations on their position, heights, widths, and number of color channels, in order for training process to learn about different faces conditions</a:t>
-            </a:r>
-          </a:p>
         </p:txBody>
       </p:sp>
     </p:spTree>
     <p:extLst>
       <p:ext uri="{BB962C8B-B14F-4D97-AF65-F5344CB8AC3E}">
-        <p14:creationId xmlns:p14="http://schemas.microsoft.com/office/powerpoint/2010/main" val="714068501"/>
+        <p14:creationId xmlns:p14="http://schemas.microsoft.com/office/powerpoint/2010/main" val="457384689"/>
       </p:ext>
     </p:extLst>
   </p:cSld>
@@ -11313,153 +12129,44 @@
               <a:rPr lang="en-US" sz="2800" dirty="0">
                 <a:latin typeface="Gill Sans MT (Body)"/>
                 <a:ea typeface="Aptos" panose="020B0004020202020204" pitchFamily="34" charset="0"/>
-              </a:rPr>
-              <a:t>We created a CNN (Convolutional Neural Network), by using </a:t>
-            </a:r>
-            <a:r>
-              <a:rPr lang="en-US" sz="2800" dirty="0">
+                <a:sym typeface="Wingdings" panose="05000000000000000000" pitchFamily="2" charset="2"/>
+              </a:rPr>
+              <a:t>Brief explanation about:</a:t>
+            </a:r>
+          </a:p>
+          <a:p>
+            <a:pPr lvl="1" algn="just"/>
+            <a:r>
+              <a:rPr lang="en-US" sz="2600" dirty="0">
                 <a:latin typeface="Gill Sans MT (Body)"/>
                 <a:ea typeface="Aptos" panose="020B0004020202020204" pitchFamily="34" charset="0"/>
                 <a:sym typeface="Wingdings" panose="05000000000000000000" pitchFamily="2" charset="2"/>
               </a:rPr>
-              <a:t>Tensorflow, Keras, GlobalMaxPooling2D, VGG16, among others</a:t>
-            </a:r>
-          </a:p>
-          <a:p>
-            <a:pPr algn="just"/>
-            <a:endParaRPr lang="en-US" sz="2800" dirty="0">
+              <a:t>TensorFlow, Keras, VGG16, GlobalMaxPooling2D</a:t>
+            </a:r>
+          </a:p>
+          <a:p>
+            <a:pPr lvl="1" algn="just"/>
+            <a:r>
+              <a:rPr lang="en-CA" sz="2800" dirty="0">
+                <a:solidFill>
+                  <a:schemeClr val="tx1"/>
+                </a:solidFill>
+              </a:rPr>
+              <a:t>(Saurabh)</a:t>
+            </a:r>
+            <a:endParaRPr lang="en-US" sz="2600" dirty="0">
               <a:latin typeface="Gill Sans MT (Body)"/>
               <a:ea typeface="Aptos" panose="020B0004020202020204" pitchFamily="34" charset="0"/>
               <a:sym typeface="Wingdings" panose="05000000000000000000" pitchFamily="2" charset="2"/>
             </a:endParaRPr>
           </a:p>
-          <a:p>
-            <a:pPr lvl="1" algn="just">
-              <a:buFont typeface="Wingdings" panose="05000000000000000000" pitchFamily="2" charset="2"/>
-              <a:buChar char="Ø"/>
-            </a:pPr>
-            <a:r>
-              <a:rPr lang="en-US" sz="2000" dirty="0">
-                <a:latin typeface="Gill Sans MT (Body)"/>
-                <a:ea typeface="Aptos" panose="020B0004020202020204" pitchFamily="34" charset="0"/>
-                <a:sym typeface="Wingdings" panose="05000000000000000000" pitchFamily="2" charset="2"/>
-              </a:rPr>
-              <a:t>Input layer shape (120,120,3)  (height, width, RGB)</a:t>
-            </a:r>
-          </a:p>
-          <a:p>
-            <a:pPr lvl="1" algn="just">
-              <a:buFont typeface="Wingdings" panose="05000000000000000000" pitchFamily="2" charset="2"/>
-              <a:buChar char="Ø"/>
-            </a:pPr>
-            <a:r>
-              <a:rPr lang="en-US" sz="2000" dirty="0">
-                <a:latin typeface="Gill Sans MT (Body)"/>
-                <a:ea typeface="Aptos" panose="020B0004020202020204" pitchFamily="34" charset="0"/>
-                <a:sym typeface="Wingdings" panose="05000000000000000000" pitchFamily="2" charset="2"/>
-              </a:rPr>
-              <a:t>VGG16 layer</a:t>
-            </a:r>
-          </a:p>
-          <a:p>
-            <a:pPr lvl="1" algn="just">
-              <a:buFont typeface="Wingdings" panose="05000000000000000000" pitchFamily="2" charset="2"/>
-              <a:buChar char="Ø"/>
-            </a:pPr>
-            <a:r>
-              <a:rPr lang="en-US" sz="2000" dirty="0">
-                <a:latin typeface="Gill Sans MT (Body)"/>
-                <a:ea typeface="Aptos" panose="020B0004020202020204" pitchFamily="34" charset="0"/>
-                <a:sym typeface="Wingdings" panose="05000000000000000000" pitchFamily="2" charset="2"/>
-              </a:rPr>
-              <a:t>GlobalMaxPooling2D layer for Classification  2048 units</a:t>
-            </a:r>
-          </a:p>
-          <a:p>
-            <a:pPr lvl="1" algn="just">
-              <a:buFont typeface="Wingdings" panose="05000000000000000000" pitchFamily="2" charset="2"/>
-              <a:buChar char="Ø"/>
-            </a:pPr>
-            <a:r>
-              <a:rPr lang="en-US" sz="2000" dirty="0">
-                <a:latin typeface="Gill Sans MT (Body)"/>
-                <a:ea typeface="Aptos" panose="020B0004020202020204" pitchFamily="34" charset="0"/>
-                <a:sym typeface="Wingdings" panose="05000000000000000000" pitchFamily="2" charset="2"/>
-              </a:rPr>
-              <a:t>GlobalMaxPooling2D layer for Regression  2048 units</a:t>
-            </a:r>
-            <a:endParaRPr lang="en-US" sz="2000" dirty="0">
-              <a:latin typeface="Gill Sans MT (Body)"/>
-              <a:ea typeface="Aptos" panose="020B0004020202020204" pitchFamily="34" charset="0"/>
-            </a:endParaRPr>
-          </a:p>
-          <a:p>
-            <a:pPr lvl="1" algn="just">
-              <a:buFont typeface="Wingdings" panose="05000000000000000000" pitchFamily="2" charset="2"/>
-              <a:buChar char="Ø"/>
-            </a:pPr>
-            <a:r>
-              <a:rPr lang="en-US" sz="2000" dirty="0">
-                <a:latin typeface="Gill Sans MT (Body)"/>
-                <a:ea typeface="Aptos" panose="020B0004020202020204" pitchFamily="34" charset="0"/>
-              </a:rPr>
-              <a:t>Output layer for Classification </a:t>
-            </a:r>
-            <a:r>
-              <a:rPr lang="en-US" sz="2000" dirty="0">
-                <a:latin typeface="Gill Sans MT (Body)"/>
-                <a:ea typeface="Aptos" panose="020B0004020202020204" pitchFamily="34" charset="0"/>
-                <a:sym typeface="Wingdings" panose="05000000000000000000" pitchFamily="2" charset="2"/>
-              </a:rPr>
-              <a:t> </a:t>
-            </a:r>
-            <a:r>
-              <a:rPr lang="en-US" sz="2000" b="1" dirty="0">
-                <a:latin typeface="Gill Sans MT (Body)"/>
-                <a:ea typeface="Aptos" panose="020B0004020202020204" pitchFamily="34" charset="0"/>
-                <a:sym typeface="Wingdings" panose="05000000000000000000" pitchFamily="2" charset="2"/>
-              </a:rPr>
-              <a:t>Classes</a:t>
-            </a:r>
-          </a:p>
-          <a:p>
-            <a:pPr lvl="1" algn="just">
-              <a:buFont typeface="Wingdings" panose="05000000000000000000" pitchFamily="2" charset="2"/>
-              <a:buChar char="Ø"/>
-            </a:pPr>
-            <a:r>
-              <a:rPr lang="en-US" sz="2000" dirty="0">
-                <a:latin typeface="Gill Sans MT (Body)"/>
-                <a:ea typeface="Aptos" panose="020B0004020202020204" pitchFamily="34" charset="0"/>
-                <a:sym typeface="Wingdings" panose="05000000000000000000" pitchFamily="2" charset="2"/>
-              </a:rPr>
-              <a:t>Output layer for Regression  </a:t>
-            </a:r>
-            <a:r>
-              <a:rPr lang="en-US" sz="2000" b="1" dirty="0">
-                <a:latin typeface="Gill Sans MT (Body)"/>
-                <a:ea typeface="Aptos" panose="020B0004020202020204" pitchFamily="34" charset="0"/>
-                <a:sym typeface="Wingdings" panose="05000000000000000000" pitchFamily="2" charset="2"/>
-              </a:rPr>
-              <a:t>Coordinates</a:t>
-            </a:r>
-          </a:p>
-          <a:p>
-            <a:pPr lvl="1" algn="just">
-              <a:buFont typeface="Wingdings" panose="05000000000000000000" pitchFamily="2" charset="2"/>
-              <a:buChar char="Ø"/>
-            </a:pPr>
-            <a:endParaRPr lang="en-US" sz="2200" dirty="0">
-              <a:latin typeface="Gill Sans MT (Body)"/>
-              <a:ea typeface="Aptos" panose="020B0004020202020204" pitchFamily="34" charset="0"/>
-            </a:endParaRPr>
-          </a:p>
         </p:txBody>
       </p:sp>
     </p:spTree>
     <p:extLst>
       <p:ext uri="{BB962C8B-B14F-4D97-AF65-F5344CB8AC3E}">
-        <p14:creationId xmlns:p14="http://schemas.microsoft.com/office/powerpoint/2010/main" val="457384689"/>
+        <p14:creationId xmlns:p14="http://schemas.microsoft.com/office/powerpoint/2010/main" val="3216531355"/>
       </p:ext>
     </p:extLst>
   </p:cSld>
@@ -12338,6 +13045,26 @@
 </file>
 
 <file path=customXml/item2.xml><?xml version="1.0" encoding="utf-8"?>
+<p:properties xmlns:p="http://schemas.microsoft.com/office/2006/metadata/properties" xmlns:xsi="http://www.w3.org/2001/XMLSchema-instance" xmlns:pc="http://schemas.microsoft.com/office/infopath/2007/PartnerControls">
+  <documentManagement>
+    <_ip_UnifiedCompliancePolicyUIAction xmlns="http://schemas.microsoft.com/sharepoint/v3" xsi:nil="true"/>
+    <Image xmlns="71af3243-3dd4-4a8d-8c0d-dd76da1f02a5">
+      <Url xsi:nil="true"/>
+      <Description xsi:nil="true"/>
+    </Image>
+    <Status xmlns="71af3243-3dd4-4a8d-8c0d-dd76da1f02a5">Not started</Status>
+    <Background xmlns="71af3243-3dd4-4a8d-8c0d-dd76da1f02a5">false</Background>
+    <_ip_UnifiedCompliancePolicyProperties xmlns="http://schemas.microsoft.com/sharepoint/v3" xsi:nil="true"/>
+    <ImageTagsTaxHTField xmlns="71af3243-3dd4-4a8d-8c0d-dd76da1f02a5">
+      <Terms xmlns="http://schemas.microsoft.com/office/infopath/2007/PartnerControls"/>
+    </ImageTagsTaxHTField>
+    <TaxCatchAll xmlns="230e9df3-be65-4c73-a93b-d1236ebd677e" xsi:nil="true"/>
+    <MediaServiceKeyPoints xmlns="71af3243-3dd4-4a8d-8c0d-dd76da1f02a5" xsi:nil="true"/>
+  </documentManagement>
+</p:properties>
+</file>
+
+<file path=customXml/item3.xml><?xml version="1.0" encoding="utf-8"?>
 <ct:contentTypeSchema xmlns:ct="http://schemas.microsoft.com/office/2006/metadata/contentType" xmlns:ma="http://schemas.microsoft.com/office/2006/metadata/properties/metaAttributes" ct:_="" ma:_="" ma:contentTypeName="Document" ma:contentTypeID="0x01010079F111ED35F8CC479449609E8A0923A6" ma:contentTypeVersion="27" ma:contentTypeDescription="Create a new document." ma:contentTypeScope="" ma:versionID="c6f9a84f66a9c8b9a21755b9ffafb945">
   <xsd:schema xmlns:xsd="http://www.w3.org/2001/XMLSchema" xmlns:xs="http://www.w3.org/2001/XMLSchema" xmlns:p="http://schemas.microsoft.com/office/2006/metadata/properties" xmlns:ns1="http://schemas.microsoft.com/sharepoint/v3" xmlns:ns2="71af3243-3dd4-4a8d-8c0d-dd76da1f02a5" xmlns:ns3="16c05727-aa75-4e4a-9b5f-8a80a1165891" xmlns:ns4="230e9df3-be65-4c73-a93b-d1236ebd677e" targetNamespace="http://schemas.microsoft.com/office/2006/metadata/properties" ma:root="true" ma:fieldsID="27df39e3e7036dff54f89ddd5805ce72" ns1:_="" ns2:_="" ns3:_="" ns4:_="">
     <xsd:import namespace="http://schemas.microsoft.com/sharepoint/v3"/>
@@ -12643,26 +13370,6 @@
 </ct:contentTypeSchema>
 </file>
 
-<file path=customXml/item3.xml><?xml version="1.0" encoding="utf-8"?>
-<p:properties xmlns:p="http://schemas.microsoft.com/office/2006/metadata/properties" xmlns:xsi="http://www.w3.org/2001/XMLSchema-instance" xmlns:pc="http://schemas.microsoft.com/office/infopath/2007/PartnerControls">
-  <documentManagement>
-    <_ip_UnifiedCompliancePolicyUIAction xmlns="http://schemas.microsoft.com/sharepoint/v3" xsi:nil="true"/>
-    <Image xmlns="71af3243-3dd4-4a8d-8c0d-dd76da1f02a5">
-      <Url xsi:nil="true"/>
-      <Description xsi:nil="true"/>
-    </Image>
-    <Status xmlns="71af3243-3dd4-4a8d-8c0d-dd76da1f02a5">Not started</Status>
-    <Background xmlns="71af3243-3dd4-4a8d-8c0d-dd76da1f02a5">false</Background>
-    <_ip_UnifiedCompliancePolicyProperties xmlns="http://schemas.microsoft.com/sharepoint/v3" xsi:nil="true"/>
-    <ImageTagsTaxHTField xmlns="71af3243-3dd4-4a8d-8c0d-dd76da1f02a5">
-      <Terms xmlns="http://schemas.microsoft.com/office/infopath/2007/PartnerControls"/>
-    </ImageTagsTaxHTField>
-    <TaxCatchAll xmlns="230e9df3-be65-4c73-a93b-d1236ebd677e" xsi:nil="true"/>
-    <MediaServiceKeyPoints xmlns="71af3243-3dd4-4a8d-8c0d-dd76da1f02a5" xsi:nil="true"/>
-  </documentManagement>
-</p:properties>
-</file>
-
 <file path=customXml/itemProps1.xml><?xml version="1.0" encoding="utf-8"?>
 <ds:datastoreItem xmlns:ds="http://schemas.openxmlformats.org/officeDocument/2006/customXml" ds:itemID="{342D3C2F-55A5-48C0-9D5A-95C7FF0389D0}">
   <ds:schemaRefs>
@@ -12672,6 +13379,18 @@
 </file>
 
 <file path=customXml/itemProps2.xml><?xml version="1.0" encoding="utf-8"?>
+<ds:datastoreItem xmlns:ds="http://schemas.openxmlformats.org/officeDocument/2006/customXml" ds:itemID="{3791575F-4C21-47C4-8D13-EB9BE66B536F}">
+  <ds:schemaRefs>
+    <ds:schemaRef ds:uri="http://schemas.microsoft.com/office/2006/metadata/properties"/>
+    <ds:schemaRef ds:uri="http://schemas.microsoft.com/office/infopath/2007/PartnerControls"/>
+    <ds:schemaRef ds:uri="http://schemas.microsoft.com/sharepoint/v3"/>
+    <ds:schemaRef ds:uri="71af3243-3dd4-4a8d-8c0d-dd76da1f02a5"/>
+    <ds:schemaRef ds:uri="230e9df3-be65-4c73-a93b-d1236ebd677e"/>
+  </ds:schemaRefs>
+</ds:datastoreItem>
+</file>
+
+<file path=customXml/itemProps3.xml><?xml version="1.0" encoding="utf-8"?>
 <ds:datastoreItem xmlns:ds="http://schemas.openxmlformats.org/officeDocument/2006/customXml" ds:itemID="{792209EB-3212-4116-B574-D1F56C7C4922}">
   <ds:schemaRefs>
     <ds:schemaRef ds:uri="http://schemas.microsoft.com/office/2006/metadata/contentType"/>
@@ -12690,16 +13409,4 @@
     <ds:schemaRef ds:uri="http://schemas.microsoft.com/internal/obd"/>
   </ds:schemaRefs>
 </ds:datastoreItem>
-</file>
-
-<file path=customXml/itemProps3.xml><?xml version="1.0" encoding="utf-8"?>
-<ds:datastoreItem xmlns:ds="http://schemas.openxmlformats.org/officeDocument/2006/customXml" ds:itemID="{3791575F-4C21-47C4-8D13-EB9BE66B536F}">
-  <ds:schemaRefs>
-    <ds:schemaRef ds:uri="http://schemas.microsoft.com/office/2006/metadata/properties"/>
-    <ds:schemaRef ds:uri="http://schemas.microsoft.com/office/infopath/2007/PartnerControls"/>
-    <ds:schemaRef ds:uri="http://schemas.microsoft.com/sharepoint/v3"/>
-    <ds:schemaRef ds:uri="71af3243-3dd4-4a8d-8c0d-dd76da1f02a5"/>
-    <ds:schemaRef ds:uri="230e9df3-be65-4c73-a93b-d1236ebd677e"/>
-  </ds:schemaRefs>
-</ds:datastoreItem>
 </file>
--- a/Documents/BDM-3035.pptx
+++ b/Documents/BDM-3035.pptx
@@ -19,8 +19,8 @@
     <p:sldId id="269" r:id="rId10"/>
     <p:sldId id="270" r:id="rId11"/>
     <p:sldId id="268" r:id="rId12"/>
-    <p:sldId id="271" r:id="rId13"/>
-    <p:sldId id="279" r:id="rId14"/>
+    <p:sldId id="281" r:id="rId13"/>
+    <p:sldId id="282" r:id="rId14"/>
     <p:sldId id="272" r:id="rId15"/>
     <p:sldId id="273" r:id="rId16"/>
     <p:sldId id="274" r:id="rId17"/>
@@ -1172,7 +1172,7 @@
           <a:p>
             <a:fld id="{AF869721-F543-4A6C-BF9D-65D7CC540427}" type="datetimeFigureOut">
               <a:rPr lang="en-US" smtClean="0"/>
-              <a:t>8/11/2024</a:t>
+              <a:t>8/12/2024</a:t>
             </a:fld>
             <a:endParaRPr lang="en-US" dirty="0"/>
           </a:p>
@@ -1349,7 +1349,7 @@
           <a:p>
             <a:fld id="{C732326A-4C88-4AFB-AA5B-5919D81DFF5B}" type="datetimeFigureOut">
               <a:rPr lang="en-US" smtClean="0"/>
-              <a:t>8/11/2024</a:t>
+              <a:t>8/12/2024</a:t>
             </a:fld>
             <a:endParaRPr lang="en-US" dirty="0"/>
           </a:p>
@@ -3206,7 +3206,7 @@
             <a:fld id="{B61BEF0D-F0BB-DE4B-95CE-6DB70DBA9567}" type="datetimeFigureOut">
               <a:rPr lang="en-US" smtClean="0"/>
               <a:pPr/>
-              <a:t>8/11/2024</a:t>
+              <a:t>8/12/2024</a:t>
             </a:fld>
             <a:endParaRPr lang="en-US" dirty="0"/>
           </a:p>
@@ -3470,7 +3470,7 @@
             <a:fld id="{B61BEF0D-F0BB-DE4B-95CE-6DB70DBA9567}" type="datetimeFigureOut">
               <a:rPr lang="en-US" smtClean="0"/>
               <a:pPr/>
-              <a:t>8/11/2024</a:t>
+              <a:t>8/12/2024</a:t>
             </a:fld>
             <a:endParaRPr lang="en-US" dirty="0"/>
           </a:p>
@@ -3707,7 +3707,7 @@
             <a:fld id="{B61BEF0D-F0BB-DE4B-95CE-6DB70DBA9567}" type="datetimeFigureOut">
               <a:rPr lang="en-US" smtClean="0"/>
               <a:pPr/>
-              <a:t>8/11/2024</a:t>
+              <a:t>8/12/2024</a:t>
             </a:fld>
             <a:endParaRPr lang="en-US" dirty="0"/>
           </a:p>
@@ -3949,7 +3949,7 @@
             <a:fld id="{B61BEF0D-F0BB-DE4B-95CE-6DB70DBA9567}" type="datetimeFigureOut">
               <a:rPr lang="en-US" smtClean="0"/>
               <a:pPr/>
-              <a:t>8/11/2024</a:t>
+              <a:t>8/12/2024</a:t>
             </a:fld>
             <a:endParaRPr lang="en-US" dirty="0"/>
           </a:p>
@@ -4258,7 +4258,7 @@
             <a:fld id="{B61BEF0D-F0BB-DE4B-95CE-6DB70DBA9567}" type="datetimeFigureOut">
               <a:rPr lang="en-US" smtClean="0"/>
               <a:pPr/>
-              <a:t>8/11/2024</a:t>
+              <a:t>8/12/2024</a:t>
             </a:fld>
             <a:endParaRPr lang="en-US" dirty="0"/>
           </a:p>
@@ -4562,7 +4562,7 @@
             <a:fld id="{B61BEF0D-F0BB-DE4B-95CE-6DB70DBA9567}" type="datetimeFigureOut">
               <a:rPr lang="en-US" smtClean="0"/>
               <a:pPr/>
-              <a:t>8/11/2024</a:t>
+              <a:t>8/12/2024</a:t>
             </a:fld>
             <a:endParaRPr lang="en-US" dirty="0"/>
           </a:p>
@@ -4986,7 +4986,7 @@
             <a:fld id="{B61BEF0D-F0BB-DE4B-95CE-6DB70DBA9567}" type="datetimeFigureOut">
               <a:rPr lang="en-US" smtClean="0"/>
               <a:pPr/>
-              <a:t>8/11/2024</a:t>
+              <a:t>8/12/2024</a:t>
             </a:fld>
             <a:endParaRPr lang="en-US" dirty="0"/>
           </a:p>
@@ -5083,7 +5083,7 @@
             <a:fld id="{B61BEF0D-F0BB-DE4B-95CE-6DB70DBA9567}" type="datetimeFigureOut">
               <a:rPr lang="en-US" smtClean="0"/>
               <a:pPr/>
-              <a:t>8/11/2024</a:t>
+              <a:t>8/12/2024</a:t>
             </a:fld>
             <a:endParaRPr lang="en-US" dirty="0"/>
           </a:p>
@@ -5247,7 +5247,7 @@
             <a:fld id="{B61BEF0D-F0BB-DE4B-95CE-6DB70DBA9567}" type="datetimeFigureOut">
               <a:rPr lang="en-US" smtClean="0"/>
               <a:pPr/>
-              <a:t>8/11/2024</a:t>
+              <a:t>8/12/2024</a:t>
             </a:fld>
             <a:endParaRPr lang="en-US" dirty="0"/>
           </a:p>
@@ -5627,7 +5627,7 @@
             <a:fld id="{B61BEF0D-F0BB-DE4B-95CE-6DB70DBA9567}" type="datetimeFigureOut">
               <a:rPr lang="en-US" smtClean="0"/>
               <a:pPr/>
-              <a:t>8/11/2024</a:t>
+              <a:t>8/12/2024</a:t>
             </a:fld>
             <a:endParaRPr lang="en-US" dirty="0"/>
           </a:p>
@@ -5918,7 +5918,7 @@
             <a:fld id="{B61BEF0D-F0BB-DE4B-95CE-6DB70DBA9567}" type="datetimeFigureOut">
               <a:rPr lang="en-US" smtClean="0"/>
               <a:pPr/>
-              <a:t>8/11/2024</a:t>
+              <a:t>8/12/2024</a:t>
             </a:fld>
             <a:endParaRPr lang="en-US" dirty="0"/>
           </a:p>
@@ -6131,7 +6131,7 @@
             <a:fld id="{B61BEF0D-F0BB-DE4B-95CE-6DB70DBA9567}" type="datetimeFigureOut">
               <a:rPr lang="en-US" smtClean="0"/>
               <a:pPr/>
-              <a:t>8/11/2024</a:t>
+              <a:t>8/12/2024</a:t>
             </a:fld>
             <a:endParaRPr lang="en-US" dirty="0"/>
           </a:p>
@@ -7209,14 +7209,6 @@
 <file path=ppt/slides/slide10.xml><?xml version="1.0" encoding="utf-8"?>
 <p:sld xmlns:a="http://schemas.openxmlformats.org/drawingml/2006/main" xmlns:r="http://schemas.openxmlformats.org/officeDocument/2006/relationships" xmlns:p="http://schemas.openxmlformats.org/presentationml/2006/main">
   <p:cSld>
-    <p:bg>
-      <p:bgPr>
-        <a:solidFill>
-          <a:schemeClr val="bg1"/>
-        </a:solidFill>
-        <a:effectLst/>
-      </p:bgPr>
-    </p:bg>
     <p:spTree>
       <p:nvGrpSpPr>
         <p:cNvPr id="1" name=""/>
@@ -7283,8 +7275,8 @@
         </p:nvSpPr>
         <p:spPr>
           <a:xfrm>
-            <a:off x="581192" y="2180496"/>
-            <a:ext cx="11029615" cy="4443824"/>
+            <a:off x="243735" y="1941010"/>
+            <a:ext cx="11476317" cy="4443824"/>
           </a:xfrm>
         </p:spPr>
         <p:txBody>
@@ -7293,65 +7285,94 @@
           </a:bodyPr>
           <a:lstStyle/>
           <a:p>
-            <a:pPr algn="just"/>
+            <a:pPr lvl="1" algn="just"/>
             <a:r>
               <a:rPr lang="en-US" sz="2800" dirty="0">
                 <a:latin typeface="Gill Sans MT (Body)"/>
                 <a:ea typeface="Aptos" panose="020B0004020202020204" pitchFamily="34" charset="0"/>
                 <a:sym typeface="Wingdings" panose="05000000000000000000" pitchFamily="2" charset="2"/>
               </a:rPr>
-              <a:t>Brief explanation about: (</a:t>
-            </a:r>
-            <a:r>
-              <a:rPr lang="en-US" sz="2800" dirty="0" err="1">
+              <a:t>VGG16</a:t>
+            </a:r>
+          </a:p>
+          <a:p>
+            <a:pPr lvl="2" algn="just">
+              <a:buFont typeface="Wingdings" panose="05000000000000000000" pitchFamily="2" charset="2"/>
+              <a:buChar char="Ø"/>
+            </a:pPr>
+            <a:r>
+              <a:rPr lang="en-US" sz="2400" dirty="0">
                 <a:latin typeface="Gill Sans MT (Body)"/>
                 <a:ea typeface="Aptos" panose="020B0004020202020204" pitchFamily="34" charset="0"/>
                 <a:sym typeface="Wingdings" panose="05000000000000000000" pitchFamily="2" charset="2"/>
               </a:rPr>
-              <a:t>cont</a:t>
-            </a:r>
+              <a:t>It </a:t>
+            </a:r>
+            <a:r>
+              <a:rPr lang="en-US" sz="2400" dirty="0">
+                <a:latin typeface="Gill Sans MT (Body)"/>
+              </a:rPr>
+              <a:t>is a convolutional neural network (CNN) architecture that was proposed by the Visual Geometry Group (VGG) at the University of Oxford.</a:t>
+            </a:r>
+          </a:p>
+          <a:p>
+            <a:pPr lvl="2" algn="just">
+              <a:buFont typeface="Wingdings" panose="05000000000000000000" pitchFamily="2" charset="2"/>
+              <a:buChar char="Ø"/>
+            </a:pPr>
+            <a:r>
+              <a:rPr lang="en-US" sz="2400" dirty="0">
+                <a:latin typeface="Gill Sans MT (Body)"/>
+              </a:rPr>
+              <a:t>It is one of the most well-known deep learning models for image classification.</a:t>
+            </a:r>
+          </a:p>
+          <a:p>
+            <a:pPr lvl="2" algn="just"/>
+            <a:endParaRPr lang="en-US" sz="2400" dirty="0">
+              <a:latin typeface="Gill Sans MT (Body)"/>
+              <a:sym typeface="Wingdings" panose="05000000000000000000" pitchFamily="2" charset="2"/>
+            </a:endParaRPr>
+          </a:p>
+          <a:p>
+            <a:pPr lvl="1" algn="just"/>
             <a:r>
               <a:rPr lang="en-US" sz="2800" dirty="0">
                 <a:latin typeface="Gill Sans MT (Body)"/>
-                <a:ea typeface="Aptos" panose="020B0004020202020204" pitchFamily="34" charset="0"/>
-                <a:sym typeface="Wingdings" panose="05000000000000000000" pitchFamily="2" charset="2"/>
-              </a:rPr>
-              <a:t>)</a:t>
-            </a:r>
-          </a:p>
-          <a:p>
-            <a:pPr lvl="1" algn="just"/>
-            <a:r>
-              <a:rPr lang="en-US" sz="2600" dirty="0">
+              </a:rPr>
+              <a:t>GlobalMaxPooling2D</a:t>
+            </a:r>
+          </a:p>
+          <a:p>
+            <a:pPr lvl="2" algn="just">
+              <a:buFont typeface="Wingdings" panose="05000000000000000000" pitchFamily="2" charset="2"/>
+              <a:buChar char="Ø"/>
+            </a:pPr>
+            <a:r>
+              <a:rPr lang="en-US" sz="2400" dirty="0">
                 <a:latin typeface="Gill Sans MT (Body)"/>
-                <a:ea typeface="Aptos" panose="020B0004020202020204" pitchFamily="34" charset="0"/>
-                <a:sym typeface="Wingdings" panose="05000000000000000000" pitchFamily="2" charset="2"/>
-              </a:rPr>
-              <a:t>TensorFlow, Keras, VGG16, GlobalMaxPooling2D</a:t>
-            </a:r>
-          </a:p>
-          <a:p>
-            <a:pPr lvl="1" algn="just"/>
-            <a:r>
-              <a:rPr lang="en-CA" sz="2800" dirty="0">
-                <a:solidFill>
-                  <a:schemeClr val="tx1"/>
-                </a:solidFill>
-              </a:rPr>
-              <a:t>(Saurabh)</a:t>
-            </a:r>
-            <a:endParaRPr lang="en-US" sz="2600" dirty="0">
-              <a:latin typeface="Gill Sans MT (Body)"/>
-              <a:ea typeface="Aptos" panose="020B0004020202020204" pitchFamily="34" charset="0"/>
-              <a:sym typeface="Wingdings" panose="05000000000000000000" pitchFamily="2" charset="2"/>
-            </a:endParaRPr>
+              </a:rPr>
+              <a:t>It is a pooling operation commonly used in convolutional neural networks.</a:t>
+            </a:r>
+          </a:p>
+          <a:p>
+            <a:pPr lvl="2" algn="just">
+              <a:buFont typeface="Wingdings" panose="05000000000000000000" pitchFamily="2" charset="2"/>
+              <a:buChar char="Ø"/>
+            </a:pPr>
+            <a:r>
+              <a:rPr lang="en-US" sz="2400" dirty="0">
+                <a:latin typeface="Gill Sans MT (Body)"/>
+              </a:rPr>
+              <a:t>It reduces the spatial dimensions (height and width) of the input while retaining the most important features.</a:t>
+            </a:r>
           </a:p>
         </p:txBody>
       </p:sp>
     </p:spTree>
     <p:extLst>
       <p:ext uri="{BB962C8B-B14F-4D97-AF65-F5344CB8AC3E}">
-        <p14:creationId xmlns:p14="http://schemas.microsoft.com/office/powerpoint/2010/main" val="2518035639"/>
+        <p14:creationId xmlns:p14="http://schemas.microsoft.com/office/powerpoint/2010/main" val="3465300825"/>
       </p:ext>
     </p:extLst>
   </p:cSld>
@@ -8017,7 +8038,7 @@
           <a:p>
             <a:pPr algn="just"/>
             <a:r>
-              <a:rPr lang="en-US" sz="2200" dirty="0">
+              <a:rPr lang="en-US" sz="2400" dirty="0">
                 <a:latin typeface="Gill Sans MT (Body)"/>
                 <a:ea typeface="Aptos" panose="020B0004020202020204" pitchFamily="34" charset="0"/>
                 <a:sym typeface="Wingdings" panose="05000000000000000000" pitchFamily="2" charset="2"/>
@@ -8036,7 +8057,7 @@
           <a:p>
             <a:pPr algn="just"/>
             <a:r>
-              <a:rPr lang="en-US" sz="2200" dirty="0">
+              <a:rPr lang="en-US" sz="2400" dirty="0">
                 <a:latin typeface="Gill Sans MT (Body)"/>
                 <a:ea typeface="Aptos" panose="020B0004020202020204" pitchFamily="34" charset="0"/>
                 <a:sym typeface="Wingdings" panose="05000000000000000000" pitchFamily="2" charset="2"/>
@@ -8044,7 +8065,7 @@
               <a:t>As for regression predictions, we used Intersection Over Union metric in test dataset, and we got 89.94%. Let's consider that any value greater than 0.5 on </a:t>
             </a:r>
             <a:r>
-              <a:rPr lang="en-US" sz="2200" dirty="0" err="1">
+              <a:rPr lang="en-US" sz="2400" dirty="0" err="1">
                 <a:latin typeface="Gill Sans MT (Body)"/>
                 <a:ea typeface="Aptos" panose="020B0004020202020204" pitchFamily="34" charset="0"/>
                 <a:sym typeface="Wingdings" panose="05000000000000000000" pitchFamily="2" charset="2"/>
@@ -8052,7 +8073,7 @@
               <a:t>IoU</a:t>
             </a:r>
             <a:r>
-              <a:rPr lang="en-US" sz="2200" dirty="0">
+              <a:rPr lang="en-US" sz="2400" dirty="0">
                 <a:latin typeface="Gill Sans MT (Body)"/>
                 <a:ea typeface="Aptos" panose="020B0004020202020204" pitchFamily="34" charset="0"/>
                 <a:sym typeface="Wingdings" panose="05000000000000000000" pitchFamily="2" charset="2"/>
@@ -8166,13 +8187,13 @@
         </p:spPr>
         <p:txBody>
           <a:bodyPr>
-            <a:normAutofit/>
+            <a:normAutofit lnSpcReduction="10000"/>
           </a:bodyPr>
           <a:lstStyle/>
           <a:p>
             <a:pPr algn="just"/>
             <a:r>
-              <a:rPr lang="en-US" sz="2200" dirty="0">
+              <a:rPr lang="en-US" sz="2400" dirty="0">
                 <a:latin typeface="Gill Sans MT (Body)"/>
                 <a:ea typeface="Aptos" panose="020B0004020202020204" pitchFamily="34" charset="0"/>
                 <a:sym typeface="Wingdings" panose="05000000000000000000" pitchFamily="2" charset="2"/>
@@ -8191,7 +8212,7 @@
           <a:p>
             <a:pPr algn="just"/>
             <a:r>
-              <a:rPr lang="en-US" sz="2200" dirty="0">
+              <a:rPr lang="en-US" sz="2400" dirty="0">
                 <a:latin typeface="Gill Sans MT (Body)"/>
                 <a:ea typeface="Aptos" panose="020B0004020202020204" pitchFamily="34" charset="0"/>
                 <a:sym typeface="Wingdings" panose="05000000000000000000" pitchFamily="2" charset="2"/>
@@ -8210,12 +8231,12 @@
           <a:p>
             <a:pPr algn="just"/>
             <a:r>
-              <a:rPr lang="en-US" sz="2200" dirty="0">
+              <a:rPr lang="en-US" sz="2400" dirty="0">
                 <a:latin typeface="Gill Sans MT (Body)"/>
                 <a:ea typeface="Aptos" panose="020B0004020202020204" pitchFamily="34" charset="0"/>
                 <a:sym typeface="Wingdings" panose="05000000000000000000" pitchFamily="2" charset="2"/>
               </a:rPr>
-              <a:t>As a learning, we must select pictures from different sources and different conditions, such as: positions, light exposition, etc., so as to improve the robustness of the model.</a:t>
+              <a:t>As a learning, we must select pictures from different sources and different conditions, such as: positions, light exposition, etc., to improve the robustness of the model.</a:t>
             </a:r>
           </a:p>
           <a:p>
@@ -10727,7 +10748,7 @@
           </a:bodyPr>
           <a:lstStyle/>
           <a:p>
-            <a:pPr>
+            <a:pPr algn="just">
               <a:lnSpc>
                 <a:spcPct val="90000"/>
               </a:lnSpc>
@@ -10746,7 +10767,7 @@
             <a:endParaRPr lang="en-US" sz="200" dirty="0"/>
           </a:p>
           <a:p>
-            <a:pPr>
+            <a:pPr algn="just">
               <a:lnSpc>
                 <a:spcPct val="90000"/>
               </a:lnSpc>
@@ -10757,7 +10778,7 @@
             </a:r>
           </a:p>
           <a:p>
-            <a:pPr lvl="1">
+            <a:pPr lvl="1" algn="just">
               <a:lnSpc>
                 <a:spcPct val="90000"/>
               </a:lnSpc>
@@ -10770,7 +10791,7 @@
             </a:r>
           </a:p>
           <a:p>
-            <a:pPr lvl="1">
+            <a:pPr lvl="1" algn="just">
               <a:lnSpc>
                 <a:spcPct val="90000"/>
               </a:lnSpc>
@@ -10783,7 +10804,7 @@
             </a:r>
           </a:p>
           <a:p>
-            <a:pPr lvl="1">
+            <a:pPr lvl="1" algn="just">
               <a:lnSpc>
                 <a:spcPct val="90000"/>
               </a:lnSpc>
@@ -10808,7 +10829,7 @@
             </a:endParaRPr>
           </a:p>
           <a:p>
-            <a:pPr>
+            <a:pPr algn="just">
               <a:lnSpc>
                 <a:spcPct val="90000"/>
               </a:lnSpc>
@@ -11467,18 +11488,11 @@
               <a:buChar char="Ø"/>
             </a:pPr>
             <a:r>
-              <a:rPr lang="en-US" sz="2200" dirty="0" err="1">
-                <a:latin typeface="Gill Sans MT (Body)"/>
-                <a:ea typeface="Aptos" panose="020B0004020202020204" pitchFamily="34" charset="0"/>
-              </a:rPr>
-              <a:t>Albumentations</a:t>
-            </a:r>
-            <a:r>
               <a:rPr lang="en-US" sz="2200" dirty="0">
                 <a:latin typeface="Gill Sans MT (Body)"/>
                 <a:ea typeface="Aptos" panose="020B0004020202020204" pitchFamily="34" charset="0"/>
               </a:rPr>
-              <a:t> is a fast and flexible  image augmentation library</a:t>
+              <a:t>Albumentations is a fast and flexible  image augmentation library</a:t>
             </a:r>
           </a:p>
         </p:txBody>
@@ -11716,18 +11730,11 @@
               <a:buChar char="Ø"/>
             </a:pPr>
             <a:r>
-              <a:rPr lang="en-US" sz="2200" dirty="0" err="1">
-                <a:latin typeface="Gill Sans MT (Body)"/>
-                <a:ea typeface="Aptos" panose="020B0004020202020204" pitchFamily="34" charset="0"/>
-              </a:rPr>
-              <a:t>Albumentations</a:t>
-            </a:r>
-            <a:r>
               <a:rPr lang="en-US" sz="2200" dirty="0">
                 <a:latin typeface="Gill Sans MT (Body)"/>
                 <a:ea typeface="Aptos" panose="020B0004020202020204" pitchFamily="34" charset="0"/>
               </a:rPr>
-              <a:t> not only multiplied pictures but also applied some transformations on their position, heights, widths, and number of color channels, in order for training process to learn about different faces conditions</a:t>
+              <a:t>Albumentations not only multiplied pictures but also applied some transformations on their position, heights, widths, and number of color channels, in order for training process to learn about different faces conditions</a:t>
             </a:r>
           </a:p>
         </p:txBody>
@@ -12040,14 +12047,6 @@
 <file path=ppt/slides/slide9.xml><?xml version="1.0" encoding="utf-8"?>
 <p:sld xmlns:a="http://schemas.openxmlformats.org/drawingml/2006/main" xmlns:r="http://schemas.openxmlformats.org/officeDocument/2006/relationships" xmlns:p="http://schemas.openxmlformats.org/presentationml/2006/main">
   <p:cSld>
-    <p:bg>
-      <p:bgPr>
-        <a:solidFill>
-          <a:schemeClr val="bg1"/>
-        </a:solidFill>
-        <a:effectLst/>
-      </p:bgPr>
-    </p:bg>
     <p:spTree>
       <p:nvGrpSpPr>
         <p:cNvPr id="1" name=""/>
@@ -12114,7 +12113,7 @@
         </p:nvSpPr>
         <p:spPr>
           <a:xfrm>
-            <a:off x="581192" y="2180496"/>
+            <a:off x="383806" y="1628473"/>
             <a:ext cx="11029615" cy="4443824"/>
           </a:xfrm>
         </p:spPr>
@@ -12124,40 +12123,86 @@
           </a:bodyPr>
           <a:lstStyle/>
           <a:p>
-            <a:pPr algn="just"/>
+            <a:pPr lvl="1" algn="just"/>
             <a:r>
               <a:rPr lang="en-US" sz="2800" dirty="0">
                 <a:latin typeface="Gill Sans MT (Body)"/>
                 <a:ea typeface="Aptos" panose="020B0004020202020204" pitchFamily="34" charset="0"/>
                 <a:sym typeface="Wingdings" panose="05000000000000000000" pitchFamily="2" charset="2"/>
               </a:rPr>
-              <a:t>Brief explanation about:</a:t>
-            </a:r>
+              <a:t>TensorFlow</a:t>
+            </a:r>
+          </a:p>
+          <a:p>
+            <a:pPr lvl="2" algn="just">
+              <a:buFont typeface="Wingdings" panose="05000000000000000000" pitchFamily="2" charset="2"/>
+              <a:buChar char="Ø"/>
+            </a:pPr>
+            <a:r>
+              <a:rPr lang="en-US" sz="2400" dirty="0">
+                <a:latin typeface="Gill Sans MT (Body)"/>
+                <a:sym typeface="Wingdings" panose="05000000000000000000" pitchFamily="2" charset="2"/>
+              </a:rPr>
+              <a:t>It </a:t>
+            </a:r>
+            <a:r>
+              <a:rPr lang="en-US" sz="2400" dirty="0">
+                <a:latin typeface="Gill Sans MT (Body)"/>
+              </a:rPr>
+              <a:t>is an open-source machine learning framework developed by Google.</a:t>
+            </a:r>
+          </a:p>
+          <a:p>
+            <a:pPr lvl="2" algn="just">
+              <a:buFont typeface="Wingdings" panose="05000000000000000000" pitchFamily="2" charset="2"/>
+              <a:buChar char="Ø"/>
+            </a:pPr>
+            <a:r>
+              <a:rPr lang="en-US" sz="2400" dirty="0">
+                <a:latin typeface="Gill Sans MT (Body)"/>
+              </a:rPr>
+              <a:t>It's widely used for building and deploying machine learning models, particularly deep learning models.</a:t>
+            </a:r>
+          </a:p>
+          <a:p>
+            <a:pPr lvl="2" algn="just">
+              <a:buFont typeface="Wingdings" panose="05000000000000000000" pitchFamily="2" charset="2"/>
+              <a:buChar char="Ø"/>
+            </a:pPr>
+            <a:endParaRPr lang="en-US" sz="2400" dirty="0">
+              <a:latin typeface="Gill Sans MT (Body)"/>
+            </a:endParaRPr>
           </a:p>
           <a:p>
             <a:pPr lvl="1" algn="just"/>
             <a:r>
-              <a:rPr lang="en-US" sz="2600" dirty="0">
+              <a:rPr lang="en-US" sz="2800" dirty="0">
                 <a:latin typeface="Gill Sans MT (Body)"/>
-                <a:ea typeface="Aptos" panose="020B0004020202020204" pitchFamily="34" charset="0"/>
                 <a:sym typeface="Wingdings" panose="05000000000000000000" pitchFamily="2" charset="2"/>
               </a:rPr>
-              <a:t>TensorFlow, Keras, VGG16, GlobalMaxPooling2D</a:t>
-            </a:r>
-          </a:p>
-          <a:p>
-            <a:pPr lvl="1" algn="just"/>
-            <a:r>
-              <a:rPr lang="en-CA" sz="2800" dirty="0">
-                <a:solidFill>
-                  <a:schemeClr val="tx1"/>
-                </a:solidFill>
-              </a:rPr>
-              <a:t>(Saurabh)</a:t>
-            </a:r>
-            <a:endParaRPr lang="en-US" sz="2600" dirty="0">
+              <a:t>Keras</a:t>
+            </a:r>
+          </a:p>
+          <a:p>
+            <a:pPr lvl="2" algn="just">
+              <a:buFont typeface="Wingdings" panose="05000000000000000000" pitchFamily="2" charset="2"/>
+              <a:buChar char="Ø"/>
+            </a:pPr>
+            <a:r>
+              <a:rPr lang="en-US" sz="2400" dirty="0">
+                <a:latin typeface="Gill Sans MT (Body)"/>
+                <a:sym typeface="Wingdings" panose="05000000000000000000" pitchFamily="2" charset="2"/>
+              </a:rPr>
+              <a:t>It </a:t>
+            </a:r>
+            <a:r>
+              <a:rPr lang="en-US" sz="2400" dirty="0">
+                <a:latin typeface="Gill Sans MT (Body)"/>
+              </a:rPr>
+              <a:t>is a high-level neural networks API, written in Python and capable of running on top of TensorFlow.</a:t>
+            </a:r>
+            <a:endParaRPr lang="en-US" sz="2400" dirty="0">
               <a:latin typeface="Gill Sans MT (Body)"/>
-              <a:ea typeface="Aptos" panose="020B0004020202020204" pitchFamily="34" charset="0"/>
               <a:sym typeface="Wingdings" panose="05000000000000000000" pitchFamily="2" charset="2"/>
             </a:endParaRPr>
           </a:p>
@@ -12166,7 +12211,7 @@
     </p:spTree>
     <p:extLst>
       <p:ext uri="{BB962C8B-B14F-4D97-AF65-F5344CB8AC3E}">
-        <p14:creationId xmlns:p14="http://schemas.microsoft.com/office/powerpoint/2010/main" val="3216531355"/>
+        <p14:creationId xmlns:p14="http://schemas.microsoft.com/office/powerpoint/2010/main" val="3918595332"/>
       </p:ext>
     </p:extLst>
   </p:cSld>
@@ -13045,26 +13090,6 @@
 </file>
 
 <file path=customXml/item2.xml><?xml version="1.0" encoding="utf-8"?>
-<p:properties xmlns:p="http://schemas.microsoft.com/office/2006/metadata/properties" xmlns:xsi="http://www.w3.org/2001/XMLSchema-instance" xmlns:pc="http://schemas.microsoft.com/office/infopath/2007/PartnerControls">
-  <documentManagement>
-    <_ip_UnifiedCompliancePolicyUIAction xmlns="http://schemas.microsoft.com/sharepoint/v3" xsi:nil="true"/>
-    <Image xmlns="71af3243-3dd4-4a8d-8c0d-dd76da1f02a5">
-      <Url xsi:nil="true"/>
-      <Description xsi:nil="true"/>
-    </Image>
-    <Status xmlns="71af3243-3dd4-4a8d-8c0d-dd76da1f02a5">Not started</Status>
-    <Background xmlns="71af3243-3dd4-4a8d-8c0d-dd76da1f02a5">false</Background>
-    <_ip_UnifiedCompliancePolicyProperties xmlns="http://schemas.microsoft.com/sharepoint/v3" xsi:nil="true"/>
-    <ImageTagsTaxHTField xmlns="71af3243-3dd4-4a8d-8c0d-dd76da1f02a5">
-      <Terms xmlns="http://schemas.microsoft.com/office/infopath/2007/PartnerControls"/>
-    </ImageTagsTaxHTField>
-    <TaxCatchAll xmlns="230e9df3-be65-4c73-a93b-d1236ebd677e" xsi:nil="true"/>
-    <MediaServiceKeyPoints xmlns="71af3243-3dd4-4a8d-8c0d-dd76da1f02a5" xsi:nil="true"/>
-  </documentManagement>
-</p:properties>
-</file>
-
-<file path=customXml/item3.xml><?xml version="1.0" encoding="utf-8"?>
 <ct:contentTypeSchema xmlns:ct="http://schemas.microsoft.com/office/2006/metadata/contentType" xmlns:ma="http://schemas.microsoft.com/office/2006/metadata/properties/metaAttributes" ct:_="" ma:_="" ma:contentTypeName="Document" ma:contentTypeID="0x01010079F111ED35F8CC479449609E8A0923A6" ma:contentTypeVersion="27" ma:contentTypeDescription="Create a new document." ma:contentTypeScope="" ma:versionID="c6f9a84f66a9c8b9a21755b9ffafb945">
   <xsd:schema xmlns:xsd="http://www.w3.org/2001/XMLSchema" xmlns:xs="http://www.w3.org/2001/XMLSchema" xmlns:p="http://schemas.microsoft.com/office/2006/metadata/properties" xmlns:ns1="http://schemas.microsoft.com/sharepoint/v3" xmlns:ns2="71af3243-3dd4-4a8d-8c0d-dd76da1f02a5" xmlns:ns3="16c05727-aa75-4e4a-9b5f-8a80a1165891" xmlns:ns4="230e9df3-be65-4c73-a93b-d1236ebd677e" targetNamespace="http://schemas.microsoft.com/office/2006/metadata/properties" ma:root="true" ma:fieldsID="27df39e3e7036dff54f89ddd5805ce72" ns1:_="" ns2:_="" ns3:_="" ns4:_="">
     <xsd:import namespace="http://schemas.microsoft.com/sharepoint/v3"/>
@@ -13370,6 +13395,26 @@
 </ct:contentTypeSchema>
 </file>
 
+<file path=customXml/item3.xml><?xml version="1.0" encoding="utf-8"?>
+<p:properties xmlns:p="http://schemas.microsoft.com/office/2006/metadata/properties" xmlns:xsi="http://www.w3.org/2001/XMLSchema-instance" xmlns:pc="http://schemas.microsoft.com/office/infopath/2007/PartnerControls">
+  <documentManagement>
+    <_ip_UnifiedCompliancePolicyUIAction xmlns="http://schemas.microsoft.com/sharepoint/v3" xsi:nil="true"/>
+    <Image xmlns="71af3243-3dd4-4a8d-8c0d-dd76da1f02a5">
+      <Url xsi:nil="true"/>
+      <Description xsi:nil="true"/>
+    </Image>
+    <Status xmlns="71af3243-3dd4-4a8d-8c0d-dd76da1f02a5">Not started</Status>
+    <Background xmlns="71af3243-3dd4-4a8d-8c0d-dd76da1f02a5">false</Background>
+    <_ip_UnifiedCompliancePolicyProperties xmlns="http://schemas.microsoft.com/sharepoint/v3" xsi:nil="true"/>
+    <ImageTagsTaxHTField xmlns="71af3243-3dd4-4a8d-8c0d-dd76da1f02a5">
+      <Terms xmlns="http://schemas.microsoft.com/office/infopath/2007/PartnerControls"/>
+    </ImageTagsTaxHTField>
+    <TaxCatchAll xmlns="230e9df3-be65-4c73-a93b-d1236ebd677e" xsi:nil="true"/>
+    <MediaServiceKeyPoints xmlns="71af3243-3dd4-4a8d-8c0d-dd76da1f02a5" xsi:nil="true"/>
+  </documentManagement>
+</p:properties>
+</file>
+
 <file path=customXml/itemProps1.xml><?xml version="1.0" encoding="utf-8"?>
 <ds:datastoreItem xmlns:ds="http://schemas.openxmlformats.org/officeDocument/2006/customXml" ds:itemID="{342D3C2F-55A5-48C0-9D5A-95C7FF0389D0}">
   <ds:schemaRefs>
@@ -13379,18 +13424,6 @@
 </file>
 
 <file path=customXml/itemProps2.xml><?xml version="1.0" encoding="utf-8"?>
-<ds:datastoreItem xmlns:ds="http://schemas.openxmlformats.org/officeDocument/2006/customXml" ds:itemID="{3791575F-4C21-47C4-8D13-EB9BE66B536F}">
-  <ds:schemaRefs>
-    <ds:schemaRef ds:uri="http://schemas.microsoft.com/office/2006/metadata/properties"/>
-    <ds:schemaRef ds:uri="http://schemas.microsoft.com/office/infopath/2007/PartnerControls"/>
-    <ds:schemaRef ds:uri="http://schemas.microsoft.com/sharepoint/v3"/>
-    <ds:schemaRef ds:uri="71af3243-3dd4-4a8d-8c0d-dd76da1f02a5"/>
-    <ds:schemaRef ds:uri="230e9df3-be65-4c73-a93b-d1236ebd677e"/>
-  </ds:schemaRefs>
-</ds:datastoreItem>
-</file>
-
-<file path=customXml/itemProps3.xml><?xml version="1.0" encoding="utf-8"?>
 <ds:datastoreItem xmlns:ds="http://schemas.openxmlformats.org/officeDocument/2006/customXml" ds:itemID="{792209EB-3212-4116-B574-D1F56C7C4922}">
   <ds:schemaRefs>
     <ds:schemaRef ds:uri="http://schemas.microsoft.com/office/2006/metadata/contentType"/>
@@ -13409,4 +13442,16 @@
     <ds:schemaRef ds:uri="http://schemas.microsoft.com/internal/obd"/>
   </ds:schemaRefs>
 </ds:datastoreItem>
+</file>
+
+<file path=customXml/itemProps3.xml><?xml version="1.0" encoding="utf-8"?>
+<ds:datastoreItem xmlns:ds="http://schemas.openxmlformats.org/officeDocument/2006/customXml" ds:itemID="{3791575F-4C21-47C4-8D13-EB9BE66B536F}">
+  <ds:schemaRefs>
+    <ds:schemaRef ds:uri="http://schemas.microsoft.com/office/2006/metadata/properties"/>
+    <ds:schemaRef ds:uri="http://schemas.microsoft.com/office/infopath/2007/PartnerControls"/>
+    <ds:schemaRef ds:uri="http://schemas.microsoft.com/sharepoint/v3"/>
+    <ds:schemaRef ds:uri="71af3243-3dd4-4a8d-8c0d-dd76da1f02a5"/>
+    <ds:schemaRef ds:uri="230e9df3-be65-4c73-a93b-d1236ebd677e"/>
+  </ds:schemaRefs>
+</ds:datastoreItem>
 </file>
--- a/Documents/BDM-3035.pptx
+++ b/Documents/BDM-3035.pptx
@@ -18,9 +18,9 @@
     <p:sldId id="267" r:id="rId9"/>
     <p:sldId id="269" r:id="rId10"/>
     <p:sldId id="270" r:id="rId11"/>
-    <p:sldId id="268" r:id="rId12"/>
-    <p:sldId id="281" r:id="rId13"/>
-    <p:sldId id="282" r:id="rId14"/>
+    <p:sldId id="281" r:id="rId12"/>
+    <p:sldId id="282" r:id="rId13"/>
+    <p:sldId id="268" r:id="rId14"/>
     <p:sldId id="272" r:id="rId15"/>
     <p:sldId id="273" r:id="rId16"/>
     <p:sldId id="274" r:id="rId17"/>
@@ -494,6 +494,7 @@
     </c:legend>
     <c:plotVisOnly val="1"/>
     <c:dispBlanksAs val="gap"/>
+    <c:showDLblsOverMax val="0"/>
     <c:extLst>
       <c:ext xmlns:c16r3="http://schemas.microsoft.com/office/drawing/2017/03/chart" uri="{56B9EC1D-385E-4148-901F-78D8002777C0}">
         <c16r3:dataDisplayOptions16>
@@ -501,7 +502,6 @@
         </c16r3:dataDisplayOptions16>
       </c:ext>
     </c:extLst>
-    <c:showDLblsOverMax val="0"/>
   </c:chart>
   <c:spPr>
     <a:solidFill>
@@ -1172,7 +1172,7 @@
           <a:p>
             <a:fld id="{AF869721-F543-4A6C-BF9D-65D7CC540427}" type="datetimeFigureOut">
               <a:rPr lang="en-US" smtClean="0"/>
-              <a:t>8/12/2024</a:t>
+              <a:t>8/13/2024</a:t>
             </a:fld>
             <a:endParaRPr lang="en-US" dirty="0"/>
           </a:p>
@@ -1349,7 +1349,7 @@
           <a:p>
             <a:fld id="{C732326A-4C88-4AFB-AA5B-5919D81DFF5B}" type="datetimeFigureOut">
               <a:rPr lang="en-US" smtClean="0"/>
-              <a:t>8/12/2024</a:t>
+              <a:t>8/13/2024</a:t>
             </a:fld>
             <a:endParaRPr lang="en-US" dirty="0"/>
           </a:p>
@@ -2698,7 +2698,7 @@
     </p:spTree>
     <p:extLst>
       <p:ext uri="{BB962C8B-B14F-4D97-AF65-F5344CB8AC3E}">
-        <p14:creationId xmlns:p14="http://schemas.microsoft.com/office/powerpoint/2010/main" val="2230892122"/>
+        <p14:creationId xmlns:p14="http://schemas.microsoft.com/office/powerpoint/2010/main" val="3894042866"/>
       </p:ext>
     </p:extLst>
   </p:cSld>
@@ -2782,7 +2782,7 @@
     </p:spTree>
     <p:extLst>
       <p:ext uri="{BB962C8B-B14F-4D97-AF65-F5344CB8AC3E}">
-        <p14:creationId xmlns:p14="http://schemas.microsoft.com/office/powerpoint/2010/main" val="3894042866"/>
+        <p14:creationId xmlns:p14="http://schemas.microsoft.com/office/powerpoint/2010/main" val="3659975290"/>
       </p:ext>
     </p:extLst>
   </p:cSld>
@@ -2866,7 +2866,7 @@
     </p:spTree>
     <p:extLst>
       <p:ext uri="{BB962C8B-B14F-4D97-AF65-F5344CB8AC3E}">
-        <p14:creationId xmlns:p14="http://schemas.microsoft.com/office/powerpoint/2010/main" val="3659975290"/>
+        <p14:creationId xmlns:p14="http://schemas.microsoft.com/office/powerpoint/2010/main" val="2230892122"/>
       </p:ext>
     </p:extLst>
   </p:cSld>
@@ -3206,7 +3206,7 @@
             <a:fld id="{B61BEF0D-F0BB-DE4B-95CE-6DB70DBA9567}" type="datetimeFigureOut">
               <a:rPr lang="en-US" smtClean="0"/>
               <a:pPr/>
-              <a:t>8/12/2024</a:t>
+              <a:t>8/13/2024</a:t>
             </a:fld>
             <a:endParaRPr lang="en-US" dirty="0"/>
           </a:p>
@@ -3470,7 +3470,7 @@
             <a:fld id="{B61BEF0D-F0BB-DE4B-95CE-6DB70DBA9567}" type="datetimeFigureOut">
               <a:rPr lang="en-US" smtClean="0"/>
               <a:pPr/>
-              <a:t>8/12/2024</a:t>
+              <a:t>8/13/2024</a:t>
             </a:fld>
             <a:endParaRPr lang="en-US" dirty="0"/>
           </a:p>
@@ -3707,7 +3707,7 @@
             <a:fld id="{B61BEF0D-F0BB-DE4B-95CE-6DB70DBA9567}" type="datetimeFigureOut">
               <a:rPr lang="en-US" smtClean="0"/>
               <a:pPr/>
-              <a:t>8/12/2024</a:t>
+              <a:t>8/13/2024</a:t>
             </a:fld>
             <a:endParaRPr lang="en-US" dirty="0"/>
           </a:p>
@@ -3949,7 +3949,7 @@
             <a:fld id="{B61BEF0D-F0BB-DE4B-95CE-6DB70DBA9567}" type="datetimeFigureOut">
               <a:rPr lang="en-US" smtClean="0"/>
               <a:pPr/>
-              <a:t>8/12/2024</a:t>
+              <a:t>8/13/2024</a:t>
             </a:fld>
             <a:endParaRPr lang="en-US" dirty="0"/>
           </a:p>
@@ -4258,7 +4258,7 @@
             <a:fld id="{B61BEF0D-F0BB-DE4B-95CE-6DB70DBA9567}" type="datetimeFigureOut">
               <a:rPr lang="en-US" smtClean="0"/>
               <a:pPr/>
-              <a:t>8/12/2024</a:t>
+              <a:t>8/13/2024</a:t>
             </a:fld>
             <a:endParaRPr lang="en-US" dirty="0"/>
           </a:p>
@@ -4562,7 +4562,7 @@
             <a:fld id="{B61BEF0D-F0BB-DE4B-95CE-6DB70DBA9567}" type="datetimeFigureOut">
               <a:rPr lang="en-US" smtClean="0"/>
               <a:pPr/>
-              <a:t>8/12/2024</a:t>
+              <a:t>8/13/2024</a:t>
             </a:fld>
             <a:endParaRPr lang="en-US" dirty="0"/>
           </a:p>
@@ -4986,7 +4986,7 @@
             <a:fld id="{B61BEF0D-F0BB-DE4B-95CE-6DB70DBA9567}" type="datetimeFigureOut">
               <a:rPr lang="en-US" smtClean="0"/>
               <a:pPr/>
-              <a:t>8/12/2024</a:t>
+              <a:t>8/13/2024</a:t>
             </a:fld>
             <a:endParaRPr lang="en-US" dirty="0"/>
           </a:p>
@@ -5083,7 +5083,7 @@
             <a:fld id="{B61BEF0D-F0BB-DE4B-95CE-6DB70DBA9567}" type="datetimeFigureOut">
               <a:rPr lang="en-US" smtClean="0"/>
               <a:pPr/>
-              <a:t>8/12/2024</a:t>
+              <a:t>8/13/2024</a:t>
             </a:fld>
             <a:endParaRPr lang="en-US" dirty="0"/>
           </a:p>
@@ -5247,7 +5247,7 @@
             <a:fld id="{B61BEF0D-F0BB-DE4B-95CE-6DB70DBA9567}" type="datetimeFigureOut">
               <a:rPr lang="en-US" smtClean="0"/>
               <a:pPr/>
-              <a:t>8/12/2024</a:t>
+              <a:t>8/13/2024</a:t>
             </a:fld>
             <a:endParaRPr lang="en-US" dirty="0"/>
           </a:p>
@@ -5627,7 +5627,7 @@
             <a:fld id="{B61BEF0D-F0BB-DE4B-95CE-6DB70DBA9567}" type="datetimeFigureOut">
               <a:rPr lang="en-US" smtClean="0"/>
               <a:pPr/>
-              <a:t>8/12/2024</a:t>
+              <a:t>8/13/2024</a:t>
             </a:fld>
             <a:endParaRPr lang="en-US" dirty="0"/>
           </a:p>
@@ -5918,7 +5918,7 @@
             <a:fld id="{B61BEF0D-F0BB-DE4B-95CE-6DB70DBA9567}" type="datetimeFigureOut">
               <a:rPr lang="en-US" smtClean="0"/>
               <a:pPr/>
-              <a:t>8/12/2024</a:t>
+              <a:t>8/13/2024</a:t>
             </a:fld>
             <a:endParaRPr lang="en-US" dirty="0"/>
           </a:p>
@@ -6131,7 +6131,7 @@
             <a:fld id="{B61BEF0D-F0BB-DE4B-95CE-6DB70DBA9567}" type="datetimeFigureOut">
               <a:rPr lang="en-US" smtClean="0"/>
               <a:pPr/>
-              <a:t>8/12/2024</a:t>
+              <a:t>8/13/2024</a:t>
             </a:fld>
             <a:endParaRPr lang="en-US" dirty="0"/>
           </a:p>
@@ -6749,7 +6749,7 @@
                 <a16:creationId xmlns:a16="http://schemas.microsoft.com/office/drawing/2014/main" id="{493D4EDA-58E0-40CC-B3CA-14CDEB349D24}"/>
               </a:ext>
               <a:ext uri="{C183D7F6-B498-43B3-948B-1728B52AA6E4}">
-                <adec:decorative xmlns:adec="http://schemas.microsoft.com/office/drawing/2017/decorative" val="1"/>
+                <adec:decorative xmlns:adec="http://schemas.microsoft.com/office/drawing/2017/decorative" xmlns="" val="1"/>
               </a:ext>
             </a:extLst>
           </p:cNvPr>
@@ -6844,7 +6844,7 @@
                 <a16:creationId xmlns:a16="http://schemas.microsoft.com/office/drawing/2014/main" id="{AA9EB0BC-A85E-4C26-B355-5DFCEF6CCB49}"/>
               </a:ext>
               <a:ext uri="{C183D7F6-B498-43B3-948B-1728B52AA6E4}">
-                <adec:decorative xmlns:adec="http://schemas.microsoft.com/office/drawing/2017/decorative" val="1"/>
+                <adec:decorative xmlns:adec="http://schemas.microsoft.com/office/drawing/2017/decorative" xmlns="" val="1"/>
               </a:ext>
             </a:extLst>
           </p:cNvPr>
@@ -6875,7 +6875,7 @@
                   <a16:creationId xmlns:a16="http://schemas.microsoft.com/office/drawing/2014/main" id="{3643E56B-BD42-413D-B17D-7958270F5DE4}"/>
                 </a:ext>
                 <a:ext uri="{C183D7F6-B498-43B3-948B-1728B52AA6E4}">
-                  <adec:decorative xmlns:adec="http://schemas.microsoft.com/office/drawing/2017/decorative" val="1"/>
+                  <adec:decorative xmlns:adec="http://schemas.microsoft.com/office/drawing/2017/decorative" xmlns="" val="1"/>
                 </a:ext>
               </a:extLst>
             </p:cNvPr>
@@ -6934,7 +6934,7 @@
                   <a16:creationId xmlns:a16="http://schemas.microsoft.com/office/drawing/2014/main" id="{96C04F74-9467-4FA5-95DC-8D481A29740E}"/>
                 </a:ext>
                 <a:ext uri="{C183D7F6-B498-43B3-948B-1728B52AA6E4}">
-                  <adec:decorative xmlns:adec="http://schemas.microsoft.com/office/drawing/2017/decorative" val="1"/>
+                  <adec:decorative xmlns:adec="http://schemas.microsoft.com/office/drawing/2017/decorative" xmlns="" val="1"/>
                 </a:ext>
               </a:extLst>
             </p:cNvPr>
@@ -6993,7 +6993,7 @@
                   <a16:creationId xmlns:a16="http://schemas.microsoft.com/office/drawing/2014/main" id="{D73DE1C3-5C37-42E9-A3F0-256F1938327C}"/>
                 </a:ext>
                 <a:ext uri="{C183D7F6-B498-43B3-948B-1728B52AA6E4}">
-                  <adec:decorative xmlns:adec="http://schemas.microsoft.com/office/drawing/2017/decorative" val="1"/>
+                  <adec:decorative xmlns:adec="http://schemas.microsoft.com/office/drawing/2017/decorative" xmlns="" val="1"/>
                 </a:ext>
               </a:extLst>
             </p:cNvPr>
@@ -7053,7 +7053,7 @@
                 <a16:creationId xmlns:a16="http://schemas.microsoft.com/office/drawing/2014/main" id="{4A2E7EC3-E07C-46CE-9B25-41865A50681C}"/>
               </a:ext>
               <a:ext uri="{C183D7F6-B498-43B3-948B-1728B52AA6E4}">
-                <adec:decorative xmlns:adec="http://schemas.microsoft.com/office/drawing/2017/decorative" val="1"/>
+                <adec:decorative xmlns:adec="http://schemas.microsoft.com/office/drawing/2017/decorative" xmlns="" val="1"/>
               </a:ext>
             </a:extLst>
           </p:cNvPr>
@@ -7209,6 +7209,14 @@
 <file path=ppt/slides/slide10.xml><?xml version="1.0" encoding="utf-8"?>
 <p:sld xmlns:a="http://schemas.openxmlformats.org/drawingml/2006/main" xmlns:r="http://schemas.openxmlformats.org/officeDocument/2006/relationships" xmlns:p="http://schemas.openxmlformats.org/presentationml/2006/main">
   <p:cSld>
+    <p:bg>
+      <p:bgPr>
+        <a:solidFill>
+          <a:schemeClr val="bg1"/>
+        </a:solidFill>
+        <a:effectLst/>
+      </p:bgPr>
+    </p:bg>
     <p:spTree>
       <p:nvGrpSpPr>
         <p:cNvPr id="1" name=""/>
@@ -7275,8 +7283,8 @@
         </p:nvSpPr>
         <p:spPr>
           <a:xfrm>
-            <a:off x="243735" y="1941010"/>
-            <a:ext cx="11476317" cy="4443824"/>
+            <a:off x="581192" y="2180496"/>
+            <a:ext cx="11029615" cy="4443824"/>
           </a:xfrm>
         </p:spPr>
         <p:txBody>
@@ -7285,94 +7293,158 @@
           </a:bodyPr>
           <a:lstStyle/>
           <a:p>
-            <a:pPr lvl="1" algn="just"/>
+            <a:pPr algn="just"/>
+            <a:r>
+              <a:rPr lang="en-US" sz="2800" dirty="0">
+                <a:latin typeface="Gill Sans MT (Body)"/>
+                <a:ea typeface="Aptos" panose="020B0004020202020204" pitchFamily="34" charset="0"/>
+              </a:rPr>
+              <a:t>We created a CNN (Convolutional Neural Network), by using </a:t>
+            </a:r>
             <a:r>
               <a:rPr lang="en-US" sz="2800" dirty="0">
                 <a:latin typeface="Gill Sans MT (Body)"/>
                 <a:ea typeface="Aptos" panose="020B0004020202020204" pitchFamily="34" charset="0"/>
                 <a:sym typeface="Wingdings" panose="05000000000000000000" pitchFamily="2" charset="2"/>
               </a:rPr>
-              <a:t>VGG16</a:t>
-            </a:r>
-          </a:p>
-          <a:p>
-            <a:pPr lvl="2" algn="just">
+              <a:t>Tensorflow, Keras, GlobalMaxPooling2D, VGG16, among others</a:t>
+            </a:r>
+          </a:p>
+          <a:p>
+            <a:pPr algn="just"/>
+            <a:endParaRPr lang="en-US" sz="2800" dirty="0">
+              <a:latin typeface="Gill Sans MT (Body)"/>
+              <a:ea typeface="Aptos" panose="020B0004020202020204" pitchFamily="34" charset="0"/>
+              <a:sym typeface="Wingdings" panose="05000000000000000000" pitchFamily="2" charset="2"/>
+            </a:endParaRPr>
+          </a:p>
+          <a:p>
+            <a:pPr lvl="1" algn="just">
               <a:buFont typeface="Wingdings" panose="05000000000000000000" pitchFamily="2" charset="2"/>
               <a:buChar char="Ø"/>
             </a:pPr>
             <a:r>
-              <a:rPr lang="en-US" sz="2400" dirty="0">
+              <a:rPr lang="en-US" sz="2000" dirty="0">
                 <a:latin typeface="Gill Sans MT (Body)"/>
                 <a:ea typeface="Aptos" panose="020B0004020202020204" pitchFamily="34" charset="0"/>
                 <a:sym typeface="Wingdings" panose="05000000000000000000" pitchFamily="2" charset="2"/>
               </a:rPr>
-              <a:t>It </a:t>
-            </a:r>
-            <a:r>
-              <a:rPr lang="en-US" sz="2400" dirty="0">
-                <a:latin typeface="Gill Sans MT (Body)"/>
-              </a:rPr>
-              <a:t>is a convolutional neural network (CNN) architecture that was proposed by the Visual Geometry Group (VGG) at the University of Oxford.</a:t>
-            </a:r>
-          </a:p>
-          <a:p>
-            <a:pPr lvl="2" algn="just">
+              <a:t>Input layer shape (120,120,3)  (height, width, RGB)</a:t>
+            </a:r>
+          </a:p>
+          <a:p>
+            <a:pPr lvl="1" algn="just">
               <a:buFont typeface="Wingdings" panose="05000000000000000000" pitchFamily="2" charset="2"/>
               <a:buChar char="Ø"/>
             </a:pPr>
             <a:r>
-              <a:rPr lang="en-US" sz="2400" dirty="0">
+              <a:rPr lang="en-US" sz="2000" dirty="0">
                 <a:latin typeface="Gill Sans MT (Body)"/>
-              </a:rPr>
-              <a:t>It is one of the most well-known deep learning models for image classification.</a:t>
-            </a:r>
-          </a:p>
-          <a:p>
-            <a:pPr lvl="2" algn="just"/>
-            <a:endParaRPr lang="en-US" sz="2400" dirty="0">
-              <a:latin typeface="Gill Sans MT (Body)"/>
-              <a:sym typeface="Wingdings" panose="05000000000000000000" pitchFamily="2" charset="2"/>
-            </a:endParaRPr>
-          </a:p>
-          <a:p>
-            <a:pPr lvl="1" algn="just"/>
-            <a:r>
-              <a:rPr lang="en-US" sz="2800" dirty="0">
-                <a:latin typeface="Gill Sans MT (Body)"/>
-              </a:rPr>
-              <a:t>GlobalMaxPooling2D</a:t>
-            </a:r>
-          </a:p>
-          <a:p>
-            <a:pPr lvl="2" algn="just">
+                <a:ea typeface="Aptos" panose="020B0004020202020204" pitchFamily="34" charset="0"/>
+                <a:sym typeface="Wingdings" panose="05000000000000000000" pitchFamily="2" charset="2"/>
+              </a:rPr>
+              <a:t>VGG16 layer</a:t>
+            </a:r>
+          </a:p>
+          <a:p>
+            <a:pPr lvl="1" algn="just">
               <a:buFont typeface="Wingdings" panose="05000000000000000000" pitchFamily="2" charset="2"/>
               <a:buChar char="Ø"/>
             </a:pPr>
             <a:r>
-              <a:rPr lang="en-US" sz="2400" dirty="0">
+              <a:rPr lang="en-US" sz="2000" dirty="0">
                 <a:latin typeface="Gill Sans MT (Body)"/>
-              </a:rPr>
-              <a:t>It is a pooling operation commonly used in convolutional neural networks.</a:t>
-            </a:r>
-          </a:p>
-          <a:p>
-            <a:pPr lvl="2" algn="just">
+                <a:ea typeface="Aptos" panose="020B0004020202020204" pitchFamily="34" charset="0"/>
+                <a:sym typeface="Wingdings" panose="05000000000000000000" pitchFamily="2" charset="2"/>
+              </a:rPr>
+              <a:t>GlobalMaxPooling2D layer for Classification  2048 units</a:t>
+            </a:r>
+          </a:p>
+          <a:p>
+            <a:pPr lvl="1" algn="just">
               <a:buFont typeface="Wingdings" panose="05000000000000000000" pitchFamily="2" charset="2"/>
               <a:buChar char="Ø"/>
             </a:pPr>
             <a:r>
-              <a:rPr lang="en-US" sz="2400" dirty="0">
+              <a:rPr lang="en-US" sz="2000" dirty="0">
                 <a:latin typeface="Gill Sans MT (Body)"/>
-              </a:rPr>
-              <a:t>It reduces the spatial dimensions (height and width) of the input while retaining the most important features.</a:t>
-            </a:r>
+                <a:ea typeface="Aptos" panose="020B0004020202020204" pitchFamily="34" charset="0"/>
+                <a:sym typeface="Wingdings" panose="05000000000000000000" pitchFamily="2" charset="2"/>
+              </a:rPr>
+              <a:t>GlobalMaxPooling2D layer for Regression  2048 units</a:t>
+            </a:r>
+            <a:endParaRPr lang="en-US" sz="2000" dirty="0">
+              <a:latin typeface="Gill Sans MT (Body)"/>
+              <a:ea typeface="Aptos" panose="020B0004020202020204" pitchFamily="34" charset="0"/>
+            </a:endParaRPr>
+          </a:p>
+          <a:p>
+            <a:pPr lvl="1" algn="just">
+              <a:buFont typeface="Wingdings" panose="05000000000000000000" pitchFamily="2" charset="2"/>
+              <a:buChar char="Ø"/>
+            </a:pPr>
+            <a:r>
+              <a:rPr lang="en-US" sz="2000" dirty="0">
+                <a:latin typeface="Gill Sans MT (Body)"/>
+                <a:ea typeface="Aptos" panose="020B0004020202020204" pitchFamily="34" charset="0"/>
+              </a:rPr>
+              <a:t>Output layer for Classification </a:t>
+            </a:r>
+            <a:r>
+              <a:rPr lang="en-US" sz="2000" dirty="0">
+                <a:latin typeface="Gill Sans MT (Body)"/>
+                <a:ea typeface="Aptos" panose="020B0004020202020204" pitchFamily="34" charset="0"/>
+                <a:sym typeface="Wingdings" panose="05000000000000000000" pitchFamily="2" charset="2"/>
+              </a:rPr>
+              <a:t> </a:t>
+            </a:r>
+            <a:r>
+              <a:rPr lang="en-US" sz="2000" b="1" dirty="0">
+                <a:latin typeface="Gill Sans MT (Body)"/>
+                <a:ea typeface="Aptos" panose="020B0004020202020204" pitchFamily="34" charset="0"/>
+                <a:sym typeface="Wingdings" panose="05000000000000000000" pitchFamily="2" charset="2"/>
+              </a:rPr>
+              <a:t>Classes</a:t>
+            </a:r>
+          </a:p>
+          <a:p>
+            <a:pPr lvl="1" algn="just">
+              <a:buFont typeface="Wingdings" panose="05000000000000000000" pitchFamily="2" charset="2"/>
+              <a:buChar char="Ø"/>
+            </a:pPr>
+            <a:r>
+              <a:rPr lang="en-US" sz="2000" dirty="0">
+                <a:latin typeface="Gill Sans MT (Body)"/>
+                <a:ea typeface="Aptos" panose="020B0004020202020204" pitchFamily="34" charset="0"/>
+                <a:sym typeface="Wingdings" panose="05000000000000000000" pitchFamily="2" charset="2"/>
+              </a:rPr>
+              <a:t>Output layer for Regression  </a:t>
+            </a:r>
+            <a:r>
+              <a:rPr lang="en-US" sz="2000" b="1" dirty="0">
+                <a:latin typeface="Gill Sans MT (Body)"/>
+                <a:ea typeface="Aptos" panose="020B0004020202020204" pitchFamily="34" charset="0"/>
+                <a:sym typeface="Wingdings" panose="05000000000000000000" pitchFamily="2" charset="2"/>
+              </a:rPr>
+              <a:t>Coordinates</a:t>
+            </a:r>
+          </a:p>
+          <a:p>
+            <a:pPr lvl="1" algn="just">
+              <a:buFont typeface="Wingdings" panose="05000000000000000000" pitchFamily="2" charset="2"/>
+              <a:buChar char="Ø"/>
+            </a:pPr>
+            <a:endParaRPr lang="en-US" sz="2200" dirty="0">
+              <a:latin typeface="Gill Sans MT (Body)"/>
+              <a:ea typeface="Aptos" panose="020B0004020202020204" pitchFamily="34" charset="0"/>
+            </a:endParaRPr>
           </a:p>
         </p:txBody>
       </p:sp>
     </p:spTree>
     <p:extLst>
       <p:ext uri="{BB962C8B-B14F-4D97-AF65-F5344CB8AC3E}">
-        <p14:creationId xmlns:p14="http://schemas.microsoft.com/office/powerpoint/2010/main" val="3465300825"/>
+        <p14:creationId xmlns:p14="http://schemas.microsoft.com/office/powerpoint/2010/main" val="457384689"/>
       </p:ext>
     </p:extLst>
   </p:cSld>
@@ -7833,7 +7905,7 @@
         </p:spPr>
         <p:txBody>
           <a:bodyPr>
-            <a:normAutofit/>
+            <a:normAutofit fontScale="92500"/>
           </a:bodyPr>
           <a:lstStyle/>
           <a:p>
@@ -8187,7 +8259,7 @@
         </p:spPr>
         <p:txBody>
           <a:bodyPr>
-            <a:normAutofit lnSpcReduction="10000"/>
+            <a:normAutofit fontScale="92500"/>
           </a:bodyPr>
           <a:lstStyle/>
           <a:p>
@@ -9459,7 +9531,7 @@
                 <a16:creationId xmlns:a16="http://schemas.microsoft.com/office/drawing/2014/main" id="{379F11E2-8BA5-4C5C-AE7C-361E5EA011FF}"/>
               </a:ext>
               <a:ext uri="{C183D7F6-B498-43B3-948B-1728B52AA6E4}">
-                <adec:decorative xmlns:adec="http://schemas.microsoft.com/office/drawing/2017/decorative" val="1"/>
+                <adec:decorative xmlns:adec="http://schemas.microsoft.com/office/drawing/2017/decorative" xmlns="" val="1"/>
               </a:ext>
             </a:extLst>
           </p:cNvPr>
@@ -9519,7 +9591,7 @@
                 <a16:creationId xmlns:a16="http://schemas.microsoft.com/office/drawing/2014/main" id="{7C00E1DA-EC7C-40FC-95E3-11FDCD2E4291}"/>
               </a:ext>
               <a:ext uri="{C183D7F6-B498-43B3-948B-1728B52AA6E4}">
-                <adec:decorative xmlns:adec="http://schemas.microsoft.com/office/drawing/2017/decorative" val="1"/>
+                <adec:decorative xmlns:adec="http://schemas.microsoft.com/office/drawing/2017/decorative" xmlns="" val="1"/>
               </a:ext>
             </a:extLst>
           </p:cNvPr>
@@ -9580,7 +9652,7 @@
                 <a16:creationId xmlns:a16="http://schemas.microsoft.com/office/drawing/2014/main" id="{9A421166-2996-41A7-B094-AE5316F347DD}"/>
               </a:ext>
               <a:ext uri="{C183D7F6-B498-43B3-948B-1728B52AA6E4}">
-                <adec:decorative xmlns:adec="http://schemas.microsoft.com/office/drawing/2017/decorative" val="1"/>
+                <adec:decorative xmlns:adec="http://schemas.microsoft.com/office/drawing/2017/decorative" xmlns="" val="1"/>
               </a:ext>
             </a:extLst>
           </p:cNvPr>
@@ -9611,7 +9683,7 @@
                   <a16:creationId xmlns:a16="http://schemas.microsoft.com/office/drawing/2014/main" id="{FDBB1B92-A3EB-43E4-8FAB-D20E8ED14CEF}"/>
                 </a:ext>
                 <a:ext uri="{C183D7F6-B498-43B3-948B-1728B52AA6E4}">
-                  <adec:decorative xmlns:adec="http://schemas.microsoft.com/office/drawing/2017/decorative" val="1"/>
+                  <adec:decorative xmlns:adec="http://schemas.microsoft.com/office/drawing/2017/decorative" xmlns="" val="1"/>
                 </a:ext>
               </a:extLst>
             </p:cNvPr>
@@ -9670,7 +9742,7 @@
                   <a16:creationId xmlns:a16="http://schemas.microsoft.com/office/drawing/2014/main" id="{3F3972F4-FE7E-48EA-AAD8-9BE5750A6672}"/>
                 </a:ext>
                 <a:ext uri="{C183D7F6-B498-43B3-948B-1728B52AA6E4}">
-                  <adec:decorative xmlns:adec="http://schemas.microsoft.com/office/drawing/2017/decorative" val="1"/>
+                  <adec:decorative xmlns:adec="http://schemas.microsoft.com/office/drawing/2017/decorative" xmlns="" val="1"/>
                 </a:ext>
               </a:extLst>
             </p:cNvPr>
@@ -9729,7 +9801,7 @@
                   <a16:creationId xmlns:a16="http://schemas.microsoft.com/office/drawing/2014/main" id="{221614E5-870B-4D5E-A43B-8FF7E5323484}"/>
                 </a:ext>
                 <a:ext uri="{C183D7F6-B498-43B3-948B-1728B52AA6E4}">
-                  <adec:decorative xmlns:adec="http://schemas.microsoft.com/office/drawing/2017/decorative" val="1"/>
+                  <adec:decorative xmlns:adec="http://schemas.microsoft.com/office/drawing/2017/decorative" xmlns="" val="1"/>
                 </a:ext>
               </a:extLst>
             </p:cNvPr>
@@ -10180,7 +10252,7 @@
                 <a16:creationId xmlns:a16="http://schemas.microsoft.com/office/drawing/2014/main" id="{4AE9D071-98CF-435C-BD2B-976514544DC5}"/>
               </a:ext>
               <a:ext uri="{C183D7F6-B498-43B3-948B-1728B52AA6E4}">
-                <adec:decorative xmlns:adec="http://schemas.microsoft.com/office/drawing/2017/decorative" val="1"/>
+                <adec:decorative xmlns:adec="http://schemas.microsoft.com/office/drawing/2017/decorative" xmlns="" val="1"/>
               </a:ext>
             </a:extLst>
           </p:cNvPr>
@@ -10275,7 +10347,7 @@
                 <a16:creationId xmlns:a16="http://schemas.microsoft.com/office/drawing/2014/main" id="{D619FC33-16ED-4246-9596-BEFEB55E4CF6}"/>
               </a:ext>
               <a:ext uri="{C183D7F6-B498-43B3-948B-1728B52AA6E4}">
-                <adec:decorative xmlns:adec="http://schemas.microsoft.com/office/drawing/2017/decorative" val="1"/>
+                <adec:decorative xmlns:adec="http://schemas.microsoft.com/office/drawing/2017/decorative" xmlns="" val="1"/>
               </a:ext>
             </a:extLst>
           </p:cNvPr>
@@ -10306,7 +10378,7 @@
                   <a16:creationId xmlns:a16="http://schemas.microsoft.com/office/drawing/2014/main" id="{2EEA80E1-F99F-4009-837F-2F72F8A5D580}"/>
                 </a:ext>
                 <a:ext uri="{C183D7F6-B498-43B3-948B-1728B52AA6E4}">
-                  <adec:decorative xmlns:adec="http://schemas.microsoft.com/office/drawing/2017/decorative" val="1"/>
+                  <adec:decorative xmlns:adec="http://schemas.microsoft.com/office/drawing/2017/decorative" xmlns="" val="1"/>
                 </a:ext>
               </a:extLst>
             </p:cNvPr>
@@ -10367,7 +10439,7 @@
                   <a16:creationId xmlns:a16="http://schemas.microsoft.com/office/drawing/2014/main" id="{0230AF9A-4641-4BD8-9F95-9607CD304039}"/>
                 </a:ext>
                 <a:ext uri="{C183D7F6-B498-43B3-948B-1728B52AA6E4}">
-                  <adec:decorative xmlns:adec="http://schemas.microsoft.com/office/drawing/2017/decorative" val="1"/>
+                  <adec:decorative xmlns:adec="http://schemas.microsoft.com/office/drawing/2017/decorative" xmlns="" val="1"/>
                 </a:ext>
               </a:extLst>
             </p:cNvPr>
@@ -10426,7 +10498,7 @@
                   <a16:creationId xmlns:a16="http://schemas.microsoft.com/office/drawing/2014/main" id="{8703D4EC-9389-41B6-B88B-B6FDC8CD3330}"/>
                 </a:ext>
                 <a:ext uri="{C183D7F6-B498-43B3-948B-1728B52AA6E4}">
-                  <adec:decorative xmlns:adec="http://schemas.microsoft.com/office/drawing/2017/decorative" val="1"/>
+                  <adec:decorative xmlns:adec="http://schemas.microsoft.com/office/drawing/2017/decorative" xmlns="" val="1"/>
                 </a:ext>
               </a:extLst>
             </p:cNvPr>
@@ -11799,14 +11871,6 @@
 <file path=ppt/slides/slide8.xml><?xml version="1.0" encoding="utf-8"?>
 <p:sld xmlns:a="http://schemas.openxmlformats.org/drawingml/2006/main" xmlns:r="http://schemas.openxmlformats.org/officeDocument/2006/relationships" xmlns:p="http://schemas.openxmlformats.org/presentationml/2006/main">
   <p:cSld>
-    <p:bg>
-      <p:bgPr>
-        <a:solidFill>
-          <a:schemeClr val="bg1"/>
-        </a:solidFill>
-        <a:effectLst/>
-      </p:bgPr>
-    </p:bg>
     <p:spTree>
       <p:nvGrpSpPr>
         <p:cNvPr id="1" name=""/>
@@ -11873,7 +11937,7 @@
         </p:nvSpPr>
         <p:spPr>
           <a:xfrm>
-            <a:off x="581192" y="2180496"/>
+            <a:off x="383806" y="1628473"/>
             <a:ext cx="11029615" cy="4443824"/>
           </a:xfrm>
         </p:spPr>
@@ -11883,150 +11947,87 @@
           </a:bodyPr>
           <a:lstStyle/>
           <a:p>
-            <a:pPr algn="just"/>
-            <a:r>
-              <a:rPr lang="en-US" sz="2800" dirty="0">
-                <a:latin typeface="Gill Sans MT (Body)"/>
-                <a:ea typeface="Aptos" panose="020B0004020202020204" pitchFamily="34" charset="0"/>
-              </a:rPr>
-              <a:t>We created a CNN (Convolutional Neural Network), by using </a:t>
-            </a:r>
+            <a:pPr lvl="1" algn="just"/>
             <a:r>
               <a:rPr lang="en-US" sz="2800" dirty="0">
                 <a:latin typeface="Gill Sans MT (Body)"/>
                 <a:ea typeface="Aptos" panose="020B0004020202020204" pitchFamily="34" charset="0"/>
                 <a:sym typeface="Wingdings" panose="05000000000000000000" pitchFamily="2" charset="2"/>
               </a:rPr>
-              <a:t>Tensorflow, Keras, GlobalMaxPooling2D, VGG16, among others</a:t>
-            </a:r>
-          </a:p>
-          <a:p>
-            <a:pPr algn="just"/>
-            <a:endParaRPr lang="en-US" sz="2800" dirty="0">
-              <a:latin typeface="Gill Sans MT (Body)"/>
-              <a:ea typeface="Aptos" panose="020B0004020202020204" pitchFamily="34" charset="0"/>
-              <a:sym typeface="Wingdings" panose="05000000000000000000" pitchFamily="2" charset="2"/>
-            </a:endParaRPr>
-          </a:p>
-          <a:p>
-            <a:pPr lvl="1" algn="just">
+              <a:t>TensorFlow</a:t>
+            </a:r>
+          </a:p>
+          <a:p>
+            <a:pPr lvl="2" algn="just">
               <a:buFont typeface="Wingdings" panose="05000000000000000000" pitchFamily="2" charset="2"/>
               <a:buChar char="Ø"/>
             </a:pPr>
             <a:r>
-              <a:rPr lang="en-US" sz="2000" dirty="0">
+              <a:rPr lang="en-US" sz="2400" dirty="0">
                 <a:latin typeface="Gill Sans MT (Body)"/>
-                <a:ea typeface="Aptos" panose="020B0004020202020204" pitchFamily="34" charset="0"/>
                 <a:sym typeface="Wingdings" panose="05000000000000000000" pitchFamily="2" charset="2"/>
               </a:rPr>
-              <a:t>Input layer shape (120,120,3)  (height, width, RGB)</a:t>
-            </a:r>
-          </a:p>
-          <a:p>
-            <a:pPr lvl="1" algn="just">
+              <a:t>It </a:t>
+            </a:r>
+            <a:r>
+              <a:rPr lang="en-US" sz="2400" dirty="0">
+                <a:latin typeface="Gill Sans MT (Body)"/>
+              </a:rPr>
+              <a:t>is an open-source machine learning framework developed by Google.</a:t>
+            </a:r>
+          </a:p>
+          <a:p>
+            <a:pPr lvl="2" algn="just">
               <a:buFont typeface="Wingdings" panose="05000000000000000000" pitchFamily="2" charset="2"/>
               <a:buChar char="Ø"/>
             </a:pPr>
             <a:r>
-              <a:rPr lang="en-US" sz="2000" dirty="0">
+              <a:rPr lang="en-US" sz="2400" dirty="0">
                 <a:latin typeface="Gill Sans MT (Body)"/>
-                <a:ea typeface="Aptos" panose="020B0004020202020204" pitchFamily="34" charset="0"/>
-                <a:sym typeface="Wingdings" panose="05000000000000000000" pitchFamily="2" charset="2"/>
-              </a:rPr>
-              <a:t>VGG16 layer</a:t>
-            </a:r>
-          </a:p>
-          <a:p>
-            <a:pPr lvl="1" algn="just">
+              </a:rPr>
+              <a:t>It's widely used for building and deploying machine learning models, particularly deep learning models.</a:t>
+            </a:r>
+          </a:p>
+          <a:p>
+            <a:pPr lvl="2" algn="just">
               <a:buFont typeface="Wingdings" panose="05000000000000000000" pitchFamily="2" charset="2"/>
               <a:buChar char="Ø"/>
             </a:pPr>
-            <a:r>
-              <a:rPr lang="en-US" sz="2000" dirty="0">
+            <a:endParaRPr lang="en-US" sz="2400" dirty="0">
+              <a:latin typeface="Gill Sans MT (Body)"/>
+            </a:endParaRPr>
+          </a:p>
+          <a:p>
+            <a:pPr lvl="1" algn="just"/>
+            <a:r>
+              <a:rPr lang="en-US" sz="2800" dirty="0">
                 <a:latin typeface="Gill Sans MT (Body)"/>
-                <a:ea typeface="Aptos" panose="020B0004020202020204" pitchFamily="34" charset="0"/>
                 <a:sym typeface="Wingdings" panose="05000000000000000000" pitchFamily="2" charset="2"/>
               </a:rPr>
-              <a:t>GlobalMaxPooling2D layer for Classification  2048 units</a:t>
-            </a:r>
-          </a:p>
-          <a:p>
-            <a:pPr lvl="1" algn="just">
+              <a:t>Keras</a:t>
+            </a:r>
+          </a:p>
+          <a:p>
+            <a:pPr lvl="2" algn="just">
               <a:buFont typeface="Wingdings" panose="05000000000000000000" pitchFamily="2" charset="2"/>
               <a:buChar char="Ø"/>
             </a:pPr>
             <a:r>
-              <a:rPr lang="en-US" sz="2000" dirty="0">
+              <a:rPr lang="en-US" sz="2400" dirty="0">
                 <a:latin typeface="Gill Sans MT (Body)"/>
-                <a:ea typeface="Aptos" panose="020B0004020202020204" pitchFamily="34" charset="0"/>
                 <a:sym typeface="Wingdings" panose="05000000000000000000" pitchFamily="2" charset="2"/>
               </a:rPr>
-              <a:t>GlobalMaxPooling2D layer for Regression  2048 units</a:t>
-            </a:r>
-            <a:endParaRPr lang="en-US" sz="2000" dirty="0">
+              <a:t>It </a:t>
+            </a:r>
+            <a:r>
+              <a:rPr lang="en-US" sz="2400" dirty="0">
+                <a:latin typeface="Gill Sans MT (Body)"/>
+              </a:rPr>
+              <a:t>is a high-level neural networks API, written in Python and capable of running on top of TensorFlow.</a:t>
+            </a:r>
+            <a:endParaRPr lang="en-US" sz="2400" dirty="0">
               <a:latin typeface="Gill Sans MT (Body)"/>
-              <a:ea typeface="Aptos" panose="020B0004020202020204" pitchFamily="34" charset="0"/>
-            </a:endParaRPr>
-          </a:p>
-          <a:p>
-            <a:pPr lvl="1" algn="just">
-              <a:buFont typeface="Wingdings" panose="05000000000000000000" pitchFamily="2" charset="2"/>
-              <a:buChar char="Ø"/>
-            </a:pPr>
-            <a:r>
-              <a:rPr lang="en-US" sz="2000" dirty="0">
-                <a:latin typeface="Gill Sans MT (Body)"/>
-                <a:ea typeface="Aptos" panose="020B0004020202020204" pitchFamily="34" charset="0"/>
-              </a:rPr>
-              <a:t>Output layer for Classification </a:t>
-            </a:r>
-            <a:r>
-              <a:rPr lang="en-US" sz="2000" dirty="0">
-                <a:latin typeface="Gill Sans MT (Body)"/>
-                <a:ea typeface="Aptos" panose="020B0004020202020204" pitchFamily="34" charset="0"/>
-                <a:sym typeface="Wingdings" panose="05000000000000000000" pitchFamily="2" charset="2"/>
-              </a:rPr>
-              <a:t> </a:t>
-            </a:r>
-            <a:r>
-              <a:rPr lang="en-US" sz="2000" b="1" dirty="0">
-                <a:latin typeface="Gill Sans MT (Body)"/>
-                <a:ea typeface="Aptos" panose="020B0004020202020204" pitchFamily="34" charset="0"/>
-                <a:sym typeface="Wingdings" panose="05000000000000000000" pitchFamily="2" charset="2"/>
-              </a:rPr>
-              <a:t>Classes</a:t>
-            </a:r>
-          </a:p>
-          <a:p>
-            <a:pPr lvl="1" algn="just">
-              <a:buFont typeface="Wingdings" panose="05000000000000000000" pitchFamily="2" charset="2"/>
-              <a:buChar char="Ø"/>
-            </a:pPr>
-            <a:r>
-              <a:rPr lang="en-US" sz="2000" dirty="0">
-                <a:latin typeface="Gill Sans MT (Body)"/>
-                <a:ea typeface="Aptos" panose="020B0004020202020204" pitchFamily="34" charset="0"/>
-                <a:sym typeface="Wingdings" panose="05000000000000000000" pitchFamily="2" charset="2"/>
-              </a:rPr>
-              <a:t>Output layer for Regression  </a:t>
-            </a:r>
-            <a:r>
-              <a:rPr lang="en-US" sz="2000" b="1" dirty="0">
-                <a:latin typeface="Gill Sans MT (Body)"/>
-                <a:ea typeface="Aptos" panose="020B0004020202020204" pitchFamily="34" charset="0"/>
-                <a:sym typeface="Wingdings" panose="05000000000000000000" pitchFamily="2" charset="2"/>
-              </a:rPr>
-              <a:t>Coordinates</a:t>
-            </a:r>
-          </a:p>
-          <a:p>
-            <a:pPr lvl="1" algn="just">
-              <a:buFont typeface="Wingdings" panose="05000000000000000000" pitchFamily="2" charset="2"/>
-              <a:buChar char="Ø"/>
-            </a:pPr>
-            <a:endParaRPr lang="en-US" sz="2200" dirty="0">
-              <a:latin typeface="Gill Sans MT (Body)"/>
-              <a:ea typeface="Aptos" panose="020B0004020202020204" pitchFamily="34" charset="0"/>
+              <a:sym typeface="Wingdings" panose="05000000000000000000" pitchFamily="2" charset="2"/>
             </a:endParaRPr>
           </a:p>
         </p:txBody>
@@ -12034,7 +12035,7 @@
     </p:spTree>
     <p:extLst>
       <p:ext uri="{BB962C8B-B14F-4D97-AF65-F5344CB8AC3E}">
-        <p14:creationId xmlns:p14="http://schemas.microsoft.com/office/powerpoint/2010/main" val="457384689"/>
+        <p14:creationId xmlns:p14="http://schemas.microsoft.com/office/powerpoint/2010/main" val="3918595332"/>
       </p:ext>
     </p:extLst>
   </p:cSld>
@@ -12113,13 +12114,13 @@
         </p:nvSpPr>
         <p:spPr>
           <a:xfrm>
-            <a:off x="383806" y="1628473"/>
-            <a:ext cx="11029615" cy="4443824"/>
+            <a:off x="243735" y="1941010"/>
+            <a:ext cx="11476317" cy="4443824"/>
           </a:xfrm>
         </p:spPr>
         <p:txBody>
           <a:bodyPr>
-            <a:normAutofit/>
+            <a:normAutofit lnSpcReduction="10000"/>
           </a:bodyPr>
           <a:lstStyle/>
           <a:p>
@@ -12130,7 +12131,7 @@
                 <a:ea typeface="Aptos" panose="020B0004020202020204" pitchFamily="34" charset="0"/>
                 <a:sym typeface="Wingdings" panose="05000000000000000000" pitchFamily="2" charset="2"/>
               </a:rPr>
-              <a:t>TensorFlow</a:t>
+              <a:t>VGG16</a:t>
             </a:r>
           </a:p>
           <a:p>
@@ -12141,6 +12142,7 @@
             <a:r>
               <a:rPr lang="en-US" sz="2400" dirty="0">
                 <a:latin typeface="Gill Sans MT (Body)"/>
+                <a:ea typeface="Aptos" panose="020B0004020202020204" pitchFamily="34" charset="0"/>
                 <a:sym typeface="Wingdings" panose="05000000000000000000" pitchFamily="2" charset="2"/>
               </a:rPr>
               <a:t>It </a:t>
@@ -12149,7 +12151,7 @@
               <a:rPr lang="en-US" sz="2400" dirty="0">
                 <a:latin typeface="Gill Sans MT (Body)"/>
               </a:rPr>
-              <a:t>is an open-source machine learning framework developed by Google.</a:t>
+              <a:t>is a convolutional neural network (CNN) architecture that was proposed by the Visual Geometry Group (VGG) at the University of Oxford.</a:t>
             </a:r>
           </a:p>
           <a:p>
@@ -12161,7 +12163,23 @@
               <a:rPr lang="en-US" sz="2400" dirty="0">
                 <a:latin typeface="Gill Sans MT (Body)"/>
               </a:rPr>
-              <a:t>It's widely used for building and deploying machine learning models, particularly deep learning models.</a:t>
+              <a:t>It is one of the most well-known deep learning models for image classification.</a:t>
+            </a:r>
+          </a:p>
+          <a:p>
+            <a:pPr lvl="2" algn="just"/>
+            <a:endParaRPr lang="en-US" sz="2400" dirty="0">
+              <a:latin typeface="Gill Sans MT (Body)"/>
+              <a:sym typeface="Wingdings" panose="05000000000000000000" pitchFamily="2" charset="2"/>
+            </a:endParaRPr>
+          </a:p>
+          <a:p>
+            <a:pPr lvl="1" algn="just"/>
+            <a:r>
+              <a:rPr lang="en-US" sz="2800" dirty="0">
+                <a:latin typeface="Gill Sans MT (Body)"/>
+              </a:rPr>
+              <a:t>GlobalMaxPooling2D</a:t>
             </a:r>
           </a:p>
           <a:p>
@@ -12169,18 +12187,11 @@
               <a:buFont typeface="Wingdings" panose="05000000000000000000" pitchFamily="2" charset="2"/>
               <a:buChar char="Ø"/>
             </a:pPr>
-            <a:endParaRPr lang="en-US" sz="2400" dirty="0">
-              <a:latin typeface="Gill Sans MT (Body)"/>
-            </a:endParaRPr>
-          </a:p>
-          <a:p>
-            <a:pPr lvl="1" algn="just"/>
-            <a:r>
-              <a:rPr lang="en-US" sz="2800" dirty="0">
+            <a:r>
+              <a:rPr lang="en-US" sz="2400" dirty="0">
                 <a:latin typeface="Gill Sans MT (Body)"/>
-                <a:sym typeface="Wingdings" panose="05000000000000000000" pitchFamily="2" charset="2"/>
-              </a:rPr>
-              <a:t>Keras</a:t>
+              </a:rPr>
+              <a:t>It is a pooling operation commonly used in convolutional neural networks.</a:t>
             </a:r>
           </a:p>
           <a:p>
@@ -12191,27 +12202,16 @@
             <a:r>
               <a:rPr lang="en-US" sz="2400" dirty="0">
                 <a:latin typeface="Gill Sans MT (Body)"/>
-                <a:sym typeface="Wingdings" panose="05000000000000000000" pitchFamily="2" charset="2"/>
-              </a:rPr>
-              <a:t>It </a:t>
-            </a:r>
-            <a:r>
-              <a:rPr lang="en-US" sz="2400" dirty="0">
-                <a:latin typeface="Gill Sans MT (Body)"/>
-              </a:rPr>
-              <a:t>is a high-level neural networks API, written in Python and capable of running on top of TensorFlow.</a:t>
-            </a:r>
-            <a:endParaRPr lang="en-US" sz="2400" dirty="0">
-              <a:latin typeface="Gill Sans MT (Body)"/>
-              <a:sym typeface="Wingdings" panose="05000000000000000000" pitchFamily="2" charset="2"/>
-            </a:endParaRPr>
+              </a:rPr>
+              <a:t>It reduces the spatial dimensions (height and width) of the input while retaining the most important features.</a:t>
+            </a:r>
           </a:p>
         </p:txBody>
       </p:sp>
     </p:spTree>
     <p:extLst>
       <p:ext uri="{BB962C8B-B14F-4D97-AF65-F5344CB8AC3E}">
-        <p14:creationId xmlns:p14="http://schemas.microsoft.com/office/powerpoint/2010/main" val="3918595332"/>
+        <p14:creationId xmlns:p14="http://schemas.microsoft.com/office/powerpoint/2010/main" val="3465300825"/>
       </p:ext>
     </p:extLst>
   </p:cSld>
@@ -13081,12 +13081,23 @@
 </file>
 
 <file path=customXml/item1.xml><?xml version="1.0" encoding="utf-8"?>
-<?mso-contentType ?>
-<FormTemplates xmlns="http://schemas.microsoft.com/sharepoint/v3/contenttype/forms">
-  <Display>DocumentLibraryForm</Display>
-  <Edit>DocumentLibraryForm</Edit>
-  <New>DocumentLibraryForm</New>
-</FormTemplates>
+<p:properties xmlns:p="http://schemas.microsoft.com/office/2006/metadata/properties" xmlns:xsi="http://www.w3.org/2001/XMLSchema-instance" xmlns:pc="http://schemas.microsoft.com/office/infopath/2007/PartnerControls">
+  <documentManagement>
+    <_ip_UnifiedCompliancePolicyUIAction xmlns="http://schemas.microsoft.com/sharepoint/v3" xsi:nil="true"/>
+    <Image xmlns="71af3243-3dd4-4a8d-8c0d-dd76da1f02a5">
+      <Url xsi:nil="true"/>
+      <Description xsi:nil="true"/>
+    </Image>
+    <Status xmlns="71af3243-3dd4-4a8d-8c0d-dd76da1f02a5">Not started</Status>
+    <Background xmlns="71af3243-3dd4-4a8d-8c0d-dd76da1f02a5">false</Background>
+    <_ip_UnifiedCompliancePolicyProperties xmlns="http://schemas.microsoft.com/sharepoint/v3" xsi:nil="true"/>
+    <ImageTagsTaxHTField xmlns="71af3243-3dd4-4a8d-8c0d-dd76da1f02a5">
+      <Terms xmlns="http://schemas.microsoft.com/office/infopath/2007/PartnerControls"/>
+    </ImageTagsTaxHTField>
+    <TaxCatchAll xmlns="230e9df3-be65-4c73-a93b-d1236ebd677e" xsi:nil="true"/>
+    <MediaServiceKeyPoints xmlns="71af3243-3dd4-4a8d-8c0d-dd76da1f02a5" xsi:nil="true"/>
+  </documentManagement>
+</p:properties>
 </file>
 
 <file path=customXml/item2.xml><?xml version="1.0" encoding="utf-8"?>
@@ -13396,29 +13407,22 @@
 </file>
 
 <file path=customXml/item3.xml><?xml version="1.0" encoding="utf-8"?>
-<p:properties xmlns:p="http://schemas.microsoft.com/office/2006/metadata/properties" xmlns:xsi="http://www.w3.org/2001/XMLSchema-instance" xmlns:pc="http://schemas.microsoft.com/office/infopath/2007/PartnerControls">
-  <documentManagement>
-    <_ip_UnifiedCompliancePolicyUIAction xmlns="http://schemas.microsoft.com/sharepoint/v3" xsi:nil="true"/>
-    <Image xmlns="71af3243-3dd4-4a8d-8c0d-dd76da1f02a5">
-      <Url xsi:nil="true"/>
-      <Description xsi:nil="true"/>
-    </Image>
-    <Status xmlns="71af3243-3dd4-4a8d-8c0d-dd76da1f02a5">Not started</Status>
-    <Background xmlns="71af3243-3dd4-4a8d-8c0d-dd76da1f02a5">false</Background>
-    <_ip_UnifiedCompliancePolicyProperties xmlns="http://schemas.microsoft.com/sharepoint/v3" xsi:nil="true"/>
-    <ImageTagsTaxHTField xmlns="71af3243-3dd4-4a8d-8c0d-dd76da1f02a5">
-      <Terms xmlns="http://schemas.microsoft.com/office/infopath/2007/PartnerControls"/>
-    </ImageTagsTaxHTField>
-    <TaxCatchAll xmlns="230e9df3-be65-4c73-a93b-d1236ebd677e" xsi:nil="true"/>
-    <MediaServiceKeyPoints xmlns="71af3243-3dd4-4a8d-8c0d-dd76da1f02a5" xsi:nil="true"/>
-  </documentManagement>
-</p:properties>
+<?mso-contentType ?>
+<FormTemplates xmlns="http://schemas.microsoft.com/sharepoint/v3/contenttype/forms">
+  <Display>DocumentLibraryForm</Display>
+  <Edit>DocumentLibraryForm</Edit>
+  <New>DocumentLibraryForm</New>
+</FormTemplates>
 </file>
 
 <file path=customXml/itemProps1.xml><?xml version="1.0" encoding="utf-8"?>
-<ds:datastoreItem xmlns:ds="http://schemas.openxmlformats.org/officeDocument/2006/customXml" ds:itemID="{342D3C2F-55A5-48C0-9D5A-95C7FF0389D0}">
+<ds:datastoreItem xmlns:ds="http://schemas.openxmlformats.org/officeDocument/2006/customXml" ds:itemID="{3791575F-4C21-47C4-8D13-EB9BE66B536F}">
   <ds:schemaRefs>
-    <ds:schemaRef ds:uri="http://schemas.microsoft.com/sharepoint/v3/contenttype/forms"/>
+    <ds:schemaRef ds:uri="http://schemas.microsoft.com/office/2006/metadata/properties"/>
+    <ds:schemaRef ds:uri="http://schemas.microsoft.com/office/infopath/2007/PartnerControls"/>
+    <ds:schemaRef ds:uri="http://schemas.microsoft.com/sharepoint/v3"/>
+    <ds:schemaRef ds:uri="71af3243-3dd4-4a8d-8c0d-dd76da1f02a5"/>
+    <ds:schemaRef ds:uri="230e9df3-be65-4c73-a93b-d1236ebd677e"/>
   </ds:schemaRefs>
 </ds:datastoreItem>
 </file>
@@ -13445,13 +13449,9 @@
 </file>
 
 <file path=customXml/itemProps3.xml><?xml version="1.0" encoding="utf-8"?>
-<ds:datastoreItem xmlns:ds="http://schemas.openxmlformats.org/officeDocument/2006/customXml" ds:itemID="{3791575F-4C21-47C4-8D13-EB9BE66B536F}">
+<ds:datastoreItem xmlns:ds="http://schemas.openxmlformats.org/officeDocument/2006/customXml" ds:itemID="{342D3C2F-55A5-48C0-9D5A-95C7FF0389D0}">
   <ds:schemaRefs>
-    <ds:schemaRef ds:uri="http://schemas.microsoft.com/office/2006/metadata/properties"/>
-    <ds:schemaRef ds:uri="http://schemas.microsoft.com/office/infopath/2007/PartnerControls"/>
-    <ds:schemaRef ds:uri="http://schemas.microsoft.com/sharepoint/v3"/>
-    <ds:schemaRef ds:uri="71af3243-3dd4-4a8d-8c0d-dd76da1f02a5"/>
-    <ds:schemaRef ds:uri="230e9df3-be65-4c73-a93b-d1236ebd677e"/>
+    <ds:schemaRef ds:uri="http://schemas.microsoft.com/sharepoint/v3/contenttype/forms"/>
   </ds:schemaRefs>
 </ds:datastoreItem>
 </file>